--- a/叫我抬起頭的神(崇拜版).pptx
+++ b/叫我抬起頭的神(崇拜版).pptx
@@ -2,15 +2,13 @@
 <file path=ppt/presentation.xml><?xml version="1.0" encoding="utf-8"?>
 <p:presentation xmlns:a="http://schemas.openxmlformats.org/drawingml/2006/main" xmlns:r="http://schemas.openxmlformats.org/officeDocument/2006/relationships" xmlns:p="http://schemas.openxmlformats.org/presentationml/2006/main" saveSubsetFonts="1">
   <p:sldMasterIdLst>
-    <p:sldMasterId id="2147483660" r:id="rId1"/>
+    <p:sldMasterId id="2147483672" r:id="rId1"/>
   </p:sldMasterIdLst>
   <p:sldIdLst>
     <p:sldId id="256" r:id="rId2"/>
-    <p:sldId id="257" r:id="rId3"/>
-    <p:sldId id="258" r:id="rId4"/>
-    <p:sldId id="259" r:id="rId5"/>
+    <p:sldId id="258" r:id="rId3"/>
   </p:sldIdLst>
-  <p:sldSz cx="9144000" cy="6858000" type="screen4x3"/>
+  <p:sldSz cx="12192000" cy="6858000"/>
   <p:notesSz cx="6858000" cy="9144000"/>
   <p:defaultTextStyle>
     <a:defPPr>
@@ -107,6 +105,22 @@
       </a:defRPr>
     </a:lvl9pPr>
   </p:defaultTextStyle>
+  <p:extLst>
+    <p:ext uri="{EFAFB233-063F-42B5-8137-9DF3F51BA10A}">
+      <p15:sldGuideLst xmlns:p15="http://schemas.microsoft.com/office/powerpoint/2012/main">
+        <p15:guide id="1" orient="horz" pos="2160" userDrawn="1">
+          <p15:clr>
+            <a:srgbClr val="A4A3A4"/>
+          </p15:clr>
+        </p15:guide>
+        <p15:guide id="2" pos="3840" userDrawn="1">
+          <p15:clr>
+            <a:srgbClr val="A4A3A4"/>
+          </p15:clr>
+        </p15:guide>
+      </p15:sldGuideLst>
+    </p:ext>
+  </p:extLst>
 </p:presentation>
 </file>
 
@@ -139,8 +153,8 @@
         </p:nvSpPr>
         <p:spPr>
           <a:xfrm>
-            <a:off x="685800" y="2130425"/>
-            <a:ext cx="7772400" cy="1470025"/>
+            <a:off x="914400" y="2130428"/>
+            <a:ext cx="10363200" cy="1470025"/>
           </a:xfrm>
         </p:spPr>
         <p:txBody>
@@ -148,8 +162,8 @@
           <a:lstStyle/>
           <a:p>
             <a:r>
-              <a:rPr lang="zh-TW" altLang="en-US" smtClean="0"/>
-              <a:t>按一下以編輯母片標題樣式</a:t>
+              <a:rPr lang="en-US" altLang="zh-TW" smtClean="0"/>
+              <a:t>Click to edit Master title style</a:t>
             </a:r>
             <a:endParaRPr lang="zh-TW" altLang="en-US"/>
           </a:p>
@@ -167,8 +181,8 @@
         </p:nvSpPr>
         <p:spPr>
           <a:xfrm>
-            <a:off x="1371600" y="3886200"/>
-            <a:ext cx="6400800" cy="1752600"/>
+            <a:off x="1828800" y="3886200"/>
+            <a:ext cx="8534400" cy="1752600"/>
           </a:xfrm>
         </p:spPr>
         <p:txBody>
@@ -184,7 +198,7 @@
                 </a:solidFill>
               </a:defRPr>
             </a:lvl1pPr>
-            <a:lvl2pPr marL="457200" indent="0" algn="ctr">
+            <a:lvl2pPr marL="457189" indent="0" algn="ctr">
               <a:buNone/>
               <a:defRPr>
                 <a:solidFill>
@@ -194,7 +208,7 @@
                 </a:solidFill>
               </a:defRPr>
             </a:lvl2pPr>
-            <a:lvl3pPr marL="914400" indent="0" algn="ctr">
+            <a:lvl3pPr marL="914378" indent="0" algn="ctr">
               <a:buNone/>
               <a:defRPr>
                 <a:solidFill>
@@ -204,7 +218,7 @@
                 </a:solidFill>
               </a:defRPr>
             </a:lvl3pPr>
-            <a:lvl4pPr marL="1371600" indent="0" algn="ctr">
+            <a:lvl4pPr marL="1371566" indent="0" algn="ctr">
               <a:buNone/>
               <a:defRPr>
                 <a:solidFill>
@@ -214,7 +228,7 @@
                 </a:solidFill>
               </a:defRPr>
             </a:lvl4pPr>
-            <a:lvl5pPr marL="1828800" indent="0" algn="ctr">
+            <a:lvl5pPr marL="1828754" indent="0" algn="ctr">
               <a:buNone/>
               <a:defRPr>
                 <a:solidFill>
@@ -224,7 +238,7 @@
                 </a:solidFill>
               </a:defRPr>
             </a:lvl5pPr>
-            <a:lvl6pPr marL="2286000" indent="0" algn="ctr">
+            <a:lvl6pPr marL="2285943" indent="0" algn="ctr">
               <a:buNone/>
               <a:defRPr>
                 <a:solidFill>
@@ -234,7 +248,7 @@
                 </a:solidFill>
               </a:defRPr>
             </a:lvl6pPr>
-            <a:lvl7pPr marL="2743200" indent="0" algn="ctr">
+            <a:lvl7pPr marL="2743132" indent="0" algn="ctr">
               <a:buNone/>
               <a:defRPr>
                 <a:solidFill>
@@ -244,7 +258,7 @@
                 </a:solidFill>
               </a:defRPr>
             </a:lvl7pPr>
-            <a:lvl8pPr marL="3200400" indent="0" algn="ctr">
+            <a:lvl8pPr marL="3200320" indent="0" algn="ctr">
               <a:buNone/>
               <a:defRPr>
                 <a:solidFill>
@@ -254,7 +268,7 @@
                 </a:solidFill>
               </a:defRPr>
             </a:lvl8pPr>
-            <a:lvl9pPr marL="3657600" indent="0" algn="ctr">
+            <a:lvl9pPr marL="3657509" indent="0" algn="ctr">
               <a:buNone/>
               <a:defRPr>
                 <a:solidFill>
@@ -267,8 +281,8 @@
           </a:lstStyle>
           <a:p>
             <a:r>
-              <a:rPr lang="zh-TW" altLang="en-US" smtClean="0"/>
-              <a:t>按一下以編輯母片副標題樣式</a:t>
+              <a:rPr lang="en-US" altLang="zh-TW" smtClean="0"/>
+              <a:t>Click to edit Master subtitle style</a:t>
             </a:r>
             <a:endParaRPr lang="zh-TW" altLang="en-US"/>
           </a:p>
@@ -291,7 +305,7 @@
           <a:p>
             <a:fld id="{2D090BFC-FE9E-4A7A-A32A-894D5623C2A2}" type="datetimeFigureOut">
               <a:rPr lang="zh-TW" altLang="en-US" smtClean="0"/>
-              <a:t>2018/2/10</a:t>
+              <a:t>2020/9/19</a:t>
             </a:fld>
             <a:endParaRPr lang="zh-TW" altLang="en-US"/>
           </a:p>
@@ -340,6 +354,11 @@
         </p:txBody>
       </p:sp>
     </p:spTree>
+    <p:extLst>
+      <p:ext uri="{BB962C8B-B14F-4D97-AF65-F5344CB8AC3E}">
+        <p14:creationId xmlns:p14="http://schemas.microsoft.com/office/powerpoint/2010/main" val="3893838881"/>
+      </p:ext>
+    </p:extLst>
   </p:cSld>
   <p:clrMapOvr>
     <a:masterClrMapping/>
@@ -380,8 +399,8 @@
           <a:lstStyle/>
           <a:p>
             <a:r>
-              <a:rPr lang="zh-TW" altLang="en-US" smtClean="0"/>
-              <a:t>按一下以編輯母片標題樣式</a:t>
+              <a:rPr lang="en-US" altLang="zh-TW" smtClean="0"/>
+              <a:t>Click to edit Master title style</a:t>
             </a:r>
             <a:endParaRPr lang="zh-TW" altLang="en-US"/>
           </a:p>
@@ -404,36 +423,36 @@
           <a:p>
             <a:pPr lvl="0"/>
             <a:r>
-              <a:rPr lang="zh-TW" altLang="en-US" smtClean="0"/>
-              <a:t>按一下以編輯母片文字樣式</a:t>
+              <a:rPr lang="en-US" altLang="zh-TW" smtClean="0"/>
+              <a:t>Edit Master text styles</a:t>
             </a:r>
           </a:p>
           <a:p>
             <a:pPr lvl="1"/>
             <a:r>
-              <a:rPr lang="zh-TW" altLang="en-US" smtClean="0"/>
-              <a:t>第二層</a:t>
+              <a:rPr lang="en-US" altLang="zh-TW" smtClean="0"/>
+              <a:t>Second level</a:t>
             </a:r>
           </a:p>
           <a:p>
             <a:pPr lvl="2"/>
             <a:r>
-              <a:rPr lang="zh-TW" altLang="en-US" smtClean="0"/>
-              <a:t>第三層</a:t>
+              <a:rPr lang="en-US" altLang="zh-TW" smtClean="0"/>
+              <a:t>Third level</a:t>
             </a:r>
           </a:p>
           <a:p>
             <a:pPr lvl="3"/>
             <a:r>
-              <a:rPr lang="zh-TW" altLang="en-US" smtClean="0"/>
-              <a:t>第四層</a:t>
+              <a:rPr lang="en-US" altLang="zh-TW" smtClean="0"/>
+              <a:t>Fourth level</a:t>
             </a:r>
           </a:p>
           <a:p>
             <a:pPr lvl="4"/>
             <a:r>
-              <a:rPr lang="zh-TW" altLang="en-US" smtClean="0"/>
-              <a:t>第五層</a:t>
+              <a:rPr lang="en-US" altLang="zh-TW" smtClean="0"/>
+              <a:t>Fifth level</a:t>
             </a:r>
             <a:endParaRPr lang="zh-TW" altLang="en-US"/>
           </a:p>
@@ -456,7 +475,7 @@
           <a:p>
             <a:fld id="{2D090BFC-FE9E-4A7A-A32A-894D5623C2A2}" type="datetimeFigureOut">
               <a:rPr lang="zh-TW" altLang="en-US" smtClean="0"/>
-              <a:t>2018/2/10</a:t>
+              <a:t>2020/9/19</a:t>
             </a:fld>
             <a:endParaRPr lang="zh-TW" altLang="en-US"/>
           </a:p>
@@ -505,6 +524,11 @@
         </p:txBody>
       </p:sp>
     </p:spTree>
+    <p:extLst>
+      <p:ext uri="{BB962C8B-B14F-4D97-AF65-F5344CB8AC3E}">
+        <p14:creationId xmlns:p14="http://schemas.microsoft.com/office/powerpoint/2010/main" val="3771377339"/>
+      </p:ext>
+    </p:extLst>
   </p:cSld>
   <p:clrMapOvr>
     <a:masterClrMapping/>
@@ -541,8 +565,8 @@
         </p:nvSpPr>
         <p:spPr>
           <a:xfrm>
-            <a:off x="6629400" y="274638"/>
-            <a:ext cx="2057400" cy="5851525"/>
+            <a:off x="8839200" y="274641"/>
+            <a:ext cx="2743200" cy="5851525"/>
           </a:xfrm>
         </p:spPr>
         <p:txBody>
@@ -550,8 +574,8 @@
           <a:lstStyle/>
           <a:p>
             <a:r>
-              <a:rPr lang="zh-TW" altLang="en-US" smtClean="0"/>
-              <a:t>按一下以編輯母片標題樣式</a:t>
+              <a:rPr lang="en-US" altLang="zh-TW" smtClean="0"/>
+              <a:t>Click to edit Master title style</a:t>
             </a:r>
             <a:endParaRPr lang="zh-TW" altLang="en-US"/>
           </a:p>
@@ -569,8 +593,8 @@
         </p:nvSpPr>
         <p:spPr>
           <a:xfrm>
-            <a:off x="457200" y="274638"/>
-            <a:ext cx="6019800" cy="5851525"/>
+            <a:off x="609600" y="274641"/>
+            <a:ext cx="8026400" cy="5851525"/>
           </a:xfrm>
         </p:spPr>
         <p:txBody>
@@ -579,36 +603,36 @@
           <a:p>
             <a:pPr lvl="0"/>
             <a:r>
-              <a:rPr lang="zh-TW" altLang="en-US" smtClean="0"/>
-              <a:t>按一下以編輯母片文字樣式</a:t>
+              <a:rPr lang="en-US" altLang="zh-TW" smtClean="0"/>
+              <a:t>Edit Master text styles</a:t>
             </a:r>
           </a:p>
           <a:p>
             <a:pPr lvl="1"/>
             <a:r>
-              <a:rPr lang="zh-TW" altLang="en-US" smtClean="0"/>
-              <a:t>第二層</a:t>
+              <a:rPr lang="en-US" altLang="zh-TW" smtClean="0"/>
+              <a:t>Second level</a:t>
             </a:r>
           </a:p>
           <a:p>
             <a:pPr lvl="2"/>
             <a:r>
-              <a:rPr lang="zh-TW" altLang="en-US" smtClean="0"/>
-              <a:t>第三層</a:t>
+              <a:rPr lang="en-US" altLang="zh-TW" smtClean="0"/>
+              <a:t>Third level</a:t>
             </a:r>
           </a:p>
           <a:p>
             <a:pPr lvl="3"/>
             <a:r>
-              <a:rPr lang="zh-TW" altLang="en-US" smtClean="0"/>
-              <a:t>第四層</a:t>
+              <a:rPr lang="en-US" altLang="zh-TW" smtClean="0"/>
+              <a:t>Fourth level</a:t>
             </a:r>
           </a:p>
           <a:p>
             <a:pPr lvl="4"/>
             <a:r>
-              <a:rPr lang="zh-TW" altLang="en-US" smtClean="0"/>
-              <a:t>第五層</a:t>
+              <a:rPr lang="en-US" altLang="zh-TW" smtClean="0"/>
+              <a:t>Fifth level</a:t>
             </a:r>
             <a:endParaRPr lang="zh-TW" altLang="en-US"/>
           </a:p>
@@ -631,7 +655,7 @@
           <a:p>
             <a:fld id="{2D090BFC-FE9E-4A7A-A32A-894D5623C2A2}" type="datetimeFigureOut">
               <a:rPr lang="zh-TW" altLang="en-US" smtClean="0"/>
-              <a:t>2018/2/10</a:t>
+              <a:t>2020/9/19</a:t>
             </a:fld>
             <a:endParaRPr lang="zh-TW" altLang="en-US"/>
           </a:p>
@@ -680,6 +704,11 @@
         </p:txBody>
       </p:sp>
     </p:spTree>
+    <p:extLst>
+      <p:ext uri="{BB962C8B-B14F-4D97-AF65-F5344CB8AC3E}">
+        <p14:creationId xmlns:p14="http://schemas.microsoft.com/office/powerpoint/2010/main" val="2998700815"/>
+      </p:ext>
+    </p:extLst>
   </p:cSld>
   <p:clrMapOvr>
     <a:masterClrMapping/>
@@ -720,8 +749,8 @@
           <a:lstStyle/>
           <a:p>
             <a:r>
-              <a:rPr lang="zh-TW" altLang="en-US" smtClean="0"/>
-              <a:t>按一下以編輯母片標題樣式</a:t>
+              <a:rPr lang="en-US" altLang="zh-TW" smtClean="0"/>
+              <a:t>Click to edit Master title style</a:t>
             </a:r>
             <a:endParaRPr lang="zh-TW" altLang="en-US"/>
           </a:p>
@@ -744,36 +773,36 @@
           <a:p>
             <a:pPr lvl="0"/>
             <a:r>
-              <a:rPr lang="zh-TW" altLang="en-US" smtClean="0"/>
-              <a:t>按一下以編輯母片文字樣式</a:t>
+              <a:rPr lang="en-US" altLang="zh-TW" smtClean="0"/>
+              <a:t>Edit Master text styles</a:t>
             </a:r>
           </a:p>
           <a:p>
             <a:pPr lvl="1"/>
             <a:r>
-              <a:rPr lang="zh-TW" altLang="en-US" smtClean="0"/>
-              <a:t>第二層</a:t>
+              <a:rPr lang="en-US" altLang="zh-TW" smtClean="0"/>
+              <a:t>Second level</a:t>
             </a:r>
           </a:p>
           <a:p>
             <a:pPr lvl="2"/>
             <a:r>
-              <a:rPr lang="zh-TW" altLang="en-US" smtClean="0"/>
-              <a:t>第三層</a:t>
+              <a:rPr lang="en-US" altLang="zh-TW" smtClean="0"/>
+              <a:t>Third level</a:t>
             </a:r>
           </a:p>
           <a:p>
             <a:pPr lvl="3"/>
             <a:r>
-              <a:rPr lang="zh-TW" altLang="en-US" smtClean="0"/>
-              <a:t>第四層</a:t>
+              <a:rPr lang="en-US" altLang="zh-TW" smtClean="0"/>
+              <a:t>Fourth level</a:t>
             </a:r>
           </a:p>
           <a:p>
             <a:pPr lvl="4"/>
             <a:r>
-              <a:rPr lang="zh-TW" altLang="en-US" smtClean="0"/>
-              <a:t>第五層</a:t>
+              <a:rPr lang="en-US" altLang="zh-TW" smtClean="0"/>
+              <a:t>Fifth level</a:t>
             </a:r>
             <a:endParaRPr lang="zh-TW" altLang="en-US"/>
           </a:p>
@@ -796,7 +825,7 @@
           <a:p>
             <a:fld id="{2D090BFC-FE9E-4A7A-A32A-894D5623C2A2}" type="datetimeFigureOut">
               <a:rPr lang="zh-TW" altLang="en-US" smtClean="0"/>
-              <a:t>2018/2/10</a:t>
+              <a:t>2020/9/19</a:t>
             </a:fld>
             <a:endParaRPr lang="zh-TW" altLang="en-US"/>
           </a:p>
@@ -845,6 +874,11 @@
         </p:txBody>
       </p:sp>
     </p:spTree>
+    <p:extLst>
+      <p:ext uri="{BB962C8B-B14F-4D97-AF65-F5344CB8AC3E}">
+        <p14:creationId xmlns:p14="http://schemas.microsoft.com/office/powerpoint/2010/main" val="2363589633"/>
+      </p:ext>
+    </p:extLst>
   </p:cSld>
   <p:clrMapOvr>
     <a:masterClrMapping/>
@@ -881,8 +915,8 @@
         </p:nvSpPr>
         <p:spPr>
           <a:xfrm>
-            <a:off x="722313" y="4406900"/>
-            <a:ext cx="7772400" cy="1362075"/>
+            <a:off x="963084" y="4406903"/>
+            <a:ext cx="10363200" cy="1362075"/>
           </a:xfrm>
         </p:spPr>
         <p:txBody>
@@ -894,8 +928,8 @@
           </a:lstStyle>
           <a:p>
             <a:r>
-              <a:rPr lang="zh-TW" altLang="en-US" smtClean="0"/>
-              <a:t>按一下以編輯母片標題樣式</a:t>
+              <a:rPr lang="en-US" altLang="zh-TW" smtClean="0"/>
+              <a:t>Click to edit Master title style</a:t>
             </a:r>
             <a:endParaRPr lang="zh-TW" altLang="en-US"/>
           </a:p>
@@ -913,8 +947,8 @@
         </p:nvSpPr>
         <p:spPr>
           <a:xfrm>
-            <a:off x="722313" y="2906713"/>
-            <a:ext cx="7772400" cy="1500187"/>
+            <a:off x="963084" y="2906713"/>
+            <a:ext cx="10363200" cy="1500187"/>
           </a:xfrm>
         </p:spPr>
         <p:txBody>
@@ -930,7 +964,7 @@
                 </a:solidFill>
               </a:defRPr>
             </a:lvl1pPr>
-            <a:lvl2pPr marL="457200" indent="0">
+            <a:lvl2pPr marL="457189" indent="0">
               <a:buNone/>
               <a:defRPr sz="1800">
                 <a:solidFill>
@@ -940,7 +974,7 @@
                 </a:solidFill>
               </a:defRPr>
             </a:lvl2pPr>
-            <a:lvl3pPr marL="914400" indent="0">
+            <a:lvl3pPr marL="914378" indent="0">
               <a:buNone/>
               <a:defRPr sz="1600">
                 <a:solidFill>
@@ -950,7 +984,7 @@
                 </a:solidFill>
               </a:defRPr>
             </a:lvl3pPr>
-            <a:lvl4pPr marL="1371600" indent="0">
+            <a:lvl4pPr marL="1371566" indent="0">
               <a:buNone/>
               <a:defRPr sz="1400">
                 <a:solidFill>
@@ -960,7 +994,7 @@
                 </a:solidFill>
               </a:defRPr>
             </a:lvl4pPr>
-            <a:lvl5pPr marL="1828800" indent="0">
+            <a:lvl5pPr marL="1828754" indent="0">
               <a:buNone/>
               <a:defRPr sz="1400">
                 <a:solidFill>
@@ -970,7 +1004,7 @@
                 </a:solidFill>
               </a:defRPr>
             </a:lvl5pPr>
-            <a:lvl6pPr marL="2286000" indent="0">
+            <a:lvl6pPr marL="2285943" indent="0">
               <a:buNone/>
               <a:defRPr sz="1400">
                 <a:solidFill>
@@ -980,7 +1014,7 @@
                 </a:solidFill>
               </a:defRPr>
             </a:lvl6pPr>
-            <a:lvl7pPr marL="2743200" indent="0">
+            <a:lvl7pPr marL="2743132" indent="0">
               <a:buNone/>
               <a:defRPr sz="1400">
                 <a:solidFill>
@@ -990,7 +1024,7 @@
                 </a:solidFill>
               </a:defRPr>
             </a:lvl7pPr>
-            <a:lvl8pPr marL="3200400" indent="0">
+            <a:lvl8pPr marL="3200320" indent="0">
               <a:buNone/>
               <a:defRPr sz="1400">
                 <a:solidFill>
@@ -1000,7 +1034,7 @@
                 </a:solidFill>
               </a:defRPr>
             </a:lvl8pPr>
-            <a:lvl9pPr marL="3657600" indent="0">
+            <a:lvl9pPr marL="3657509" indent="0">
               <a:buNone/>
               <a:defRPr sz="1400">
                 <a:solidFill>
@@ -1014,8 +1048,8 @@
           <a:p>
             <a:pPr lvl="0"/>
             <a:r>
-              <a:rPr lang="zh-TW" altLang="en-US" smtClean="0"/>
-              <a:t>按一下以編輯母片文字樣式</a:t>
+              <a:rPr lang="en-US" altLang="zh-TW" smtClean="0"/>
+              <a:t>Edit Master text styles</a:t>
             </a:r>
           </a:p>
         </p:txBody>
@@ -1037,7 +1071,7 @@
           <a:p>
             <a:fld id="{2D090BFC-FE9E-4A7A-A32A-894D5623C2A2}" type="datetimeFigureOut">
               <a:rPr lang="zh-TW" altLang="en-US" smtClean="0"/>
-              <a:t>2018/2/10</a:t>
+              <a:t>2020/9/19</a:t>
             </a:fld>
             <a:endParaRPr lang="zh-TW" altLang="en-US"/>
           </a:p>
@@ -1086,6 +1120,11 @@
         </p:txBody>
       </p:sp>
     </p:spTree>
+    <p:extLst>
+      <p:ext uri="{BB962C8B-B14F-4D97-AF65-F5344CB8AC3E}">
+        <p14:creationId xmlns:p14="http://schemas.microsoft.com/office/powerpoint/2010/main" val="2079638052"/>
+      </p:ext>
+    </p:extLst>
   </p:cSld>
   <p:clrMapOvr>
     <a:masterClrMapping/>
@@ -1126,8 +1165,8 @@
           <a:lstStyle/>
           <a:p>
             <a:r>
-              <a:rPr lang="zh-TW" altLang="en-US" smtClean="0"/>
-              <a:t>按一下以編輯母片標題樣式</a:t>
+              <a:rPr lang="en-US" altLang="zh-TW" smtClean="0"/>
+              <a:t>Click to edit Master title style</a:t>
             </a:r>
             <a:endParaRPr lang="zh-TW" altLang="en-US"/>
           </a:p>
@@ -1145,8 +1184,8 @@
         </p:nvSpPr>
         <p:spPr>
           <a:xfrm>
-            <a:off x="457200" y="1600200"/>
-            <a:ext cx="4038600" cy="4525963"/>
+            <a:off x="609600" y="1600203"/>
+            <a:ext cx="5384800" cy="4525963"/>
           </a:xfrm>
         </p:spPr>
         <p:txBody>
@@ -1183,36 +1222,36 @@
           <a:p>
             <a:pPr lvl="0"/>
             <a:r>
-              <a:rPr lang="zh-TW" altLang="en-US" smtClean="0"/>
-              <a:t>按一下以編輯母片文字樣式</a:t>
+              <a:rPr lang="en-US" altLang="zh-TW" smtClean="0"/>
+              <a:t>Edit Master text styles</a:t>
             </a:r>
           </a:p>
           <a:p>
             <a:pPr lvl="1"/>
             <a:r>
-              <a:rPr lang="zh-TW" altLang="en-US" smtClean="0"/>
-              <a:t>第二層</a:t>
+              <a:rPr lang="en-US" altLang="zh-TW" smtClean="0"/>
+              <a:t>Second level</a:t>
             </a:r>
           </a:p>
           <a:p>
             <a:pPr lvl="2"/>
             <a:r>
-              <a:rPr lang="zh-TW" altLang="en-US" smtClean="0"/>
-              <a:t>第三層</a:t>
+              <a:rPr lang="en-US" altLang="zh-TW" smtClean="0"/>
+              <a:t>Third level</a:t>
             </a:r>
           </a:p>
           <a:p>
             <a:pPr lvl="3"/>
             <a:r>
-              <a:rPr lang="zh-TW" altLang="en-US" smtClean="0"/>
-              <a:t>第四層</a:t>
+              <a:rPr lang="en-US" altLang="zh-TW" smtClean="0"/>
+              <a:t>Fourth level</a:t>
             </a:r>
           </a:p>
           <a:p>
             <a:pPr lvl="4"/>
             <a:r>
-              <a:rPr lang="zh-TW" altLang="en-US" smtClean="0"/>
-              <a:t>第五層</a:t>
+              <a:rPr lang="en-US" altLang="zh-TW" smtClean="0"/>
+              <a:t>Fifth level</a:t>
             </a:r>
             <a:endParaRPr lang="zh-TW" altLang="en-US"/>
           </a:p>
@@ -1230,8 +1269,8 @@
         </p:nvSpPr>
         <p:spPr>
           <a:xfrm>
-            <a:off x="4648200" y="1600200"/>
-            <a:ext cx="4038600" cy="4525963"/>
+            <a:off x="6197600" y="1600203"/>
+            <a:ext cx="5384800" cy="4525963"/>
           </a:xfrm>
         </p:spPr>
         <p:txBody>
@@ -1268,36 +1307,36 @@
           <a:p>
             <a:pPr lvl="0"/>
             <a:r>
-              <a:rPr lang="zh-TW" altLang="en-US" smtClean="0"/>
-              <a:t>按一下以編輯母片文字樣式</a:t>
+              <a:rPr lang="en-US" altLang="zh-TW" smtClean="0"/>
+              <a:t>Edit Master text styles</a:t>
             </a:r>
           </a:p>
           <a:p>
             <a:pPr lvl="1"/>
             <a:r>
-              <a:rPr lang="zh-TW" altLang="en-US" smtClean="0"/>
-              <a:t>第二層</a:t>
+              <a:rPr lang="en-US" altLang="zh-TW" smtClean="0"/>
+              <a:t>Second level</a:t>
             </a:r>
           </a:p>
           <a:p>
             <a:pPr lvl="2"/>
             <a:r>
-              <a:rPr lang="zh-TW" altLang="en-US" smtClean="0"/>
-              <a:t>第三層</a:t>
+              <a:rPr lang="en-US" altLang="zh-TW" smtClean="0"/>
+              <a:t>Third level</a:t>
             </a:r>
           </a:p>
           <a:p>
             <a:pPr lvl="3"/>
             <a:r>
-              <a:rPr lang="zh-TW" altLang="en-US" smtClean="0"/>
-              <a:t>第四層</a:t>
+              <a:rPr lang="en-US" altLang="zh-TW" smtClean="0"/>
+              <a:t>Fourth level</a:t>
             </a:r>
           </a:p>
           <a:p>
             <a:pPr lvl="4"/>
             <a:r>
-              <a:rPr lang="zh-TW" altLang="en-US" smtClean="0"/>
-              <a:t>第五層</a:t>
+              <a:rPr lang="en-US" altLang="zh-TW" smtClean="0"/>
+              <a:t>Fifth level</a:t>
             </a:r>
             <a:endParaRPr lang="zh-TW" altLang="en-US"/>
           </a:p>
@@ -1320,7 +1359,7 @@
           <a:p>
             <a:fld id="{2D090BFC-FE9E-4A7A-A32A-894D5623C2A2}" type="datetimeFigureOut">
               <a:rPr lang="zh-TW" altLang="en-US" smtClean="0"/>
-              <a:t>2018/2/10</a:t>
+              <a:t>2020/9/19</a:t>
             </a:fld>
             <a:endParaRPr lang="zh-TW" altLang="en-US"/>
           </a:p>
@@ -1369,6 +1408,11 @@
         </p:txBody>
       </p:sp>
     </p:spTree>
+    <p:extLst>
+      <p:ext uri="{BB962C8B-B14F-4D97-AF65-F5344CB8AC3E}">
+        <p14:creationId xmlns:p14="http://schemas.microsoft.com/office/powerpoint/2010/main" val="1237088538"/>
+      </p:ext>
+    </p:extLst>
   </p:cSld>
   <p:clrMapOvr>
     <a:masterClrMapping/>
@@ -1413,8 +1457,8 @@
           </a:lstStyle>
           <a:p>
             <a:r>
-              <a:rPr lang="zh-TW" altLang="en-US" smtClean="0"/>
-              <a:t>按一下以編輯母片標題樣式</a:t>
+              <a:rPr lang="en-US" altLang="zh-TW" smtClean="0"/>
+              <a:t>Click to edit Master title style</a:t>
             </a:r>
             <a:endParaRPr lang="zh-TW" altLang="en-US"/>
           </a:p>
@@ -1432,8 +1476,8 @@
         </p:nvSpPr>
         <p:spPr>
           <a:xfrm>
-            <a:off x="457200" y="1535113"/>
-            <a:ext cx="4040188" cy="639762"/>
+            <a:off x="609600" y="1535115"/>
+            <a:ext cx="5386917" cy="639763"/>
           </a:xfrm>
         </p:spPr>
         <p:txBody>
@@ -1443,35 +1487,35 @@
               <a:buNone/>
               <a:defRPr sz="2400" b="1"/>
             </a:lvl1pPr>
-            <a:lvl2pPr marL="457200" indent="0">
+            <a:lvl2pPr marL="457189" indent="0">
               <a:buNone/>
               <a:defRPr sz="2000" b="1"/>
             </a:lvl2pPr>
-            <a:lvl3pPr marL="914400" indent="0">
+            <a:lvl3pPr marL="914378" indent="0">
               <a:buNone/>
               <a:defRPr sz="1800" b="1"/>
             </a:lvl3pPr>
-            <a:lvl4pPr marL="1371600" indent="0">
+            <a:lvl4pPr marL="1371566" indent="0">
               <a:buNone/>
               <a:defRPr sz="1600" b="1"/>
             </a:lvl4pPr>
-            <a:lvl5pPr marL="1828800" indent="0">
+            <a:lvl5pPr marL="1828754" indent="0">
               <a:buNone/>
               <a:defRPr sz="1600" b="1"/>
             </a:lvl5pPr>
-            <a:lvl6pPr marL="2286000" indent="0">
+            <a:lvl6pPr marL="2285943" indent="0">
               <a:buNone/>
               <a:defRPr sz="1600" b="1"/>
             </a:lvl6pPr>
-            <a:lvl7pPr marL="2743200" indent="0">
+            <a:lvl7pPr marL="2743132" indent="0">
               <a:buNone/>
               <a:defRPr sz="1600" b="1"/>
             </a:lvl7pPr>
-            <a:lvl8pPr marL="3200400" indent="0">
+            <a:lvl8pPr marL="3200320" indent="0">
               <a:buNone/>
               <a:defRPr sz="1600" b="1"/>
             </a:lvl8pPr>
-            <a:lvl9pPr marL="3657600" indent="0">
+            <a:lvl9pPr marL="3657509" indent="0">
               <a:buNone/>
               <a:defRPr sz="1600" b="1"/>
             </a:lvl9pPr>
@@ -1479,8 +1523,8 @@
           <a:p>
             <a:pPr lvl="0"/>
             <a:r>
-              <a:rPr lang="zh-TW" altLang="en-US" smtClean="0"/>
-              <a:t>按一下以編輯母片文字樣式</a:t>
+              <a:rPr lang="en-US" altLang="zh-TW" smtClean="0"/>
+              <a:t>Edit Master text styles</a:t>
             </a:r>
           </a:p>
         </p:txBody>
@@ -1497,8 +1541,8 @@
         </p:nvSpPr>
         <p:spPr>
           <a:xfrm>
-            <a:off x="457200" y="2174875"/>
-            <a:ext cx="4040188" cy="3951288"/>
+            <a:off x="609600" y="2174875"/>
+            <a:ext cx="5386917" cy="3951288"/>
           </a:xfrm>
         </p:spPr>
         <p:txBody>
@@ -1535,36 +1579,36 @@
           <a:p>
             <a:pPr lvl="0"/>
             <a:r>
-              <a:rPr lang="zh-TW" altLang="en-US" smtClean="0"/>
-              <a:t>按一下以編輯母片文字樣式</a:t>
+              <a:rPr lang="en-US" altLang="zh-TW" smtClean="0"/>
+              <a:t>Edit Master text styles</a:t>
             </a:r>
           </a:p>
           <a:p>
             <a:pPr lvl="1"/>
             <a:r>
-              <a:rPr lang="zh-TW" altLang="en-US" smtClean="0"/>
-              <a:t>第二層</a:t>
+              <a:rPr lang="en-US" altLang="zh-TW" smtClean="0"/>
+              <a:t>Second level</a:t>
             </a:r>
           </a:p>
           <a:p>
             <a:pPr lvl="2"/>
             <a:r>
-              <a:rPr lang="zh-TW" altLang="en-US" smtClean="0"/>
-              <a:t>第三層</a:t>
+              <a:rPr lang="en-US" altLang="zh-TW" smtClean="0"/>
+              <a:t>Third level</a:t>
             </a:r>
           </a:p>
           <a:p>
             <a:pPr lvl="3"/>
             <a:r>
-              <a:rPr lang="zh-TW" altLang="en-US" smtClean="0"/>
-              <a:t>第四層</a:t>
+              <a:rPr lang="en-US" altLang="zh-TW" smtClean="0"/>
+              <a:t>Fourth level</a:t>
             </a:r>
           </a:p>
           <a:p>
             <a:pPr lvl="4"/>
             <a:r>
-              <a:rPr lang="zh-TW" altLang="en-US" smtClean="0"/>
-              <a:t>第五層</a:t>
+              <a:rPr lang="en-US" altLang="zh-TW" smtClean="0"/>
+              <a:t>Fifth level</a:t>
             </a:r>
             <a:endParaRPr lang="zh-TW" altLang="en-US"/>
           </a:p>
@@ -1582,8 +1626,8 @@
         </p:nvSpPr>
         <p:spPr>
           <a:xfrm>
-            <a:off x="4645025" y="1535113"/>
-            <a:ext cx="4041775" cy="639762"/>
+            <a:off x="6193370" y="1535115"/>
+            <a:ext cx="5389033" cy="639763"/>
           </a:xfrm>
         </p:spPr>
         <p:txBody>
@@ -1593,35 +1637,35 @@
               <a:buNone/>
               <a:defRPr sz="2400" b="1"/>
             </a:lvl1pPr>
-            <a:lvl2pPr marL="457200" indent="0">
+            <a:lvl2pPr marL="457189" indent="0">
               <a:buNone/>
               <a:defRPr sz="2000" b="1"/>
             </a:lvl2pPr>
-            <a:lvl3pPr marL="914400" indent="0">
+            <a:lvl3pPr marL="914378" indent="0">
               <a:buNone/>
               <a:defRPr sz="1800" b="1"/>
             </a:lvl3pPr>
-            <a:lvl4pPr marL="1371600" indent="0">
+            <a:lvl4pPr marL="1371566" indent="0">
               <a:buNone/>
               <a:defRPr sz="1600" b="1"/>
             </a:lvl4pPr>
-            <a:lvl5pPr marL="1828800" indent="0">
+            <a:lvl5pPr marL="1828754" indent="0">
               <a:buNone/>
               <a:defRPr sz="1600" b="1"/>
             </a:lvl5pPr>
-            <a:lvl6pPr marL="2286000" indent="0">
+            <a:lvl6pPr marL="2285943" indent="0">
               <a:buNone/>
               <a:defRPr sz="1600" b="1"/>
             </a:lvl6pPr>
-            <a:lvl7pPr marL="2743200" indent="0">
+            <a:lvl7pPr marL="2743132" indent="0">
               <a:buNone/>
               <a:defRPr sz="1600" b="1"/>
             </a:lvl7pPr>
-            <a:lvl8pPr marL="3200400" indent="0">
+            <a:lvl8pPr marL="3200320" indent="0">
               <a:buNone/>
               <a:defRPr sz="1600" b="1"/>
             </a:lvl8pPr>
-            <a:lvl9pPr marL="3657600" indent="0">
+            <a:lvl9pPr marL="3657509" indent="0">
               <a:buNone/>
               <a:defRPr sz="1600" b="1"/>
             </a:lvl9pPr>
@@ -1629,8 +1673,8 @@
           <a:p>
             <a:pPr lvl="0"/>
             <a:r>
-              <a:rPr lang="zh-TW" altLang="en-US" smtClean="0"/>
-              <a:t>按一下以編輯母片文字樣式</a:t>
+              <a:rPr lang="en-US" altLang="zh-TW" smtClean="0"/>
+              <a:t>Edit Master text styles</a:t>
             </a:r>
           </a:p>
         </p:txBody>
@@ -1647,8 +1691,8 @@
         </p:nvSpPr>
         <p:spPr>
           <a:xfrm>
-            <a:off x="4645025" y="2174875"/>
-            <a:ext cx="4041775" cy="3951288"/>
+            <a:off x="6193370" y="2174875"/>
+            <a:ext cx="5389033" cy="3951288"/>
           </a:xfrm>
         </p:spPr>
         <p:txBody>
@@ -1685,36 +1729,36 @@
           <a:p>
             <a:pPr lvl="0"/>
             <a:r>
-              <a:rPr lang="zh-TW" altLang="en-US" smtClean="0"/>
-              <a:t>按一下以編輯母片文字樣式</a:t>
+              <a:rPr lang="en-US" altLang="zh-TW" smtClean="0"/>
+              <a:t>Edit Master text styles</a:t>
             </a:r>
           </a:p>
           <a:p>
             <a:pPr lvl="1"/>
             <a:r>
-              <a:rPr lang="zh-TW" altLang="en-US" smtClean="0"/>
-              <a:t>第二層</a:t>
+              <a:rPr lang="en-US" altLang="zh-TW" smtClean="0"/>
+              <a:t>Second level</a:t>
             </a:r>
           </a:p>
           <a:p>
             <a:pPr lvl="2"/>
             <a:r>
-              <a:rPr lang="zh-TW" altLang="en-US" smtClean="0"/>
-              <a:t>第三層</a:t>
+              <a:rPr lang="en-US" altLang="zh-TW" smtClean="0"/>
+              <a:t>Third level</a:t>
             </a:r>
           </a:p>
           <a:p>
             <a:pPr lvl="3"/>
             <a:r>
-              <a:rPr lang="zh-TW" altLang="en-US" smtClean="0"/>
-              <a:t>第四層</a:t>
+              <a:rPr lang="en-US" altLang="zh-TW" smtClean="0"/>
+              <a:t>Fourth level</a:t>
             </a:r>
           </a:p>
           <a:p>
             <a:pPr lvl="4"/>
             <a:r>
-              <a:rPr lang="zh-TW" altLang="en-US" smtClean="0"/>
-              <a:t>第五層</a:t>
+              <a:rPr lang="en-US" altLang="zh-TW" smtClean="0"/>
+              <a:t>Fifth level</a:t>
             </a:r>
             <a:endParaRPr lang="zh-TW" altLang="en-US"/>
           </a:p>
@@ -1737,7 +1781,7 @@
           <a:p>
             <a:fld id="{2D090BFC-FE9E-4A7A-A32A-894D5623C2A2}" type="datetimeFigureOut">
               <a:rPr lang="zh-TW" altLang="en-US" smtClean="0"/>
-              <a:t>2018/2/10</a:t>
+              <a:t>2020/9/19</a:t>
             </a:fld>
             <a:endParaRPr lang="zh-TW" altLang="en-US"/>
           </a:p>
@@ -1786,6 +1830,11 @@
         </p:txBody>
       </p:sp>
     </p:spTree>
+    <p:extLst>
+      <p:ext uri="{BB962C8B-B14F-4D97-AF65-F5344CB8AC3E}">
+        <p14:creationId xmlns:p14="http://schemas.microsoft.com/office/powerpoint/2010/main" val="1836792350"/>
+      </p:ext>
+    </p:extLst>
   </p:cSld>
   <p:clrMapOvr>
     <a:masterClrMapping/>
@@ -1826,8 +1875,8 @@
           <a:lstStyle/>
           <a:p>
             <a:r>
-              <a:rPr lang="zh-TW" altLang="en-US" smtClean="0"/>
-              <a:t>按一下以編輯母片標題樣式</a:t>
+              <a:rPr lang="en-US" altLang="zh-TW" smtClean="0"/>
+              <a:t>Click to edit Master title style</a:t>
             </a:r>
             <a:endParaRPr lang="zh-TW" altLang="en-US"/>
           </a:p>
@@ -1850,7 +1899,7 @@
           <a:p>
             <a:fld id="{2D090BFC-FE9E-4A7A-A32A-894D5623C2A2}" type="datetimeFigureOut">
               <a:rPr lang="zh-TW" altLang="en-US" smtClean="0"/>
-              <a:t>2018/2/10</a:t>
+              <a:t>2020/9/19</a:t>
             </a:fld>
             <a:endParaRPr lang="zh-TW" altLang="en-US"/>
           </a:p>
@@ -1899,6 +1948,11 @@
         </p:txBody>
       </p:sp>
     </p:spTree>
+    <p:extLst>
+      <p:ext uri="{BB962C8B-B14F-4D97-AF65-F5344CB8AC3E}">
+        <p14:creationId xmlns:p14="http://schemas.microsoft.com/office/powerpoint/2010/main" val="1955484597"/>
+      </p:ext>
+    </p:extLst>
   </p:cSld>
   <p:clrMapOvr>
     <a:masterClrMapping/>
@@ -1940,7 +1994,7 @@
           <a:p>
             <a:fld id="{2D090BFC-FE9E-4A7A-A32A-894D5623C2A2}" type="datetimeFigureOut">
               <a:rPr lang="zh-TW" altLang="en-US" smtClean="0"/>
-              <a:t>2018/2/10</a:t>
+              <a:t>2020/9/19</a:t>
             </a:fld>
             <a:endParaRPr lang="zh-TW" altLang="en-US"/>
           </a:p>
@@ -1989,6 +2043,11 @@
         </p:txBody>
       </p:sp>
     </p:spTree>
+    <p:extLst>
+      <p:ext uri="{BB962C8B-B14F-4D97-AF65-F5344CB8AC3E}">
+        <p14:creationId xmlns:p14="http://schemas.microsoft.com/office/powerpoint/2010/main" val="967524637"/>
+      </p:ext>
+    </p:extLst>
   </p:cSld>
   <p:clrMapOvr>
     <a:masterClrMapping/>
@@ -2025,8 +2084,8 @@
         </p:nvSpPr>
         <p:spPr>
           <a:xfrm>
-            <a:off x="457200" y="273050"/>
-            <a:ext cx="3008313" cy="1162050"/>
+            <a:off x="609603" y="273051"/>
+            <a:ext cx="4011084" cy="1162051"/>
           </a:xfrm>
         </p:spPr>
         <p:txBody>
@@ -2038,8 +2097,8 @@
           </a:lstStyle>
           <a:p>
             <a:r>
-              <a:rPr lang="zh-TW" altLang="en-US" smtClean="0"/>
-              <a:t>按一下以編輯母片標題樣式</a:t>
+              <a:rPr lang="en-US" altLang="zh-TW" smtClean="0"/>
+              <a:t>Click to edit Master title style</a:t>
             </a:r>
             <a:endParaRPr lang="zh-TW" altLang="en-US"/>
           </a:p>
@@ -2057,8 +2116,8 @@
         </p:nvSpPr>
         <p:spPr>
           <a:xfrm>
-            <a:off x="3575050" y="273050"/>
-            <a:ext cx="5111750" cy="5853113"/>
+            <a:off x="4766733" y="273054"/>
+            <a:ext cx="6815667" cy="5853113"/>
           </a:xfrm>
         </p:spPr>
         <p:txBody>
@@ -2095,36 +2154,36 @@
           <a:p>
             <a:pPr lvl="0"/>
             <a:r>
-              <a:rPr lang="zh-TW" altLang="en-US" smtClean="0"/>
-              <a:t>按一下以編輯母片文字樣式</a:t>
+              <a:rPr lang="en-US" altLang="zh-TW" smtClean="0"/>
+              <a:t>Edit Master text styles</a:t>
             </a:r>
           </a:p>
           <a:p>
             <a:pPr lvl="1"/>
             <a:r>
-              <a:rPr lang="zh-TW" altLang="en-US" smtClean="0"/>
-              <a:t>第二層</a:t>
+              <a:rPr lang="en-US" altLang="zh-TW" smtClean="0"/>
+              <a:t>Second level</a:t>
             </a:r>
           </a:p>
           <a:p>
             <a:pPr lvl="2"/>
             <a:r>
-              <a:rPr lang="zh-TW" altLang="en-US" smtClean="0"/>
-              <a:t>第三層</a:t>
+              <a:rPr lang="en-US" altLang="zh-TW" smtClean="0"/>
+              <a:t>Third level</a:t>
             </a:r>
           </a:p>
           <a:p>
             <a:pPr lvl="3"/>
             <a:r>
-              <a:rPr lang="zh-TW" altLang="en-US" smtClean="0"/>
-              <a:t>第四層</a:t>
+              <a:rPr lang="en-US" altLang="zh-TW" smtClean="0"/>
+              <a:t>Fourth level</a:t>
             </a:r>
           </a:p>
           <a:p>
             <a:pPr lvl="4"/>
             <a:r>
-              <a:rPr lang="zh-TW" altLang="en-US" smtClean="0"/>
-              <a:t>第五層</a:t>
+              <a:rPr lang="en-US" altLang="zh-TW" smtClean="0"/>
+              <a:t>Fifth level</a:t>
             </a:r>
             <a:endParaRPr lang="zh-TW" altLang="en-US"/>
           </a:p>
@@ -2142,8 +2201,8 @@
         </p:nvSpPr>
         <p:spPr>
           <a:xfrm>
-            <a:off x="457200" y="1435100"/>
-            <a:ext cx="3008313" cy="4691063"/>
+            <a:off x="609603" y="1435103"/>
+            <a:ext cx="4011084" cy="4691063"/>
           </a:xfrm>
         </p:spPr>
         <p:txBody>
@@ -2153,35 +2212,35 @@
               <a:buNone/>
               <a:defRPr sz="1400"/>
             </a:lvl1pPr>
-            <a:lvl2pPr marL="457200" indent="0">
+            <a:lvl2pPr marL="457189" indent="0">
               <a:buNone/>
               <a:defRPr sz="1200"/>
             </a:lvl2pPr>
-            <a:lvl3pPr marL="914400" indent="0">
+            <a:lvl3pPr marL="914378" indent="0">
               <a:buNone/>
               <a:defRPr sz="1000"/>
             </a:lvl3pPr>
-            <a:lvl4pPr marL="1371600" indent="0">
+            <a:lvl4pPr marL="1371566" indent="0">
               <a:buNone/>
               <a:defRPr sz="900"/>
             </a:lvl4pPr>
-            <a:lvl5pPr marL="1828800" indent="0">
+            <a:lvl5pPr marL="1828754" indent="0">
               <a:buNone/>
               <a:defRPr sz="900"/>
             </a:lvl5pPr>
-            <a:lvl6pPr marL="2286000" indent="0">
+            <a:lvl6pPr marL="2285943" indent="0">
               <a:buNone/>
               <a:defRPr sz="900"/>
             </a:lvl6pPr>
-            <a:lvl7pPr marL="2743200" indent="0">
+            <a:lvl7pPr marL="2743132" indent="0">
               <a:buNone/>
               <a:defRPr sz="900"/>
             </a:lvl7pPr>
-            <a:lvl8pPr marL="3200400" indent="0">
+            <a:lvl8pPr marL="3200320" indent="0">
               <a:buNone/>
               <a:defRPr sz="900"/>
             </a:lvl8pPr>
-            <a:lvl9pPr marL="3657600" indent="0">
+            <a:lvl9pPr marL="3657509" indent="0">
               <a:buNone/>
               <a:defRPr sz="900"/>
             </a:lvl9pPr>
@@ -2189,8 +2248,8 @@
           <a:p>
             <a:pPr lvl="0"/>
             <a:r>
-              <a:rPr lang="zh-TW" altLang="en-US" smtClean="0"/>
-              <a:t>按一下以編輯母片文字樣式</a:t>
+              <a:rPr lang="en-US" altLang="zh-TW" smtClean="0"/>
+              <a:t>Edit Master text styles</a:t>
             </a:r>
           </a:p>
         </p:txBody>
@@ -2212,7 +2271,7 @@
           <a:p>
             <a:fld id="{2D090BFC-FE9E-4A7A-A32A-894D5623C2A2}" type="datetimeFigureOut">
               <a:rPr lang="zh-TW" altLang="en-US" smtClean="0"/>
-              <a:t>2018/2/10</a:t>
+              <a:t>2020/9/19</a:t>
             </a:fld>
             <a:endParaRPr lang="zh-TW" altLang="en-US"/>
           </a:p>
@@ -2261,6 +2320,11 @@
         </p:txBody>
       </p:sp>
     </p:spTree>
+    <p:extLst>
+      <p:ext uri="{BB962C8B-B14F-4D97-AF65-F5344CB8AC3E}">
+        <p14:creationId xmlns:p14="http://schemas.microsoft.com/office/powerpoint/2010/main" val="2569159295"/>
+      </p:ext>
+    </p:extLst>
   </p:cSld>
   <p:clrMapOvr>
     <a:masterClrMapping/>
@@ -2297,8 +2361,8 @@
         </p:nvSpPr>
         <p:spPr>
           <a:xfrm>
-            <a:off x="1792288" y="4800600"/>
-            <a:ext cx="5486400" cy="566738"/>
+            <a:off x="2389717" y="4800602"/>
+            <a:ext cx="7315200" cy="566739"/>
           </a:xfrm>
         </p:spPr>
         <p:txBody>
@@ -2310,8 +2374,8 @@
           </a:lstStyle>
           <a:p>
             <a:r>
-              <a:rPr lang="zh-TW" altLang="en-US" smtClean="0"/>
-              <a:t>按一下以編輯母片標題樣式</a:t>
+              <a:rPr lang="en-US" altLang="zh-TW" smtClean="0"/>
+              <a:t>Click to edit Master title style</a:t>
             </a:r>
             <a:endParaRPr lang="zh-TW" altLang="en-US"/>
           </a:p>
@@ -2329,8 +2393,8 @@
         </p:nvSpPr>
         <p:spPr>
           <a:xfrm>
-            <a:off x="1792288" y="612775"/>
-            <a:ext cx="5486400" cy="4114800"/>
+            <a:off x="2389717" y="612775"/>
+            <a:ext cx="7315200" cy="4114800"/>
           </a:xfrm>
         </p:spPr>
         <p:txBody>
@@ -2340,43 +2404,43 @@
               <a:buNone/>
               <a:defRPr sz="3200"/>
             </a:lvl1pPr>
-            <a:lvl2pPr marL="457200" indent="0">
+            <a:lvl2pPr marL="457189" indent="0">
               <a:buNone/>
               <a:defRPr sz="2800"/>
             </a:lvl2pPr>
-            <a:lvl3pPr marL="914400" indent="0">
+            <a:lvl3pPr marL="914378" indent="0">
               <a:buNone/>
               <a:defRPr sz="2400"/>
             </a:lvl3pPr>
-            <a:lvl4pPr marL="1371600" indent="0">
+            <a:lvl4pPr marL="1371566" indent="0">
               <a:buNone/>
               <a:defRPr sz="2000"/>
             </a:lvl4pPr>
-            <a:lvl5pPr marL="1828800" indent="0">
+            <a:lvl5pPr marL="1828754" indent="0">
               <a:buNone/>
               <a:defRPr sz="2000"/>
             </a:lvl5pPr>
-            <a:lvl6pPr marL="2286000" indent="0">
+            <a:lvl6pPr marL="2285943" indent="0">
               <a:buNone/>
               <a:defRPr sz="2000"/>
             </a:lvl6pPr>
-            <a:lvl7pPr marL="2743200" indent="0">
+            <a:lvl7pPr marL="2743132" indent="0">
               <a:buNone/>
               <a:defRPr sz="2000"/>
             </a:lvl7pPr>
-            <a:lvl8pPr marL="3200400" indent="0">
+            <a:lvl8pPr marL="3200320" indent="0">
               <a:buNone/>
               <a:defRPr sz="2000"/>
             </a:lvl8pPr>
-            <a:lvl9pPr marL="3657600" indent="0">
+            <a:lvl9pPr marL="3657509" indent="0">
               <a:buNone/>
               <a:defRPr sz="2000"/>
             </a:lvl9pPr>
           </a:lstStyle>
           <a:p>
             <a:r>
-              <a:rPr lang="zh-TW" altLang="en-US" smtClean="0"/>
-              <a:t>按一下圖示以新增圖片</a:t>
+              <a:rPr lang="en-US" altLang="zh-TW" smtClean="0"/>
+              <a:t>Click icon to add picture</a:t>
             </a:r>
             <a:endParaRPr lang="zh-TW" altLang="en-US"/>
           </a:p>
@@ -2394,8 +2458,8 @@
         </p:nvSpPr>
         <p:spPr>
           <a:xfrm>
-            <a:off x="1792288" y="5367338"/>
-            <a:ext cx="5486400" cy="804862"/>
+            <a:off x="2389717" y="5367340"/>
+            <a:ext cx="7315200" cy="804863"/>
           </a:xfrm>
         </p:spPr>
         <p:txBody>
@@ -2405,35 +2469,35 @@
               <a:buNone/>
               <a:defRPr sz="1400"/>
             </a:lvl1pPr>
-            <a:lvl2pPr marL="457200" indent="0">
+            <a:lvl2pPr marL="457189" indent="0">
               <a:buNone/>
               <a:defRPr sz="1200"/>
             </a:lvl2pPr>
-            <a:lvl3pPr marL="914400" indent="0">
+            <a:lvl3pPr marL="914378" indent="0">
               <a:buNone/>
               <a:defRPr sz="1000"/>
             </a:lvl3pPr>
-            <a:lvl4pPr marL="1371600" indent="0">
+            <a:lvl4pPr marL="1371566" indent="0">
               <a:buNone/>
               <a:defRPr sz="900"/>
             </a:lvl4pPr>
-            <a:lvl5pPr marL="1828800" indent="0">
+            <a:lvl5pPr marL="1828754" indent="0">
               <a:buNone/>
               <a:defRPr sz="900"/>
             </a:lvl5pPr>
-            <a:lvl6pPr marL="2286000" indent="0">
+            <a:lvl6pPr marL="2285943" indent="0">
               <a:buNone/>
               <a:defRPr sz="900"/>
             </a:lvl6pPr>
-            <a:lvl7pPr marL="2743200" indent="0">
+            <a:lvl7pPr marL="2743132" indent="0">
               <a:buNone/>
               <a:defRPr sz="900"/>
             </a:lvl7pPr>
-            <a:lvl8pPr marL="3200400" indent="0">
+            <a:lvl8pPr marL="3200320" indent="0">
               <a:buNone/>
               <a:defRPr sz="900"/>
             </a:lvl8pPr>
-            <a:lvl9pPr marL="3657600" indent="0">
+            <a:lvl9pPr marL="3657509" indent="0">
               <a:buNone/>
               <a:defRPr sz="900"/>
             </a:lvl9pPr>
@@ -2441,8 +2505,8 @@
           <a:p>
             <a:pPr lvl="0"/>
             <a:r>
-              <a:rPr lang="zh-TW" altLang="en-US" smtClean="0"/>
-              <a:t>按一下以編輯母片文字樣式</a:t>
+              <a:rPr lang="en-US" altLang="zh-TW" smtClean="0"/>
+              <a:t>Edit Master text styles</a:t>
             </a:r>
           </a:p>
         </p:txBody>
@@ -2464,7 +2528,7 @@
           <a:p>
             <a:fld id="{2D090BFC-FE9E-4A7A-A32A-894D5623C2A2}" type="datetimeFigureOut">
               <a:rPr lang="zh-TW" altLang="en-US" smtClean="0"/>
-              <a:t>2018/2/10</a:t>
+              <a:t>2020/9/19</a:t>
             </a:fld>
             <a:endParaRPr lang="zh-TW" altLang="en-US"/>
           </a:p>
@@ -2513,6 +2577,11 @@
         </p:txBody>
       </p:sp>
     </p:spTree>
+    <p:extLst>
+      <p:ext uri="{BB962C8B-B14F-4D97-AF65-F5344CB8AC3E}">
+        <p14:creationId xmlns:p14="http://schemas.microsoft.com/office/powerpoint/2010/main" val="2084870896"/>
+      </p:ext>
+    </p:extLst>
   </p:cSld>
   <p:clrMapOvr>
     <a:masterClrMapping/>
@@ -2559,8 +2628,8 @@
         </p:nvSpPr>
         <p:spPr>
           <a:xfrm>
-            <a:off x="457200" y="274638"/>
-            <a:ext cx="8229600" cy="1143000"/>
+            <a:off x="609600" y="274639"/>
+            <a:ext cx="10972800" cy="1143000"/>
           </a:xfrm>
           <a:prstGeom prst="rect">
             <a:avLst/>
@@ -2592,8 +2661,8 @@
         </p:nvSpPr>
         <p:spPr>
           <a:xfrm>
-            <a:off x="457200" y="1600200"/>
-            <a:ext cx="8229600" cy="4525963"/>
+            <a:off x="609600" y="1600203"/>
+            <a:ext cx="10972800" cy="4525963"/>
           </a:xfrm>
           <a:prstGeom prst="rect">
             <a:avLst/>
@@ -2654,8 +2723,8 @@
         </p:nvSpPr>
         <p:spPr>
           <a:xfrm>
-            <a:off x="457200" y="6356350"/>
-            <a:ext cx="2133600" cy="365125"/>
+            <a:off x="609600" y="6356353"/>
+            <a:ext cx="2844800" cy="365125"/>
           </a:xfrm>
           <a:prstGeom prst="rect">
             <a:avLst/>
@@ -2677,7 +2746,7 @@
           <a:p>
             <a:fld id="{2D090BFC-FE9E-4A7A-A32A-894D5623C2A2}" type="datetimeFigureOut">
               <a:rPr lang="zh-TW" altLang="en-US" smtClean="0"/>
-              <a:t>2018/2/10</a:t>
+              <a:t>2020/9/19</a:t>
             </a:fld>
             <a:endParaRPr lang="zh-TW" altLang="en-US"/>
           </a:p>
@@ -2695,8 +2764,8 @@
         </p:nvSpPr>
         <p:spPr>
           <a:xfrm>
-            <a:off x="3124200" y="6356350"/>
-            <a:ext cx="2895600" cy="365125"/>
+            <a:off x="4165600" y="6356353"/>
+            <a:ext cx="3860800" cy="365125"/>
           </a:xfrm>
           <a:prstGeom prst="rect">
             <a:avLst/>
@@ -2732,8 +2801,8 @@
         </p:nvSpPr>
         <p:spPr>
           <a:xfrm>
-            <a:off x="6553200" y="6356350"/>
-            <a:ext cx="2133600" cy="365125"/>
+            <a:off x="8737600" y="6356353"/>
+            <a:ext cx="2844800" cy="365125"/>
           </a:xfrm>
           <a:prstGeom prst="rect">
             <a:avLst/>
@@ -2762,24 +2831,29 @@
         </p:txBody>
       </p:sp>
     </p:spTree>
+    <p:extLst>
+      <p:ext uri="{BB962C8B-B14F-4D97-AF65-F5344CB8AC3E}">
+        <p14:creationId xmlns:p14="http://schemas.microsoft.com/office/powerpoint/2010/main" val="2024107244"/>
+      </p:ext>
+    </p:extLst>
   </p:cSld>
   <p:clrMap bg1="lt1" tx1="dk1" bg2="lt2" tx2="dk2" accent1="accent1" accent2="accent2" accent3="accent3" accent4="accent4" accent5="accent5" accent6="accent6" hlink="hlink" folHlink="folHlink"/>
   <p:sldLayoutIdLst>
-    <p:sldLayoutId id="2147483661" r:id="rId1"/>
-    <p:sldLayoutId id="2147483662" r:id="rId2"/>
-    <p:sldLayoutId id="2147483663" r:id="rId3"/>
-    <p:sldLayoutId id="2147483664" r:id="rId4"/>
-    <p:sldLayoutId id="2147483665" r:id="rId5"/>
-    <p:sldLayoutId id="2147483666" r:id="rId6"/>
-    <p:sldLayoutId id="2147483667" r:id="rId7"/>
-    <p:sldLayoutId id="2147483668" r:id="rId8"/>
-    <p:sldLayoutId id="2147483669" r:id="rId9"/>
-    <p:sldLayoutId id="2147483670" r:id="rId10"/>
-    <p:sldLayoutId id="2147483671" r:id="rId11"/>
+    <p:sldLayoutId id="2147483673" r:id="rId1"/>
+    <p:sldLayoutId id="2147483674" r:id="rId2"/>
+    <p:sldLayoutId id="2147483675" r:id="rId3"/>
+    <p:sldLayoutId id="2147483676" r:id="rId4"/>
+    <p:sldLayoutId id="2147483677" r:id="rId5"/>
+    <p:sldLayoutId id="2147483678" r:id="rId6"/>
+    <p:sldLayoutId id="2147483679" r:id="rId7"/>
+    <p:sldLayoutId id="2147483680" r:id="rId8"/>
+    <p:sldLayoutId id="2147483681" r:id="rId9"/>
+    <p:sldLayoutId id="2147483682" r:id="rId10"/>
+    <p:sldLayoutId id="2147483683" r:id="rId11"/>
   </p:sldLayoutIdLst>
   <p:txStyles>
     <p:titleStyle>
-      <a:lvl1pPr algn="ctr" defTabSz="914400" rtl="0" eaLnBrk="1" latinLnBrk="0" hangingPunct="1">
+      <a:lvl1pPr algn="ctr" defTabSz="914378" rtl="0" eaLnBrk="1" latinLnBrk="0" hangingPunct="1">
         <a:spcBef>
           <a:spcPct val="0"/>
         </a:spcBef>
@@ -2795,7 +2869,7 @@
       </a:lvl1pPr>
     </p:titleStyle>
     <p:bodyStyle>
-      <a:lvl1pPr marL="342900" indent="-342900" algn="l" defTabSz="914400" rtl="0" eaLnBrk="1" latinLnBrk="0" hangingPunct="1">
+      <a:lvl1pPr marL="342892" indent="-342892" algn="l" defTabSz="914378" rtl="0" eaLnBrk="1" latinLnBrk="0" hangingPunct="1">
         <a:spcBef>
           <a:spcPct val="20000"/>
         </a:spcBef>
@@ -2810,7 +2884,7 @@
           <a:cs typeface="+mn-cs"/>
         </a:defRPr>
       </a:lvl1pPr>
-      <a:lvl2pPr marL="742950" indent="-285750" algn="l" defTabSz="914400" rtl="0" eaLnBrk="1" latinLnBrk="0" hangingPunct="1">
+      <a:lvl2pPr marL="742931" indent="-285743" algn="l" defTabSz="914378" rtl="0" eaLnBrk="1" latinLnBrk="0" hangingPunct="1">
         <a:spcBef>
           <a:spcPct val="20000"/>
         </a:spcBef>
@@ -2825,7 +2899,7 @@
           <a:cs typeface="+mn-cs"/>
         </a:defRPr>
       </a:lvl2pPr>
-      <a:lvl3pPr marL="1143000" indent="-228600" algn="l" defTabSz="914400" rtl="0" eaLnBrk="1" latinLnBrk="0" hangingPunct="1">
+      <a:lvl3pPr marL="1142972" indent="-228594" algn="l" defTabSz="914378" rtl="0" eaLnBrk="1" latinLnBrk="0" hangingPunct="1">
         <a:spcBef>
           <a:spcPct val="20000"/>
         </a:spcBef>
@@ -2840,7 +2914,7 @@
           <a:cs typeface="+mn-cs"/>
         </a:defRPr>
       </a:lvl3pPr>
-      <a:lvl4pPr marL="1600200" indent="-228600" algn="l" defTabSz="914400" rtl="0" eaLnBrk="1" latinLnBrk="0" hangingPunct="1">
+      <a:lvl4pPr marL="1600160" indent="-228594" algn="l" defTabSz="914378" rtl="0" eaLnBrk="1" latinLnBrk="0" hangingPunct="1">
         <a:spcBef>
           <a:spcPct val="20000"/>
         </a:spcBef>
@@ -2855,7 +2929,7 @@
           <a:cs typeface="+mn-cs"/>
         </a:defRPr>
       </a:lvl4pPr>
-      <a:lvl5pPr marL="2057400" indent="-228600" algn="l" defTabSz="914400" rtl="0" eaLnBrk="1" latinLnBrk="0" hangingPunct="1">
+      <a:lvl5pPr marL="2057348" indent="-228594" algn="l" defTabSz="914378" rtl="0" eaLnBrk="1" latinLnBrk="0" hangingPunct="1">
         <a:spcBef>
           <a:spcPct val="20000"/>
         </a:spcBef>
@@ -2870,7 +2944,7 @@
           <a:cs typeface="+mn-cs"/>
         </a:defRPr>
       </a:lvl5pPr>
-      <a:lvl6pPr marL="2514600" indent="-228600" algn="l" defTabSz="914400" rtl="0" eaLnBrk="1" latinLnBrk="0" hangingPunct="1">
+      <a:lvl6pPr marL="2514537" indent="-228594" algn="l" defTabSz="914378" rtl="0" eaLnBrk="1" latinLnBrk="0" hangingPunct="1">
         <a:spcBef>
           <a:spcPct val="20000"/>
         </a:spcBef>
@@ -2885,7 +2959,7 @@
           <a:cs typeface="+mn-cs"/>
         </a:defRPr>
       </a:lvl6pPr>
-      <a:lvl7pPr marL="2971800" indent="-228600" algn="l" defTabSz="914400" rtl="0" eaLnBrk="1" latinLnBrk="0" hangingPunct="1">
+      <a:lvl7pPr marL="2971726" indent="-228594" algn="l" defTabSz="914378" rtl="0" eaLnBrk="1" latinLnBrk="0" hangingPunct="1">
         <a:spcBef>
           <a:spcPct val="20000"/>
         </a:spcBef>
@@ -2900,7 +2974,7 @@
           <a:cs typeface="+mn-cs"/>
         </a:defRPr>
       </a:lvl7pPr>
-      <a:lvl8pPr marL="3429000" indent="-228600" algn="l" defTabSz="914400" rtl="0" eaLnBrk="1" latinLnBrk="0" hangingPunct="1">
+      <a:lvl8pPr marL="3428915" indent="-228594" algn="l" defTabSz="914378" rtl="0" eaLnBrk="1" latinLnBrk="0" hangingPunct="1">
         <a:spcBef>
           <a:spcPct val="20000"/>
         </a:spcBef>
@@ -2915,7 +2989,7 @@
           <a:cs typeface="+mn-cs"/>
         </a:defRPr>
       </a:lvl8pPr>
-      <a:lvl9pPr marL="3886200" indent="-228600" algn="l" defTabSz="914400" rtl="0" eaLnBrk="1" latinLnBrk="0" hangingPunct="1">
+      <a:lvl9pPr marL="3886103" indent="-228594" algn="l" defTabSz="914378" rtl="0" eaLnBrk="1" latinLnBrk="0" hangingPunct="1">
         <a:spcBef>
           <a:spcPct val="20000"/>
         </a:spcBef>
@@ -2935,7 +3009,7 @@
       <a:defPPr>
         <a:defRPr lang="zh-TW"/>
       </a:defPPr>
-      <a:lvl1pPr marL="0" algn="l" defTabSz="914400" rtl="0" eaLnBrk="1" latinLnBrk="0" hangingPunct="1">
+      <a:lvl1pPr marL="0" algn="l" defTabSz="914378" rtl="0" eaLnBrk="1" latinLnBrk="0" hangingPunct="1">
         <a:defRPr sz="1800" kern="1200">
           <a:solidFill>
             <a:schemeClr val="tx1"/>
@@ -2945,7 +3019,7 @@
           <a:cs typeface="+mn-cs"/>
         </a:defRPr>
       </a:lvl1pPr>
-      <a:lvl2pPr marL="457200" algn="l" defTabSz="914400" rtl="0" eaLnBrk="1" latinLnBrk="0" hangingPunct="1">
+      <a:lvl2pPr marL="457189" algn="l" defTabSz="914378" rtl="0" eaLnBrk="1" latinLnBrk="0" hangingPunct="1">
         <a:defRPr sz="1800" kern="1200">
           <a:solidFill>
             <a:schemeClr val="tx1"/>
@@ -2955,7 +3029,7 @@
           <a:cs typeface="+mn-cs"/>
         </a:defRPr>
       </a:lvl2pPr>
-      <a:lvl3pPr marL="914400" algn="l" defTabSz="914400" rtl="0" eaLnBrk="1" latinLnBrk="0" hangingPunct="1">
+      <a:lvl3pPr marL="914378" algn="l" defTabSz="914378" rtl="0" eaLnBrk="1" latinLnBrk="0" hangingPunct="1">
         <a:defRPr sz="1800" kern="1200">
           <a:solidFill>
             <a:schemeClr val="tx1"/>
@@ -2965,7 +3039,7 @@
           <a:cs typeface="+mn-cs"/>
         </a:defRPr>
       </a:lvl3pPr>
-      <a:lvl4pPr marL="1371600" algn="l" defTabSz="914400" rtl="0" eaLnBrk="1" latinLnBrk="0" hangingPunct="1">
+      <a:lvl4pPr marL="1371566" algn="l" defTabSz="914378" rtl="0" eaLnBrk="1" latinLnBrk="0" hangingPunct="1">
         <a:defRPr sz="1800" kern="1200">
           <a:solidFill>
             <a:schemeClr val="tx1"/>
@@ -2975,7 +3049,7 @@
           <a:cs typeface="+mn-cs"/>
         </a:defRPr>
       </a:lvl4pPr>
-      <a:lvl5pPr marL="1828800" algn="l" defTabSz="914400" rtl="0" eaLnBrk="1" latinLnBrk="0" hangingPunct="1">
+      <a:lvl5pPr marL="1828754" algn="l" defTabSz="914378" rtl="0" eaLnBrk="1" latinLnBrk="0" hangingPunct="1">
         <a:defRPr sz="1800" kern="1200">
           <a:solidFill>
             <a:schemeClr val="tx1"/>
@@ -2985,7 +3059,7 @@
           <a:cs typeface="+mn-cs"/>
         </a:defRPr>
       </a:lvl5pPr>
-      <a:lvl6pPr marL="2286000" algn="l" defTabSz="914400" rtl="0" eaLnBrk="1" latinLnBrk="0" hangingPunct="1">
+      <a:lvl6pPr marL="2285943" algn="l" defTabSz="914378" rtl="0" eaLnBrk="1" latinLnBrk="0" hangingPunct="1">
         <a:defRPr sz="1800" kern="1200">
           <a:solidFill>
             <a:schemeClr val="tx1"/>
@@ -2995,7 +3069,7 @@
           <a:cs typeface="+mn-cs"/>
         </a:defRPr>
       </a:lvl6pPr>
-      <a:lvl7pPr marL="2743200" algn="l" defTabSz="914400" rtl="0" eaLnBrk="1" latinLnBrk="0" hangingPunct="1">
+      <a:lvl7pPr marL="2743132" algn="l" defTabSz="914378" rtl="0" eaLnBrk="1" latinLnBrk="0" hangingPunct="1">
         <a:defRPr sz="1800" kern="1200">
           <a:solidFill>
             <a:schemeClr val="tx1"/>
@@ -3005,7 +3079,7 @@
           <a:cs typeface="+mn-cs"/>
         </a:defRPr>
       </a:lvl7pPr>
-      <a:lvl8pPr marL="3200400" algn="l" defTabSz="914400" rtl="0" eaLnBrk="1" latinLnBrk="0" hangingPunct="1">
+      <a:lvl8pPr marL="3200320" algn="l" defTabSz="914378" rtl="0" eaLnBrk="1" latinLnBrk="0" hangingPunct="1">
         <a:defRPr sz="1800" kern="1200">
           <a:solidFill>
             <a:schemeClr val="tx1"/>
@@ -3015,7 +3089,7 @@
           <a:cs typeface="+mn-cs"/>
         </a:defRPr>
       </a:lvl8pPr>
-      <a:lvl9pPr marL="3657600" algn="l" defTabSz="914400" rtl="0" eaLnBrk="1" latinLnBrk="0" hangingPunct="1">
+      <a:lvl9pPr marL="3657509" algn="l" defTabSz="914378" rtl="0" eaLnBrk="1" latinLnBrk="0" hangingPunct="1">
         <a:defRPr sz="1800" kern="1200">
           <a:solidFill>
             <a:schemeClr val="tx1"/>
@@ -3065,27 +3139,17 @@
           <a:lstStyle/>
           <a:p>
             <a:r>
-              <a:rPr lang="zh-TW" altLang="en-US" b="1" dirty="0">
-                <a:solidFill>
-                  <a:srgbClr val="000066"/>
-                </a:solidFill>
-                <a:latin typeface="微軟正黑體" pitchFamily="34" charset="-120"/>
-                <a:ea typeface="微軟正黑體" pitchFamily="34" charset="-120"/>
-              </a:rPr>
-              <a:t>叫我抬起</a:t>
-            </a:r>
-            <a:r>
-              <a:rPr lang="zh-TW" altLang="en-US" b="1">
-                <a:solidFill>
-                  <a:srgbClr val="000066"/>
-                </a:solidFill>
-                <a:latin typeface="微軟正黑體" pitchFamily="34" charset="-120"/>
-                <a:ea typeface="微軟正黑體" pitchFamily="34" charset="-120"/>
-              </a:rPr>
-              <a:t>頭</a:t>
-            </a:r>
-            <a:r>
-              <a:rPr lang="zh-TW" altLang="en-US" b="1" smtClean="0">
+              <a:rPr lang="zh-TW" altLang="en-US" sz="4800" b="1" dirty="0">
+                <a:solidFill>
+                  <a:srgbClr val="000066"/>
+                </a:solidFill>
+                <a:latin typeface="微軟正黑體" pitchFamily="34" charset="-120"/>
+                <a:ea typeface="微軟正黑體" pitchFamily="34" charset="-120"/>
+              </a:rPr>
+              <a:t>叫我抬起頭</a:t>
+            </a:r>
+            <a:r>
+              <a:rPr lang="zh-TW" altLang="en-US" sz="4800" b="1" dirty="0" smtClean="0">
                 <a:solidFill>
                   <a:srgbClr val="000066"/>
                 </a:solidFill>
@@ -3094,7 +3158,7 @@
               </a:rPr>
               <a:t>的神</a:t>
             </a:r>
-            <a:endParaRPr lang="zh-TW" altLang="en-US" b="1" dirty="0">
+            <a:endParaRPr lang="zh-TW" altLang="en-US" sz="4800" b="1" dirty="0">
               <a:solidFill>
                 <a:srgbClr val="000066"/>
               </a:solidFill>
@@ -3114,7 +3178,12 @@
             <p:ph idx="1"/>
           </p:nvPr>
         </p:nvSpPr>
-        <p:spPr/>
+        <p:spPr>
+          <a:xfrm>
+            <a:off x="609600" y="1600203"/>
+            <a:ext cx="10972800" cy="5257797"/>
+          </a:xfrm>
+        </p:spPr>
         <p:txBody>
           <a:bodyPr>
             <a:normAutofit/>
@@ -3135,6 +3204,16 @@
               <a:t>耶和華是我</a:t>
             </a:r>
             <a:r>
+              <a:rPr lang="zh-TW" altLang="en-US" sz="5400" b="1" dirty="0">
+                <a:solidFill>
+                  <a:srgbClr val="000066"/>
+                </a:solidFill>
+                <a:latin typeface="微軟正黑體" pitchFamily="34" charset="-120"/>
+                <a:ea typeface="微軟正黑體" pitchFamily="34" charset="-120"/>
+              </a:rPr>
+              <a:t>的</a:t>
+            </a:r>
+            <a:r>
               <a:rPr lang="zh-TW" altLang="en-US" sz="5400" b="1" dirty="0" smtClean="0">
                 <a:solidFill>
                   <a:srgbClr val="000066"/>
@@ -3142,7 +3221,149 @@
                 <a:latin typeface="微軟正黑體" pitchFamily="34" charset="-120"/>
                 <a:ea typeface="微軟正黑體" pitchFamily="34" charset="-120"/>
               </a:rPr>
-              <a:t>的主</a:t>
+              <a:t>主</a:t>
+            </a:r>
+            <a:r>
+              <a:rPr lang="en-US" altLang="zh-TW" sz="5400" b="1" dirty="0" smtClean="0">
+                <a:solidFill>
+                  <a:srgbClr val="000066"/>
+                </a:solidFill>
+                <a:latin typeface="微軟正黑體" pitchFamily="34" charset="-120"/>
+                <a:ea typeface="微軟正黑體" pitchFamily="34" charset="-120"/>
+              </a:rPr>
+              <a:t>  </a:t>
+            </a:r>
+            <a:r>
+              <a:rPr lang="zh-TW" altLang="en-US" sz="5400" b="1" dirty="0" smtClean="0">
+                <a:solidFill>
+                  <a:srgbClr val="000066"/>
+                </a:solidFill>
+                <a:latin typeface="微軟正黑體" pitchFamily="34" charset="-120"/>
+                <a:ea typeface="微軟正黑體" pitchFamily="34" charset="-120"/>
+              </a:rPr>
+              <a:t>必</a:t>
+            </a:r>
+            <a:r>
+              <a:rPr lang="zh-TW" altLang="en-US" sz="5400" b="1" dirty="0">
+                <a:solidFill>
+                  <a:srgbClr val="000066"/>
+                </a:solidFill>
+                <a:latin typeface="微軟正黑體" pitchFamily="34" charset="-120"/>
+                <a:ea typeface="微軟正黑體" pitchFamily="34" charset="-120"/>
+              </a:rPr>
+              <a:t>不至</a:t>
+            </a:r>
+            <a:r>
+              <a:rPr lang="zh-TW" altLang="en-US" sz="5400" b="1" dirty="0">
+                <a:solidFill>
+                  <a:srgbClr val="000066"/>
+                </a:solidFill>
+                <a:latin typeface="微軟正黑體" pitchFamily="34" charset="-120"/>
+                <a:ea typeface="微軟正黑體" pitchFamily="34" charset="-120"/>
+              </a:rPr>
+              <a:t>動搖</a:t>
+            </a:r>
+            <a:endParaRPr lang="en-US" altLang="zh-TW" sz="5400" b="1" dirty="0">
+              <a:solidFill>
+                <a:srgbClr val="000066"/>
+              </a:solidFill>
+              <a:latin typeface="微軟正黑體" pitchFamily="34" charset="-120"/>
+              <a:ea typeface="微軟正黑體" pitchFamily="34" charset="-120"/>
+            </a:endParaRPr>
+          </a:p>
+          <a:p>
+            <a:pPr algn="ctr">
+              <a:buNone/>
+            </a:pPr>
+            <a:r>
+              <a:rPr lang="zh-TW" altLang="en-US" sz="5400" b="1" dirty="0">
+                <a:solidFill>
+                  <a:srgbClr val="000066"/>
+                </a:solidFill>
+                <a:latin typeface="微軟正黑體" pitchFamily="34" charset="-120"/>
+                <a:ea typeface="微軟正黑體" pitchFamily="34" charset="-120"/>
+              </a:rPr>
+              <a:t>有</a:t>
+            </a:r>
+            <a:r>
+              <a:rPr lang="zh-TW" altLang="en-US" sz="5400" b="1" dirty="0">
+                <a:solidFill>
+                  <a:srgbClr val="000066"/>
+                </a:solidFill>
+                <a:latin typeface="微軟正黑體" pitchFamily="34" charset="-120"/>
+                <a:ea typeface="微軟正黑體" pitchFamily="34" charset="-120"/>
+              </a:rPr>
+              <a:t>耶和華的</a:t>
+            </a:r>
+            <a:r>
+              <a:rPr lang="zh-TW" altLang="en-US" sz="5400" b="1" dirty="0">
+                <a:solidFill>
+                  <a:srgbClr val="000066"/>
+                </a:solidFill>
+                <a:latin typeface="微軟正黑體" pitchFamily="34" charset="-120"/>
+                <a:ea typeface="微軟正黑體" pitchFamily="34" charset="-120"/>
+              </a:rPr>
+              <a:t>幫</a:t>
+            </a:r>
+            <a:r>
+              <a:rPr lang="zh-TW" altLang="en-US" sz="5400" b="1" dirty="0" smtClean="0">
+                <a:solidFill>
+                  <a:srgbClr val="000066"/>
+                </a:solidFill>
+                <a:latin typeface="微軟正黑體" pitchFamily="34" charset="-120"/>
+                <a:ea typeface="微軟正黑體" pitchFamily="34" charset="-120"/>
+              </a:rPr>
+              <a:t>助</a:t>
+            </a:r>
+            <a:r>
+              <a:rPr lang="en-US" altLang="zh-TW" sz="5400" b="1" dirty="0" smtClean="0">
+                <a:solidFill>
+                  <a:srgbClr val="000066"/>
+                </a:solidFill>
+                <a:latin typeface="微軟正黑體" pitchFamily="34" charset="-120"/>
+                <a:ea typeface="微軟正黑體" pitchFamily="34" charset="-120"/>
+              </a:rPr>
+              <a:t>  </a:t>
+            </a:r>
+            <a:r>
+              <a:rPr lang="zh-TW" altLang="en-US" sz="5400" b="1" dirty="0" smtClean="0">
+                <a:solidFill>
+                  <a:srgbClr val="000066"/>
+                </a:solidFill>
+                <a:latin typeface="微軟正黑體" pitchFamily="34" charset="-120"/>
+                <a:ea typeface="微軟正黑體" pitchFamily="34" charset="-120"/>
+              </a:rPr>
+              <a:t>還</a:t>
+            </a:r>
+            <a:r>
+              <a:rPr lang="zh-TW" altLang="en-US" sz="5400" b="1" dirty="0">
+                <a:solidFill>
+                  <a:srgbClr val="000066"/>
+                </a:solidFill>
+                <a:latin typeface="微軟正黑體" pitchFamily="34" charset="-120"/>
+                <a:ea typeface="微軟正黑體" pitchFamily="34" charset="-120"/>
+              </a:rPr>
+              <a:t>要</a:t>
+            </a:r>
+            <a:r>
+              <a:rPr lang="zh-TW" altLang="en-US" sz="5400" b="1" dirty="0">
+                <a:solidFill>
+                  <a:srgbClr val="000066"/>
+                </a:solidFill>
+                <a:latin typeface="微軟正黑體" pitchFamily="34" charset="-120"/>
+                <a:ea typeface="微軟正黑體" pitchFamily="34" charset="-120"/>
+              </a:rPr>
+              <a:t>懼誰</a:t>
+            </a:r>
+            <a:r>
+              <a:rPr lang="zh-TW" altLang="en-US" sz="5400" b="1" dirty="0" smtClean="0">
+                <a:solidFill>
+                  <a:srgbClr val="000066"/>
+                </a:solidFill>
+                <a:latin typeface="微軟正黑體" pitchFamily="34" charset="-120"/>
+                <a:ea typeface="微軟正黑體" pitchFamily="34" charset="-120"/>
+              </a:rPr>
+              <a:t>呢</a:t>
             </a:r>
             <a:endParaRPr lang="en-US" altLang="zh-TW" sz="5400" b="1" dirty="0" smtClean="0">
               <a:solidFill>
@@ -3157,6 +3378,16 @@
               <a:buNone/>
             </a:pPr>
             <a:r>
+              <a:rPr lang="zh-TW" altLang="en-US" sz="5400" b="1" dirty="0">
+                <a:solidFill>
+                  <a:srgbClr val="000066"/>
+                </a:solidFill>
+                <a:latin typeface="微軟正黑體" pitchFamily="34" charset="-120"/>
+                <a:ea typeface="微軟正黑體" pitchFamily="34" charset="-120"/>
+              </a:rPr>
+              <a:t>耶和華是我牧</a:t>
+            </a:r>
+            <a:r>
               <a:rPr lang="zh-TW" altLang="en-US" sz="5400" b="1" dirty="0" smtClean="0">
                 <a:solidFill>
                   <a:srgbClr val="000066"/>
@@ -3164,6 +3395,26 @@
                 <a:latin typeface="微軟正黑體" pitchFamily="34" charset="-120"/>
                 <a:ea typeface="微軟正黑體" pitchFamily="34" charset="-120"/>
               </a:rPr>
+              <a:t>者</a:t>
+            </a:r>
+            <a:r>
+              <a:rPr lang="en-US" altLang="zh-TW" sz="5400" b="1" dirty="0" smtClean="0">
+                <a:solidFill>
+                  <a:srgbClr val="000066"/>
+                </a:solidFill>
+                <a:latin typeface="微軟正黑體" pitchFamily="34" charset="-120"/>
+                <a:ea typeface="微軟正黑體" pitchFamily="34" charset="-120"/>
+              </a:rPr>
+              <a:t>  </a:t>
+            </a:r>
+            <a:r>
+              <a:rPr lang="zh-TW" altLang="en-US" sz="5400" b="1" dirty="0" smtClean="0">
+                <a:solidFill>
+                  <a:srgbClr val="000066"/>
+                </a:solidFill>
+                <a:latin typeface="微軟正黑體" pitchFamily="34" charset="-120"/>
+                <a:ea typeface="微軟正黑體" pitchFamily="34" charset="-120"/>
+              </a:rPr>
               <a:t>必</a:t>
             </a:r>
             <a:r>
@@ -3174,19 +3425,9 @@
                 <a:latin typeface="微軟正黑體" pitchFamily="34" charset="-120"/>
                 <a:ea typeface="微軟正黑體" pitchFamily="34" charset="-120"/>
               </a:rPr>
-              <a:t>不至</a:t>
-            </a:r>
-            <a:r>
-              <a:rPr lang="zh-TW" altLang="en-US" sz="5400" b="1" dirty="0" smtClean="0">
-                <a:solidFill>
-                  <a:srgbClr val="000066"/>
-                </a:solidFill>
-                <a:latin typeface="微軟正黑體" pitchFamily="34" charset="-120"/>
-                <a:ea typeface="微軟正黑體" pitchFamily="34" charset="-120"/>
-              </a:rPr>
-              <a:t>動搖</a:t>
-            </a:r>
-            <a:endParaRPr lang="en-US" altLang="zh-TW" sz="5400" b="1" dirty="0" smtClean="0">
+              <a:t>不致缺乏</a:t>
+            </a:r>
+            <a:endParaRPr lang="en-US" altLang="zh-TW" sz="5400" b="1" dirty="0">
               <a:solidFill>
                 <a:srgbClr val="000066"/>
               </a:solidFill>
@@ -3199,6 +3440,16 @@
               <a:buNone/>
             </a:pPr>
             <a:r>
+              <a:rPr lang="zh-TW" altLang="en-US" sz="5400" b="1" dirty="0">
+                <a:solidFill>
+                  <a:srgbClr val="000066"/>
+                </a:solidFill>
+                <a:latin typeface="微軟正黑體" pitchFamily="34" charset="-120"/>
+                <a:ea typeface="微軟正黑體" pitchFamily="34" charset="-120"/>
+              </a:rPr>
+              <a:t>有耶和華作我旌</a:t>
+            </a:r>
+            <a:r>
               <a:rPr lang="zh-TW" altLang="en-US" sz="5400" b="1" dirty="0" smtClean="0">
                 <a:solidFill>
                   <a:srgbClr val="000066"/>
@@ -3206,7 +3457,27 @@
                 <a:latin typeface="微軟正黑體" pitchFamily="34" charset="-120"/>
                 <a:ea typeface="微軟正黑體" pitchFamily="34" charset="-120"/>
               </a:rPr>
-              <a:t>有</a:t>
+              <a:t>旗</a:t>
+            </a:r>
+            <a:r>
+              <a:rPr lang="en-US" altLang="zh-TW" sz="5400" b="1" dirty="0" smtClean="0">
+                <a:solidFill>
+                  <a:srgbClr val="000066"/>
+                </a:solidFill>
+                <a:latin typeface="微軟正黑體" pitchFamily="34" charset="-120"/>
+                <a:ea typeface="微軟正黑體" pitchFamily="34" charset="-120"/>
+              </a:rPr>
+              <a:t>  </a:t>
+            </a:r>
+            <a:r>
+              <a:rPr lang="zh-TW" altLang="en-US" sz="5400" b="1" dirty="0" smtClean="0">
+                <a:solidFill>
+                  <a:srgbClr val="000066"/>
+                </a:solidFill>
+                <a:latin typeface="微軟正黑體" pitchFamily="34" charset="-120"/>
+                <a:ea typeface="微軟正黑體" pitchFamily="34" charset="-120"/>
+              </a:rPr>
+              <a:t>必</a:t>
             </a:r>
             <a:r>
               <a:rPr lang="zh-TW" altLang="en-US" sz="5400" b="1" dirty="0">
@@ -3216,7 +3487,7 @@
                 <a:latin typeface="微軟正黑體" pitchFamily="34" charset="-120"/>
                 <a:ea typeface="微軟正黑體" pitchFamily="34" charset="-120"/>
               </a:rPr>
-              <a:t>耶和華的</a:t>
+              <a:t>全然得</a:t>
             </a:r>
             <a:r>
               <a:rPr lang="zh-TW" altLang="en-US" sz="5400" b="1" dirty="0" smtClean="0">
@@ -3226,49 +3497,7 @@
                 <a:latin typeface="微軟正黑體" pitchFamily="34" charset="-120"/>
                 <a:ea typeface="微軟正黑體" pitchFamily="34" charset="-120"/>
               </a:rPr>
-              <a:t>幫助</a:t>
-            </a:r>
-            <a:endParaRPr lang="en-US" altLang="zh-TW" sz="5400" b="1" dirty="0" smtClean="0">
-              <a:solidFill>
-                <a:srgbClr val="000066"/>
-              </a:solidFill>
-              <a:latin typeface="微軟正黑體" pitchFamily="34" charset="-120"/>
-              <a:ea typeface="微軟正黑體" pitchFamily="34" charset="-120"/>
-            </a:endParaRPr>
-          </a:p>
-          <a:p>
-            <a:pPr algn="ctr">
-              <a:buNone/>
-            </a:pPr>
-            <a:r>
-              <a:rPr lang="zh-TW" altLang="en-US" sz="5400" b="1" dirty="0" smtClean="0">
-                <a:solidFill>
-                  <a:srgbClr val="000066"/>
-                </a:solidFill>
-                <a:latin typeface="微軟正黑體" pitchFamily="34" charset="-120"/>
-                <a:ea typeface="微軟正黑體" pitchFamily="34" charset="-120"/>
-              </a:rPr>
-              <a:t>還要</a:t>
-            </a:r>
-            <a:r>
-              <a:rPr lang="zh-TW" altLang="en-US" sz="5400" b="1" dirty="0">
-                <a:solidFill>
-                  <a:srgbClr val="000066"/>
-                </a:solidFill>
-                <a:latin typeface="微軟正黑體" pitchFamily="34" charset="-120"/>
-                <a:ea typeface="微軟正黑體" pitchFamily="34" charset="-120"/>
-              </a:rPr>
-              <a:t>懼誰</a:t>
-            </a:r>
-            <a:r>
-              <a:rPr lang="zh-TW" altLang="en-US" sz="5400" b="1" dirty="0" smtClean="0">
-                <a:solidFill>
-                  <a:srgbClr val="000066"/>
-                </a:solidFill>
-                <a:latin typeface="微軟正黑體" pitchFamily="34" charset="-120"/>
-                <a:ea typeface="微軟正黑體" pitchFamily="34" charset="-120"/>
-              </a:rPr>
-              <a:t>呢</a:t>
+              <a:t>勝</a:t>
             </a:r>
             <a:endParaRPr lang="zh-TW" altLang="en-US" sz="5400" b="1" dirty="0">
               <a:solidFill>
@@ -3323,7 +3552,7 @@
           <a:lstStyle/>
           <a:p>
             <a:r>
-              <a:rPr lang="zh-TW" altLang="en-US" b="1" dirty="0">
+              <a:rPr lang="zh-TW" altLang="en-US" sz="4800" b="1" dirty="0">
                 <a:solidFill>
                   <a:srgbClr val="000066"/>
                 </a:solidFill>
@@ -3333,7 +3562,7 @@
               <a:t>叫我抬起頭</a:t>
             </a:r>
             <a:r>
-              <a:rPr lang="zh-TW" altLang="en-US" b="1" dirty="0" smtClean="0">
+              <a:rPr lang="zh-TW" altLang="en-US" sz="4800" b="1" dirty="0" smtClean="0">
                 <a:solidFill>
                   <a:srgbClr val="000066"/>
                 </a:solidFill>
@@ -3342,7 +3571,7 @@
               </a:rPr>
               <a:t>的神</a:t>
             </a:r>
-            <a:endParaRPr lang="zh-TW" altLang="en-US" b="1" dirty="0">
+            <a:endParaRPr lang="zh-TW" altLang="en-US" sz="4800" b="1" dirty="0">
               <a:solidFill>
                 <a:srgbClr val="000066"/>
               </a:solidFill>
@@ -3362,7 +3591,12 @@
             <p:ph idx="1"/>
           </p:nvPr>
         </p:nvSpPr>
-        <p:spPr/>
+        <p:spPr>
+          <a:xfrm>
+            <a:off x="609600" y="1600203"/>
+            <a:ext cx="10972800" cy="5257797"/>
+          </a:xfrm>
+        </p:spPr>
         <p:txBody>
           <a:bodyPr>
             <a:normAutofit/>
@@ -3373,6 +3607,38 @@
               <a:buNone/>
             </a:pPr>
             <a:r>
+              <a:rPr lang="zh-TW" altLang="en-US" sz="5400" b="1" dirty="0">
+                <a:solidFill>
+                  <a:srgbClr val="000066"/>
+                </a:solidFill>
+                <a:latin typeface="微軟正黑體" pitchFamily="34" charset="-120"/>
+                <a:ea typeface="微軟正黑體" pitchFamily="34" charset="-120"/>
+              </a:rPr>
+              <a:t>耶和華是我四圍的盾牌</a:t>
+            </a:r>
+            <a:endParaRPr lang="en-US" altLang="zh-TW" sz="5400" b="1" dirty="0">
+              <a:solidFill>
+                <a:srgbClr val="000066"/>
+              </a:solidFill>
+              <a:latin typeface="微軟正黑體" pitchFamily="34" charset="-120"/>
+              <a:ea typeface="微軟正黑體" pitchFamily="34" charset="-120"/>
+            </a:endParaRPr>
+          </a:p>
+          <a:p>
+            <a:pPr algn="ctr">
+              <a:buNone/>
+            </a:pPr>
+            <a:r>
+              <a:rPr lang="zh-TW" altLang="en-US" sz="5400" b="1" dirty="0">
+                <a:solidFill>
+                  <a:srgbClr val="000066"/>
+                </a:solidFill>
+                <a:latin typeface="微軟正黑體" pitchFamily="34" charset="-120"/>
+                <a:ea typeface="微軟正黑體" pitchFamily="34" charset="-120"/>
+              </a:rPr>
+              <a:t>是我的榮</a:t>
+            </a:r>
+            <a:r>
               <a:rPr lang="zh-TW" altLang="en-US" sz="5400" b="1" dirty="0" smtClean="0">
                 <a:solidFill>
                   <a:srgbClr val="000066"/>
@@ -3380,7 +3646,47 @@
                 <a:latin typeface="微軟正黑體" pitchFamily="34" charset="-120"/>
                 <a:ea typeface="微軟正黑體" pitchFamily="34" charset="-120"/>
               </a:rPr>
-              <a:t>耶和華是我牧者</a:t>
+              <a:t>耀</a:t>
+            </a:r>
+            <a:r>
+              <a:rPr lang="en-US" altLang="zh-TW" sz="5400" b="1" dirty="0" smtClean="0">
+                <a:solidFill>
+                  <a:srgbClr val="000066"/>
+                </a:solidFill>
+                <a:latin typeface="微軟正黑體" pitchFamily="34" charset="-120"/>
+                <a:ea typeface="微軟正黑體" pitchFamily="34" charset="-120"/>
+              </a:rPr>
+              <a:t>  </a:t>
+            </a:r>
+            <a:r>
+              <a:rPr lang="zh-TW" altLang="en-US" sz="5400" b="1" dirty="0" smtClean="0">
+                <a:solidFill>
+                  <a:srgbClr val="000066"/>
+                </a:solidFill>
+                <a:latin typeface="微軟正黑體" pitchFamily="34" charset="-120"/>
+                <a:ea typeface="微軟正黑體" pitchFamily="34" charset="-120"/>
+              </a:rPr>
+              <a:t>又</a:t>
+            </a:r>
+            <a:r>
+              <a:rPr lang="zh-TW" altLang="en-US" sz="5400" b="1" dirty="0">
+                <a:solidFill>
+                  <a:srgbClr val="000066"/>
+                </a:solidFill>
+                <a:latin typeface="微軟正黑體" pitchFamily="34" charset="-120"/>
+                <a:ea typeface="微軟正黑體" pitchFamily="34" charset="-120"/>
+              </a:rPr>
+              <a:t>是叫我抬起頭的</a:t>
+            </a:r>
+            <a:r>
+              <a:rPr lang="zh-TW" altLang="en-US" sz="5400" b="1" dirty="0" smtClean="0">
+                <a:solidFill>
+                  <a:srgbClr val="000066"/>
+                </a:solidFill>
+                <a:latin typeface="微軟正黑體" pitchFamily="34" charset="-120"/>
+                <a:ea typeface="微軟正黑體" pitchFamily="34" charset="-120"/>
+              </a:rPr>
+              <a:t>神</a:t>
             </a:r>
             <a:endParaRPr lang="en-US" altLang="zh-TW" sz="5400" b="1" dirty="0" smtClean="0">
               <a:solidFill>
@@ -3395,6 +3701,16 @@
               <a:buNone/>
             </a:pPr>
             <a:r>
+              <a:rPr lang="zh-TW" altLang="en-US" sz="5400" b="1" dirty="0">
+                <a:solidFill>
+                  <a:srgbClr val="000066"/>
+                </a:solidFill>
+                <a:latin typeface="微軟正黑體" pitchFamily="34" charset="-120"/>
+                <a:ea typeface="微軟正黑體" pitchFamily="34" charset="-120"/>
+              </a:rPr>
+              <a:t>一宿雖然有哭</a:t>
+            </a:r>
+            <a:r>
               <a:rPr lang="zh-TW" altLang="en-US" sz="5400" b="1" dirty="0" smtClean="0">
                 <a:solidFill>
                   <a:srgbClr val="000066"/>
@@ -3402,9 +3718,39 @@
                 <a:latin typeface="微軟正黑體" pitchFamily="34" charset="-120"/>
                 <a:ea typeface="微軟正黑體" pitchFamily="34" charset="-120"/>
               </a:rPr>
-              <a:t>必不致缺乏</a:t>
-            </a:r>
-            <a:endParaRPr lang="en-US" altLang="zh-TW" sz="5400" b="1" dirty="0" smtClean="0">
+              <a:t>泣</a:t>
+            </a:r>
+            <a:r>
+              <a:rPr lang="en-US" altLang="zh-TW" sz="5400" b="1" dirty="0" smtClean="0">
+                <a:solidFill>
+                  <a:srgbClr val="000066"/>
+                </a:solidFill>
+                <a:latin typeface="微軟正黑體" pitchFamily="34" charset="-120"/>
+                <a:ea typeface="微軟正黑體" pitchFamily="34" charset="-120"/>
+              </a:rPr>
+              <a:t>  </a:t>
+            </a:r>
+            <a:r>
+              <a:rPr lang="zh-TW" altLang="en-US" sz="5400" b="1" dirty="0" smtClean="0">
+                <a:solidFill>
+                  <a:srgbClr val="000066"/>
+                </a:solidFill>
+                <a:latin typeface="微軟正黑體" pitchFamily="34" charset="-120"/>
+                <a:ea typeface="微軟正黑體" pitchFamily="34" charset="-120"/>
+              </a:rPr>
+              <a:t>早</a:t>
+            </a:r>
+            <a:r>
+              <a:rPr lang="zh-TW" altLang="en-US" sz="5400" b="1" dirty="0">
+                <a:solidFill>
+                  <a:srgbClr val="000066"/>
+                </a:solidFill>
+                <a:latin typeface="微軟正黑體" pitchFamily="34" charset="-120"/>
+                <a:ea typeface="微軟正黑體" pitchFamily="34" charset="-120"/>
+              </a:rPr>
+              <a:t>晨我們必歡呼</a:t>
+            </a:r>
+            <a:endParaRPr lang="en-US" altLang="zh-TW" sz="5400" b="1" dirty="0">
               <a:solidFill>
                 <a:srgbClr val="000066"/>
               </a:solidFill>
@@ -3417,6 +3763,16 @@
               <a:buNone/>
             </a:pPr>
             <a:r>
+              <a:rPr lang="zh-TW" altLang="en-US" sz="5400" b="1" dirty="0">
+                <a:solidFill>
+                  <a:srgbClr val="000066"/>
+                </a:solidFill>
+                <a:latin typeface="微軟正黑體" pitchFamily="34" charset="-120"/>
+                <a:ea typeface="微軟正黑體" pitchFamily="34" charset="-120"/>
+              </a:rPr>
+              <a:t>祢是我的磐石我的幫</a:t>
+            </a:r>
+            <a:r>
               <a:rPr lang="zh-TW" altLang="en-US" sz="5400" b="1" dirty="0" smtClean="0">
                 <a:solidFill>
                   <a:srgbClr val="000066"/>
@@ -3424,29 +3780,7 @@
                 <a:latin typeface="微軟正黑體" pitchFamily="34" charset="-120"/>
                 <a:ea typeface="微軟正黑體" pitchFamily="34" charset="-120"/>
               </a:rPr>
-              <a:t>有耶和華作我旌旗</a:t>
-            </a:r>
-            <a:endParaRPr lang="en-US" altLang="zh-TW" sz="5400" b="1" dirty="0" smtClean="0">
-              <a:solidFill>
-                <a:srgbClr val="000066"/>
-              </a:solidFill>
-              <a:latin typeface="微軟正黑體" pitchFamily="34" charset="-120"/>
-              <a:ea typeface="微軟正黑體" pitchFamily="34" charset="-120"/>
-            </a:endParaRPr>
-          </a:p>
-          <a:p>
-            <a:pPr algn="ctr">
-              <a:buNone/>
-            </a:pPr>
-            <a:r>
-              <a:rPr lang="zh-TW" altLang="en-US" sz="5400" b="1" dirty="0" smtClean="0">
-                <a:solidFill>
-                  <a:srgbClr val="000066"/>
-                </a:solidFill>
-                <a:latin typeface="微軟正黑體" pitchFamily="34" charset="-120"/>
-                <a:ea typeface="微軟正黑體" pitchFamily="34" charset="-120"/>
-              </a:rPr>
-              <a:t>必全然得勝</a:t>
+              <a:t>助</a:t>
             </a:r>
             <a:endParaRPr lang="zh-TW" altLang="en-US" sz="5400" b="1" dirty="0">
               <a:solidFill>
@@ -3455,321 +3789,6 @@
               <a:latin typeface="微軟正黑體" pitchFamily="34" charset="-120"/>
               <a:ea typeface="微軟正黑體" pitchFamily="34" charset="-120"/>
             </a:endParaRPr>
-          </a:p>
-        </p:txBody>
-      </p:sp>
-    </p:spTree>
-  </p:cSld>
-  <p:clrMapOvr>
-    <a:masterClrMapping/>
-  </p:clrMapOvr>
-</p:sld>
-</file>
-
-<file path=ppt/slides/slide3.xml><?xml version="1.0" encoding="utf-8"?>
-<p:sld xmlns:a="http://schemas.openxmlformats.org/drawingml/2006/main" xmlns:r="http://schemas.openxmlformats.org/officeDocument/2006/relationships" xmlns:p="http://schemas.openxmlformats.org/presentationml/2006/main">
-  <p:cSld>
-    <p:spTree>
-      <p:nvGrpSpPr>
-        <p:cNvPr id="1" name=""/>
-        <p:cNvGrpSpPr/>
-        <p:nvPr/>
-      </p:nvGrpSpPr>
-      <p:grpSpPr>
-        <a:xfrm>
-          <a:off x="0" y="0"/>
-          <a:ext cx="0" cy="0"/>
-          <a:chOff x="0" y="0"/>
-          <a:chExt cx="0" cy="0"/>
-        </a:xfrm>
-      </p:grpSpPr>
-      <p:sp>
-        <p:nvSpPr>
-          <p:cNvPr id="4" name="標題 3"/>
-          <p:cNvSpPr>
-            <a:spLocks noGrp="1"/>
-          </p:cNvSpPr>
-          <p:nvPr>
-            <p:ph type="title"/>
-          </p:nvPr>
-        </p:nvSpPr>
-        <p:spPr/>
-        <p:txBody>
-          <a:bodyPr>
-            <a:normAutofit/>
-          </a:bodyPr>
-          <a:lstStyle/>
-          <a:p>
-            <a:r>
-              <a:rPr lang="zh-TW" altLang="en-US" b="1" dirty="0">
-                <a:solidFill>
-                  <a:srgbClr val="000066"/>
-                </a:solidFill>
-                <a:latin typeface="微軟正黑體" pitchFamily="34" charset="-120"/>
-                <a:ea typeface="微軟正黑體" pitchFamily="34" charset="-120"/>
-              </a:rPr>
-              <a:t>叫我抬起頭</a:t>
-            </a:r>
-            <a:r>
-              <a:rPr lang="zh-TW" altLang="en-US" b="1" dirty="0" smtClean="0">
-                <a:solidFill>
-                  <a:srgbClr val="000066"/>
-                </a:solidFill>
-                <a:latin typeface="微軟正黑體" pitchFamily="34" charset="-120"/>
-                <a:ea typeface="微軟正黑體" pitchFamily="34" charset="-120"/>
-              </a:rPr>
-              <a:t>的神</a:t>
-            </a:r>
-            <a:endParaRPr lang="zh-TW" altLang="en-US" b="1" dirty="0">
-              <a:solidFill>
-                <a:srgbClr val="000066"/>
-              </a:solidFill>
-              <a:latin typeface="微軟正黑體" pitchFamily="34" charset="-120"/>
-              <a:ea typeface="微軟正黑體" pitchFamily="34" charset="-120"/>
-            </a:endParaRPr>
-          </a:p>
-        </p:txBody>
-      </p:sp>
-      <p:sp>
-        <p:nvSpPr>
-          <p:cNvPr id="5" name="內容版面配置區 4"/>
-          <p:cNvSpPr>
-            <a:spLocks noGrp="1"/>
-          </p:cNvSpPr>
-          <p:nvPr>
-            <p:ph idx="1"/>
-          </p:nvPr>
-        </p:nvSpPr>
-        <p:spPr/>
-        <p:txBody>
-          <a:bodyPr>
-            <a:normAutofit/>
-          </a:bodyPr>
-          <a:lstStyle/>
-          <a:p>
-            <a:pPr algn="ctr">
-              <a:buNone/>
-            </a:pPr>
-            <a:r>
-              <a:rPr lang="zh-TW" altLang="en-US" sz="5400" b="1" dirty="0" smtClean="0">
-                <a:solidFill>
-                  <a:srgbClr val="000066"/>
-                </a:solidFill>
-                <a:latin typeface="微軟正黑體" pitchFamily="34" charset="-120"/>
-                <a:ea typeface="微軟正黑體" pitchFamily="34" charset="-120"/>
-              </a:rPr>
-              <a:t>耶和華是我四圍的盾牌</a:t>
-            </a:r>
-            <a:endParaRPr lang="en-US" altLang="zh-TW" sz="5400" b="1" dirty="0" smtClean="0">
-              <a:solidFill>
-                <a:srgbClr val="000066"/>
-              </a:solidFill>
-              <a:latin typeface="微軟正黑體" pitchFamily="34" charset="-120"/>
-              <a:ea typeface="微軟正黑體" pitchFamily="34" charset="-120"/>
-            </a:endParaRPr>
-          </a:p>
-          <a:p>
-            <a:pPr algn="ctr">
-              <a:buNone/>
-            </a:pPr>
-            <a:r>
-              <a:rPr lang="zh-TW" altLang="en-US" sz="5400" b="1" dirty="0" smtClean="0">
-                <a:solidFill>
-                  <a:srgbClr val="000066"/>
-                </a:solidFill>
-                <a:latin typeface="微軟正黑體" pitchFamily="34" charset="-120"/>
-                <a:ea typeface="微軟正黑體" pitchFamily="34" charset="-120"/>
-              </a:rPr>
-              <a:t>是我的榮耀</a:t>
-            </a:r>
-            <a:endParaRPr lang="en-US" altLang="zh-TW" sz="5400" b="1" dirty="0" smtClean="0">
-              <a:solidFill>
-                <a:srgbClr val="000066"/>
-              </a:solidFill>
-              <a:latin typeface="微軟正黑體" pitchFamily="34" charset="-120"/>
-              <a:ea typeface="微軟正黑體" pitchFamily="34" charset="-120"/>
-            </a:endParaRPr>
-          </a:p>
-          <a:p>
-            <a:pPr algn="ctr">
-              <a:buNone/>
-            </a:pPr>
-            <a:r>
-              <a:rPr lang="zh-TW" altLang="en-US" sz="5400" b="1" dirty="0" smtClean="0">
-                <a:solidFill>
-                  <a:srgbClr val="000066"/>
-                </a:solidFill>
-                <a:latin typeface="微軟正黑體" pitchFamily="34" charset="-120"/>
-                <a:ea typeface="微軟正黑體" pitchFamily="34" charset="-120"/>
-              </a:rPr>
-              <a:t>又是叫我抬起頭</a:t>
-            </a:r>
-            <a:r>
-              <a:rPr lang="zh-TW" altLang="en-US" sz="5400" b="1" dirty="0" smtClean="0">
-                <a:solidFill>
-                  <a:srgbClr val="000066"/>
-                </a:solidFill>
-                <a:latin typeface="微軟正黑體" pitchFamily="34" charset="-120"/>
-                <a:ea typeface="微軟正黑體" pitchFamily="34" charset="-120"/>
-              </a:rPr>
-              <a:t>的神</a:t>
-            </a:r>
-            <a:endParaRPr lang="zh-TW" altLang="en-US" sz="5400" b="1" dirty="0" smtClean="0">
-              <a:solidFill>
-                <a:srgbClr val="000066"/>
-              </a:solidFill>
-              <a:latin typeface="微軟正黑體" pitchFamily="34" charset="-120"/>
-              <a:ea typeface="微軟正黑體" pitchFamily="34" charset="-120"/>
-            </a:endParaRPr>
-          </a:p>
-        </p:txBody>
-      </p:sp>
-    </p:spTree>
-  </p:cSld>
-  <p:clrMapOvr>
-    <a:masterClrMapping/>
-  </p:clrMapOvr>
-</p:sld>
-</file>
-
-<file path=ppt/slides/slide4.xml><?xml version="1.0" encoding="utf-8"?>
-<p:sld xmlns:a="http://schemas.openxmlformats.org/drawingml/2006/main" xmlns:r="http://schemas.openxmlformats.org/officeDocument/2006/relationships" xmlns:p="http://schemas.openxmlformats.org/presentationml/2006/main">
-  <p:cSld>
-    <p:spTree>
-      <p:nvGrpSpPr>
-        <p:cNvPr id="1" name=""/>
-        <p:cNvGrpSpPr/>
-        <p:nvPr/>
-      </p:nvGrpSpPr>
-      <p:grpSpPr>
-        <a:xfrm>
-          <a:off x="0" y="0"/>
-          <a:ext cx="0" cy="0"/>
-          <a:chOff x="0" y="0"/>
-          <a:chExt cx="0" cy="0"/>
-        </a:xfrm>
-      </p:grpSpPr>
-      <p:sp>
-        <p:nvSpPr>
-          <p:cNvPr id="4" name="標題 3"/>
-          <p:cNvSpPr>
-            <a:spLocks noGrp="1"/>
-          </p:cNvSpPr>
-          <p:nvPr>
-            <p:ph type="title"/>
-          </p:nvPr>
-        </p:nvSpPr>
-        <p:spPr/>
-        <p:txBody>
-          <a:bodyPr>
-            <a:normAutofit/>
-          </a:bodyPr>
-          <a:lstStyle/>
-          <a:p>
-            <a:r>
-              <a:rPr lang="zh-TW" altLang="en-US" b="1" dirty="0">
-                <a:solidFill>
-                  <a:srgbClr val="000066"/>
-                </a:solidFill>
-                <a:latin typeface="微軟正黑體" pitchFamily="34" charset="-120"/>
-                <a:ea typeface="微軟正黑體" pitchFamily="34" charset="-120"/>
-              </a:rPr>
-              <a:t>叫我抬起頭</a:t>
-            </a:r>
-            <a:r>
-              <a:rPr lang="zh-TW" altLang="en-US" b="1" dirty="0" smtClean="0">
-                <a:solidFill>
-                  <a:srgbClr val="000066"/>
-                </a:solidFill>
-                <a:latin typeface="微軟正黑體" pitchFamily="34" charset="-120"/>
-                <a:ea typeface="微軟正黑體" pitchFamily="34" charset="-120"/>
-              </a:rPr>
-              <a:t>的神</a:t>
-            </a:r>
-            <a:endParaRPr lang="zh-TW" altLang="en-US" b="1" dirty="0">
-              <a:solidFill>
-                <a:srgbClr val="000066"/>
-              </a:solidFill>
-              <a:latin typeface="微軟正黑體" pitchFamily="34" charset="-120"/>
-              <a:ea typeface="微軟正黑體" pitchFamily="34" charset="-120"/>
-            </a:endParaRPr>
-          </a:p>
-        </p:txBody>
-      </p:sp>
-      <p:sp>
-        <p:nvSpPr>
-          <p:cNvPr id="5" name="內容版面配置區 4"/>
-          <p:cNvSpPr>
-            <a:spLocks noGrp="1"/>
-          </p:cNvSpPr>
-          <p:nvPr>
-            <p:ph idx="1"/>
-          </p:nvPr>
-        </p:nvSpPr>
-        <p:spPr/>
-        <p:txBody>
-          <a:bodyPr>
-            <a:normAutofit/>
-          </a:bodyPr>
-          <a:lstStyle/>
-          <a:p>
-            <a:pPr algn="ctr">
-              <a:buNone/>
-            </a:pPr>
-            <a:r>
-              <a:rPr lang="zh-TW" altLang="en-US" sz="5400" b="1" dirty="0" smtClean="0">
-                <a:solidFill>
-                  <a:srgbClr val="000066"/>
-                </a:solidFill>
-                <a:latin typeface="微軟正黑體" pitchFamily="34" charset="-120"/>
-                <a:ea typeface="微軟正黑體" pitchFamily="34" charset="-120"/>
-              </a:rPr>
-              <a:t>一宿雖然有哭泣</a:t>
-            </a:r>
-            <a:endParaRPr lang="en-US" altLang="zh-TW" sz="5400" b="1" dirty="0" smtClean="0">
-              <a:solidFill>
-                <a:srgbClr val="000066"/>
-              </a:solidFill>
-              <a:latin typeface="微軟正黑體" pitchFamily="34" charset="-120"/>
-              <a:ea typeface="微軟正黑體" pitchFamily="34" charset="-120"/>
-            </a:endParaRPr>
-          </a:p>
-          <a:p>
-            <a:pPr algn="ctr">
-              <a:buNone/>
-            </a:pPr>
-            <a:r>
-              <a:rPr lang="zh-TW" altLang="en-US" sz="5400" b="1" dirty="0" smtClean="0">
-                <a:solidFill>
-                  <a:srgbClr val="000066"/>
-                </a:solidFill>
-                <a:latin typeface="微軟正黑體" pitchFamily="34" charset="-120"/>
-                <a:ea typeface="微軟正黑體" pitchFamily="34" charset="-120"/>
-              </a:rPr>
-              <a:t>早晨我們必歡呼</a:t>
-            </a:r>
-            <a:endParaRPr lang="en-US" altLang="zh-TW" sz="5400" b="1" dirty="0" smtClean="0">
-              <a:solidFill>
-                <a:srgbClr val="000066"/>
-              </a:solidFill>
-              <a:latin typeface="微軟正黑體" pitchFamily="34" charset="-120"/>
-              <a:ea typeface="微軟正黑體" pitchFamily="34" charset="-120"/>
-            </a:endParaRPr>
-          </a:p>
-          <a:p>
-            <a:pPr algn="ctr">
-              <a:buNone/>
-            </a:pPr>
-            <a:r>
-              <a:rPr lang="zh-TW" altLang="en-US" sz="5400" b="1" dirty="0" smtClean="0">
-                <a:solidFill>
-                  <a:srgbClr val="000066"/>
-                </a:solidFill>
-                <a:latin typeface="微軟正黑體" pitchFamily="34" charset="-120"/>
-                <a:ea typeface="微軟正黑體" pitchFamily="34" charset="-120"/>
-              </a:rPr>
-              <a:t>祢是我的磐石我的幫助</a:t>
-            </a:r>
           </a:p>
         </p:txBody>
       </p:sp>
@@ -3782,7 +3801,7 @@
 </file>
 
 <file path=ppt/theme/theme1.xml><?xml version="1.0" encoding="utf-8"?>
-<a:theme xmlns:a="http://schemas.openxmlformats.org/drawingml/2006/main" name="佈景主題1">
+<a:theme xmlns:a="http://schemas.openxmlformats.org/drawingml/2006/main" name="Theme1">
   <a:themeElements>
     <a:clrScheme name="Office">
       <a:dk1>
@@ -4061,5 +4080,10 @@
   </a:themeElements>
   <a:objectDefaults/>
   <a:extraClrSchemeLst/>
+  <a:extLst>
+    <a:ext uri="{05A4C25C-085E-4340-85A3-A5531E510DB2}">
+      <thm15:themeFamily xmlns:thm15="http://schemas.microsoft.com/office/thememl/2012/main" name="Theme1" id="{1A8DE197-990E-4893-BF04-3823FBB50F9A}" vid="{430B7048-5A04-4BDB-939A-C7E865DB887B}"/>
+    </a:ext>
+  </a:extLst>
 </a:theme>
 </file>
--- a/叫我抬起頭的神(崇拜版).pptx
+++ b/叫我抬起頭的神(崇拜版).pptx
@@ -5,8 +5,13 @@
     <p:sldMasterId id="2147483672" r:id="rId1"/>
   </p:sldMasterIdLst>
   <p:sldIdLst>
-    <p:sldId id="256" r:id="rId2"/>
-    <p:sldId id="258" r:id="rId3"/>
+    <p:sldId id="259" r:id="rId2"/>
+    <p:sldId id="260" r:id="rId3"/>
+    <p:sldId id="261" r:id="rId4"/>
+    <p:sldId id="262" r:id="rId5"/>
+    <p:sldId id="263" r:id="rId6"/>
+    <p:sldId id="264" r:id="rId7"/>
+    <p:sldId id="265" r:id="rId8"/>
   </p:sldIdLst>
   <p:sldSz cx="12192000" cy="6858000"/>
   <p:notesSz cx="6858000" cy="9144000"/>
@@ -305,7 +310,7 @@
           <a:p>
             <a:fld id="{2D090BFC-FE9E-4A7A-A32A-894D5623C2A2}" type="datetimeFigureOut">
               <a:rPr lang="zh-TW" altLang="en-US" smtClean="0"/>
-              <a:t>2020/9/19</a:t>
+              <a:t>2020/10/24</a:t>
             </a:fld>
             <a:endParaRPr lang="zh-TW" altLang="en-US"/>
           </a:p>
@@ -475,7 +480,7 @@
           <a:p>
             <a:fld id="{2D090BFC-FE9E-4A7A-A32A-894D5623C2A2}" type="datetimeFigureOut">
               <a:rPr lang="zh-TW" altLang="en-US" smtClean="0"/>
-              <a:t>2020/9/19</a:t>
+              <a:t>2020/10/24</a:t>
             </a:fld>
             <a:endParaRPr lang="zh-TW" altLang="en-US"/>
           </a:p>
@@ -655,7 +660,7 @@
           <a:p>
             <a:fld id="{2D090BFC-FE9E-4A7A-A32A-894D5623C2A2}" type="datetimeFigureOut">
               <a:rPr lang="zh-TW" altLang="en-US" smtClean="0"/>
-              <a:t>2020/9/19</a:t>
+              <a:t>2020/10/24</a:t>
             </a:fld>
             <a:endParaRPr lang="zh-TW" altLang="en-US"/>
           </a:p>
@@ -825,7 +830,7 @@
           <a:p>
             <a:fld id="{2D090BFC-FE9E-4A7A-A32A-894D5623C2A2}" type="datetimeFigureOut">
               <a:rPr lang="zh-TW" altLang="en-US" smtClean="0"/>
-              <a:t>2020/9/19</a:t>
+              <a:t>2020/10/24</a:t>
             </a:fld>
             <a:endParaRPr lang="zh-TW" altLang="en-US"/>
           </a:p>
@@ -1071,7 +1076,7 @@
           <a:p>
             <a:fld id="{2D090BFC-FE9E-4A7A-A32A-894D5623C2A2}" type="datetimeFigureOut">
               <a:rPr lang="zh-TW" altLang="en-US" smtClean="0"/>
-              <a:t>2020/9/19</a:t>
+              <a:t>2020/10/24</a:t>
             </a:fld>
             <a:endParaRPr lang="zh-TW" altLang="en-US"/>
           </a:p>
@@ -1359,7 +1364,7 @@
           <a:p>
             <a:fld id="{2D090BFC-FE9E-4A7A-A32A-894D5623C2A2}" type="datetimeFigureOut">
               <a:rPr lang="zh-TW" altLang="en-US" smtClean="0"/>
-              <a:t>2020/9/19</a:t>
+              <a:t>2020/10/24</a:t>
             </a:fld>
             <a:endParaRPr lang="zh-TW" altLang="en-US"/>
           </a:p>
@@ -1781,7 +1786,7 @@
           <a:p>
             <a:fld id="{2D090BFC-FE9E-4A7A-A32A-894D5623C2A2}" type="datetimeFigureOut">
               <a:rPr lang="zh-TW" altLang="en-US" smtClean="0"/>
-              <a:t>2020/9/19</a:t>
+              <a:t>2020/10/24</a:t>
             </a:fld>
             <a:endParaRPr lang="zh-TW" altLang="en-US"/>
           </a:p>
@@ -1899,7 +1904,7 @@
           <a:p>
             <a:fld id="{2D090BFC-FE9E-4A7A-A32A-894D5623C2A2}" type="datetimeFigureOut">
               <a:rPr lang="zh-TW" altLang="en-US" smtClean="0"/>
-              <a:t>2020/9/19</a:t>
+              <a:t>2020/10/24</a:t>
             </a:fld>
             <a:endParaRPr lang="zh-TW" altLang="en-US"/>
           </a:p>
@@ -1994,7 +1999,7 @@
           <a:p>
             <a:fld id="{2D090BFC-FE9E-4A7A-A32A-894D5623C2A2}" type="datetimeFigureOut">
               <a:rPr lang="zh-TW" altLang="en-US" smtClean="0"/>
-              <a:t>2020/9/19</a:t>
+              <a:t>2020/10/24</a:t>
             </a:fld>
             <a:endParaRPr lang="zh-TW" altLang="en-US"/>
           </a:p>
@@ -2271,7 +2276,7 @@
           <a:p>
             <a:fld id="{2D090BFC-FE9E-4A7A-A32A-894D5623C2A2}" type="datetimeFigureOut">
               <a:rPr lang="zh-TW" altLang="en-US" smtClean="0"/>
-              <a:t>2020/9/19</a:t>
+              <a:t>2020/10/24</a:t>
             </a:fld>
             <a:endParaRPr lang="zh-TW" altLang="en-US"/>
           </a:p>
@@ -2528,7 +2533,7 @@
           <a:p>
             <a:fld id="{2D090BFC-FE9E-4A7A-A32A-894D5623C2A2}" type="datetimeFigureOut">
               <a:rPr lang="zh-TW" altLang="en-US" smtClean="0"/>
-              <a:t>2020/9/19</a:t>
+              <a:t>2020/10/24</a:t>
             </a:fld>
             <a:endParaRPr lang="zh-TW" altLang="en-US"/>
           </a:p>
@@ -2746,7 +2751,7 @@
           <a:p>
             <a:fld id="{2D090BFC-FE9E-4A7A-A32A-894D5623C2A2}" type="datetimeFigureOut">
               <a:rPr lang="zh-TW" altLang="en-US" smtClean="0"/>
-              <a:t>2020/9/19</a:t>
+              <a:t>2020/10/24</a:t>
             </a:fld>
             <a:endParaRPr lang="zh-TW" altLang="en-US"/>
           </a:p>
@@ -3131,385 +3136,61 @@
             <p:ph type="title"/>
           </p:nvPr>
         </p:nvSpPr>
-        <p:spPr/>
+        <p:spPr>
+          <a:xfrm>
+            <a:off x="0" y="2857513"/>
+            <a:ext cx="12192000" cy="1143000"/>
+          </a:xfrm>
+        </p:spPr>
         <p:txBody>
           <a:bodyPr>
-            <a:normAutofit/>
+            <a:noAutofit/>
           </a:bodyPr>
           <a:lstStyle/>
           <a:p>
             <a:r>
-              <a:rPr lang="zh-TW" altLang="en-US" sz="4800" b="1" dirty="0">
+              <a:rPr lang="zh-TW" altLang="en-US" sz="7200" b="1" i="1" dirty="0">
                 <a:solidFill>
-                  <a:srgbClr val="000066"/>
+                  <a:srgbClr val="660033"/>
                 </a:solidFill>
+                <a:effectLst>
+                  <a:outerShdw blurRad="38100" dist="38100" dir="2700000" algn="tl">
+                    <a:srgbClr val="000000">
+                      <a:alpha val="43137"/>
+                    </a:srgbClr>
+                  </a:outerShdw>
+                </a:effectLst>
                 <a:latin typeface="微軟正黑體" pitchFamily="34" charset="-120"/>
                 <a:ea typeface="微軟正黑體" pitchFamily="34" charset="-120"/>
               </a:rPr>
-              <a:t>叫我抬起頭</a:t>
-            </a:r>
-            <a:r>
-              <a:rPr lang="zh-TW" altLang="en-US" sz="4800" b="1" dirty="0" smtClean="0">
+              <a:t>叫</a:t>
+            </a:r>
+            <a:r>
+              <a:rPr lang="zh-TW" altLang="en-US" sz="7200" b="1" i="1" dirty="0">
                 <a:solidFill>
-                  <a:srgbClr val="000066"/>
+                  <a:srgbClr val="660033"/>
                 </a:solidFill>
+                <a:effectLst>
+                  <a:outerShdw blurRad="38100" dist="38100" dir="2700000" algn="tl">
+                    <a:srgbClr val="000000">
+                      <a:alpha val="43137"/>
+                    </a:srgbClr>
+                  </a:outerShdw>
+                </a:effectLst>
                 <a:latin typeface="微軟正黑體" pitchFamily="34" charset="-120"/>
                 <a:ea typeface="微軟正黑體" pitchFamily="34" charset="-120"/>
               </a:rPr>
-              <a:t>的神</a:t>
-            </a:r>
-            <a:endParaRPr lang="zh-TW" altLang="en-US" sz="4800" b="1" dirty="0">
-              <a:solidFill>
-                <a:srgbClr val="000066"/>
-              </a:solidFill>
-              <a:latin typeface="微軟正黑體" pitchFamily="34" charset="-120"/>
-              <a:ea typeface="微軟正黑體" pitchFamily="34" charset="-120"/>
-            </a:endParaRPr>
-          </a:p>
-        </p:txBody>
-      </p:sp>
-      <p:sp>
-        <p:nvSpPr>
-          <p:cNvPr id="5" name="內容版面配置區 4"/>
-          <p:cNvSpPr>
-            <a:spLocks noGrp="1"/>
-          </p:cNvSpPr>
-          <p:nvPr>
-            <p:ph idx="1"/>
-          </p:nvPr>
-        </p:nvSpPr>
-        <p:spPr>
-          <a:xfrm>
-            <a:off x="609600" y="1600203"/>
-            <a:ext cx="10972800" cy="5257797"/>
-          </a:xfrm>
-        </p:spPr>
-        <p:txBody>
-          <a:bodyPr>
-            <a:normAutofit/>
-          </a:bodyPr>
-          <a:lstStyle/>
-          <a:p>
-            <a:pPr algn="ctr">
-              <a:buNone/>
-            </a:pPr>
-            <a:r>
-              <a:rPr lang="zh-TW" altLang="en-US" sz="5400" b="1" dirty="0">
-                <a:solidFill>
-                  <a:srgbClr val="000066"/>
-                </a:solidFill>
-                <a:latin typeface="微軟正黑體" pitchFamily="34" charset="-120"/>
-                <a:ea typeface="微軟正黑體" pitchFamily="34" charset="-120"/>
-              </a:rPr>
-              <a:t>耶和華是我</a:t>
-            </a:r>
-            <a:r>
-              <a:rPr lang="zh-TW" altLang="en-US" sz="5400" b="1" dirty="0">
-                <a:solidFill>
-                  <a:srgbClr val="000066"/>
-                </a:solidFill>
-                <a:latin typeface="微軟正黑體" pitchFamily="34" charset="-120"/>
-                <a:ea typeface="微軟正黑體" pitchFamily="34" charset="-120"/>
-              </a:rPr>
-              <a:t>的</a:t>
-            </a:r>
-            <a:r>
-              <a:rPr lang="zh-TW" altLang="en-US" sz="5400" b="1" dirty="0" smtClean="0">
-                <a:solidFill>
-                  <a:srgbClr val="000066"/>
-                </a:solidFill>
-                <a:latin typeface="微軟正黑體" pitchFamily="34" charset="-120"/>
-                <a:ea typeface="微軟正黑體" pitchFamily="34" charset="-120"/>
-              </a:rPr>
-              <a:t>主</a:t>
-            </a:r>
-            <a:r>
-              <a:rPr lang="en-US" altLang="zh-TW" sz="5400" b="1" dirty="0" smtClean="0">
-                <a:solidFill>
-                  <a:srgbClr val="000066"/>
-                </a:solidFill>
-                <a:latin typeface="微軟正黑體" pitchFamily="34" charset="-120"/>
-                <a:ea typeface="微軟正黑體" pitchFamily="34" charset="-120"/>
-              </a:rPr>
-              <a:t>  </a:t>
-            </a:r>
-            <a:r>
-              <a:rPr lang="zh-TW" altLang="en-US" sz="5400" b="1" dirty="0" smtClean="0">
-                <a:solidFill>
-                  <a:srgbClr val="000066"/>
-                </a:solidFill>
-                <a:latin typeface="微軟正黑體" pitchFamily="34" charset="-120"/>
-                <a:ea typeface="微軟正黑體" pitchFamily="34" charset="-120"/>
-              </a:rPr>
-              <a:t>必</a:t>
-            </a:r>
-            <a:r>
-              <a:rPr lang="zh-TW" altLang="en-US" sz="5400" b="1" dirty="0">
-                <a:solidFill>
-                  <a:srgbClr val="000066"/>
-                </a:solidFill>
-                <a:latin typeface="微軟正黑體" pitchFamily="34" charset="-120"/>
-                <a:ea typeface="微軟正黑體" pitchFamily="34" charset="-120"/>
-              </a:rPr>
-              <a:t>不至</a:t>
-            </a:r>
-            <a:r>
-              <a:rPr lang="zh-TW" altLang="en-US" sz="5400" b="1" dirty="0">
-                <a:solidFill>
-                  <a:srgbClr val="000066"/>
-                </a:solidFill>
-                <a:latin typeface="微軟正黑體" pitchFamily="34" charset="-120"/>
-                <a:ea typeface="微軟正黑體" pitchFamily="34" charset="-120"/>
-              </a:rPr>
-              <a:t>動搖</a:t>
-            </a:r>
-            <a:endParaRPr lang="en-US" altLang="zh-TW" sz="5400" b="1" dirty="0">
-              <a:solidFill>
-                <a:srgbClr val="000066"/>
-              </a:solidFill>
-              <a:latin typeface="微軟正黑體" pitchFamily="34" charset="-120"/>
-              <a:ea typeface="微軟正黑體" pitchFamily="34" charset="-120"/>
-            </a:endParaRPr>
-          </a:p>
-          <a:p>
-            <a:pPr algn="ctr">
-              <a:buNone/>
-            </a:pPr>
-            <a:r>
-              <a:rPr lang="zh-TW" altLang="en-US" sz="5400" b="1" dirty="0">
-                <a:solidFill>
-                  <a:srgbClr val="000066"/>
-                </a:solidFill>
-                <a:latin typeface="微軟正黑體" pitchFamily="34" charset="-120"/>
-                <a:ea typeface="微軟正黑體" pitchFamily="34" charset="-120"/>
-              </a:rPr>
-              <a:t>有</a:t>
-            </a:r>
-            <a:r>
-              <a:rPr lang="zh-TW" altLang="en-US" sz="5400" b="1" dirty="0">
-                <a:solidFill>
-                  <a:srgbClr val="000066"/>
-                </a:solidFill>
-                <a:latin typeface="微軟正黑體" pitchFamily="34" charset="-120"/>
-                <a:ea typeface="微軟正黑體" pitchFamily="34" charset="-120"/>
-              </a:rPr>
-              <a:t>耶和華的</a:t>
-            </a:r>
-            <a:r>
-              <a:rPr lang="zh-TW" altLang="en-US" sz="5400" b="1" dirty="0">
-                <a:solidFill>
-                  <a:srgbClr val="000066"/>
-                </a:solidFill>
-                <a:latin typeface="微軟正黑體" pitchFamily="34" charset="-120"/>
-                <a:ea typeface="微軟正黑體" pitchFamily="34" charset="-120"/>
-              </a:rPr>
-              <a:t>幫</a:t>
-            </a:r>
-            <a:r>
-              <a:rPr lang="zh-TW" altLang="en-US" sz="5400" b="1" dirty="0" smtClean="0">
-                <a:solidFill>
-                  <a:srgbClr val="000066"/>
-                </a:solidFill>
-                <a:latin typeface="微軟正黑體" pitchFamily="34" charset="-120"/>
-                <a:ea typeface="微軟正黑體" pitchFamily="34" charset="-120"/>
-              </a:rPr>
-              <a:t>助</a:t>
-            </a:r>
-            <a:r>
-              <a:rPr lang="en-US" altLang="zh-TW" sz="5400" b="1" dirty="0" smtClean="0">
-                <a:solidFill>
-                  <a:srgbClr val="000066"/>
-                </a:solidFill>
-                <a:latin typeface="微軟正黑體" pitchFamily="34" charset="-120"/>
-                <a:ea typeface="微軟正黑體" pitchFamily="34" charset="-120"/>
-              </a:rPr>
-              <a:t>  </a:t>
-            </a:r>
-            <a:r>
-              <a:rPr lang="zh-TW" altLang="en-US" sz="5400" b="1" dirty="0" smtClean="0">
-                <a:solidFill>
-                  <a:srgbClr val="000066"/>
-                </a:solidFill>
-                <a:latin typeface="微軟正黑體" pitchFamily="34" charset="-120"/>
-                <a:ea typeface="微軟正黑體" pitchFamily="34" charset="-120"/>
-              </a:rPr>
-              <a:t>還</a:t>
-            </a:r>
-            <a:r>
-              <a:rPr lang="zh-TW" altLang="en-US" sz="5400" b="1" dirty="0">
-                <a:solidFill>
-                  <a:srgbClr val="000066"/>
-                </a:solidFill>
-                <a:latin typeface="微軟正黑體" pitchFamily="34" charset="-120"/>
-                <a:ea typeface="微軟正黑體" pitchFamily="34" charset="-120"/>
-              </a:rPr>
-              <a:t>要</a:t>
-            </a:r>
-            <a:r>
-              <a:rPr lang="zh-TW" altLang="en-US" sz="5400" b="1" dirty="0">
-                <a:solidFill>
-                  <a:srgbClr val="000066"/>
-                </a:solidFill>
-                <a:latin typeface="微軟正黑體" pitchFamily="34" charset="-120"/>
-                <a:ea typeface="微軟正黑體" pitchFamily="34" charset="-120"/>
-              </a:rPr>
-              <a:t>懼誰</a:t>
-            </a:r>
-            <a:r>
-              <a:rPr lang="zh-TW" altLang="en-US" sz="5400" b="1" dirty="0" smtClean="0">
-                <a:solidFill>
-                  <a:srgbClr val="000066"/>
-                </a:solidFill>
-                <a:latin typeface="微軟正黑體" pitchFamily="34" charset="-120"/>
-                <a:ea typeface="微軟正黑體" pitchFamily="34" charset="-120"/>
-              </a:rPr>
-              <a:t>呢</a:t>
-            </a:r>
-            <a:endParaRPr lang="en-US" altLang="zh-TW" sz="5400" b="1" dirty="0" smtClean="0">
-              <a:solidFill>
-                <a:srgbClr val="000066"/>
-              </a:solidFill>
-              <a:latin typeface="微軟正黑體" pitchFamily="34" charset="-120"/>
-              <a:ea typeface="微軟正黑體" pitchFamily="34" charset="-120"/>
-            </a:endParaRPr>
-          </a:p>
-          <a:p>
-            <a:pPr algn="ctr">
-              <a:buNone/>
-            </a:pPr>
-            <a:r>
-              <a:rPr lang="zh-TW" altLang="en-US" sz="5400" b="1" dirty="0">
-                <a:solidFill>
-                  <a:srgbClr val="000066"/>
-                </a:solidFill>
-                <a:latin typeface="微軟正黑體" pitchFamily="34" charset="-120"/>
-                <a:ea typeface="微軟正黑體" pitchFamily="34" charset="-120"/>
-              </a:rPr>
-              <a:t>耶和華是我牧</a:t>
-            </a:r>
-            <a:r>
-              <a:rPr lang="zh-TW" altLang="en-US" sz="5400" b="1" dirty="0" smtClean="0">
-                <a:solidFill>
-                  <a:srgbClr val="000066"/>
-                </a:solidFill>
-                <a:latin typeface="微軟正黑體" pitchFamily="34" charset="-120"/>
-                <a:ea typeface="微軟正黑體" pitchFamily="34" charset="-120"/>
-              </a:rPr>
-              <a:t>者</a:t>
-            </a:r>
-            <a:r>
-              <a:rPr lang="en-US" altLang="zh-TW" sz="5400" b="1" dirty="0" smtClean="0">
-                <a:solidFill>
-                  <a:srgbClr val="000066"/>
-                </a:solidFill>
-                <a:latin typeface="微軟正黑體" pitchFamily="34" charset="-120"/>
-                <a:ea typeface="微軟正黑體" pitchFamily="34" charset="-120"/>
-              </a:rPr>
-              <a:t>  </a:t>
-            </a:r>
-            <a:r>
-              <a:rPr lang="zh-TW" altLang="en-US" sz="5400" b="1" dirty="0" smtClean="0">
-                <a:solidFill>
-                  <a:srgbClr val="000066"/>
-                </a:solidFill>
-                <a:latin typeface="微軟正黑體" pitchFamily="34" charset="-120"/>
-                <a:ea typeface="微軟正黑體" pitchFamily="34" charset="-120"/>
-              </a:rPr>
-              <a:t>必</a:t>
-            </a:r>
-            <a:r>
-              <a:rPr lang="zh-TW" altLang="en-US" sz="5400" b="1" dirty="0">
-                <a:solidFill>
-                  <a:srgbClr val="000066"/>
-                </a:solidFill>
-                <a:latin typeface="微軟正黑體" pitchFamily="34" charset="-120"/>
-                <a:ea typeface="微軟正黑體" pitchFamily="34" charset="-120"/>
-              </a:rPr>
-              <a:t>不致缺乏</a:t>
-            </a:r>
-            <a:endParaRPr lang="en-US" altLang="zh-TW" sz="5400" b="1" dirty="0">
-              <a:solidFill>
-                <a:srgbClr val="000066"/>
-              </a:solidFill>
-              <a:latin typeface="微軟正黑體" pitchFamily="34" charset="-120"/>
-              <a:ea typeface="微軟正黑體" pitchFamily="34" charset="-120"/>
-            </a:endParaRPr>
-          </a:p>
-          <a:p>
-            <a:pPr algn="ctr">
-              <a:buNone/>
-            </a:pPr>
-            <a:r>
-              <a:rPr lang="zh-TW" altLang="en-US" sz="5400" b="1" dirty="0">
-                <a:solidFill>
-                  <a:srgbClr val="000066"/>
-                </a:solidFill>
-                <a:latin typeface="微軟正黑體" pitchFamily="34" charset="-120"/>
-                <a:ea typeface="微軟正黑體" pitchFamily="34" charset="-120"/>
-              </a:rPr>
-              <a:t>有耶和華作我旌</a:t>
-            </a:r>
-            <a:r>
-              <a:rPr lang="zh-TW" altLang="en-US" sz="5400" b="1" dirty="0" smtClean="0">
-                <a:solidFill>
-                  <a:srgbClr val="000066"/>
-                </a:solidFill>
-                <a:latin typeface="微軟正黑體" pitchFamily="34" charset="-120"/>
-                <a:ea typeface="微軟正黑體" pitchFamily="34" charset="-120"/>
-              </a:rPr>
-              <a:t>旗</a:t>
-            </a:r>
-            <a:r>
-              <a:rPr lang="en-US" altLang="zh-TW" sz="5400" b="1" dirty="0" smtClean="0">
-                <a:solidFill>
-                  <a:srgbClr val="000066"/>
-                </a:solidFill>
-                <a:latin typeface="微軟正黑體" pitchFamily="34" charset="-120"/>
-                <a:ea typeface="微軟正黑體" pitchFamily="34" charset="-120"/>
-              </a:rPr>
-              <a:t>  </a:t>
-            </a:r>
-            <a:r>
-              <a:rPr lang="zh-TW" altLang="en-US" sz="5400" b="1" dirty="0" smtClean="0">
-                <a:solidFill>
-                  <a:srgbClr val="000066"/>
-                </a:solidFill>
-                <a:latin typeface="微軟正黑體" pitchFamily="34" charset="-120"/>
-                <a:ea typeface="微軟正黑體" pitchFamily="34" charset="-120"/>
-              </a:rPr>
-              <a:t>必</a:t>
-            </a:r>
-            <a:r>
-              <a:rPr lang="zh-TW" altLang="en-US" sz="5400" b="1" dirty="0">
-                <a:solidFill>
-                  <a:srgbClr val="000066"/>
-                </a:solidFill>
-                <a:latin typeface="微軟正黑體" pitchFamily="34" charset="-120"/>
-                <a:ea typeface="微軟正黑體" pitchFamily="34" charset="-120"/>
-              </a:rPr>
-              <a:t>全然得</a:t>
-            </a:r>
-            <a:r>
-              <a:rPr lang="zh-TW" altLang="en-US" sz="5400" b="1" dirty="0" smtClean="0">
-                <a:solidFill>
-                  <a:srgbClr val="000066"/>
-                </a:solidFill>
-                <a:latin typeface="微軟正黑體" pitchFamily="34" charset="-120"/>
-                <a:ea typeface="微軟正黑體" pitchFamily="34" charset="-120"/>
-              </a:rPr>
-              <a:t>勝</a:t>
-            </a:r>
-            <a:endParaRPr lang="zh-TW" altLang="en-US" sz="5400" b="1" dirty="0">
-              <a:solidFill>
-                <a:srgbClr val="000066"/>
-              </a:solidFill>
-              <a:latin typeface="微軟正黑體" pitchFamily="34" charset="-120"/>
-              <a:ea typeface="微軟正黑體" pitchFamily="34" charset="-120"/>
-            </a:endParaRPr>
+              <a:t>我抬起頭的神</a:t>
+            </a:r>
           </a:p>
         </p:txBody>
       </p:sp>
     </p:spTree>
+    <p:extLst>
+      <p:ext uri="{BB962C8B-B14F-4D97-AF65-F5344CB8AC3E}">
+        <p14:creationId xmlns:p14="http://schemas.microsoft.com/office/powerpoint/2010/main" val="4243072446"/>
+      </p:ext>
+    </p:extLst>
   </p:cSld>
   <p:clrMapOvr>
     <a:masterClrMapping/>
@@ -3536,51 +3217,141 @@
       </p:grpSpPr>
       <p:sp>
         <p:nvSpPr>
-          <p:cNvPr id="4" name="標題 3"/>
-          <p:cNvSpPr>
-            <a:spLocks noGrp="1"/>
-          </p:cNvSpPr>
-          <p:nvPr>
-            <p:ph type="title"/>
-          </p:nvPr>
-        </p:nvSpPr>
-        <p:spPr/>
-        <p:txBody>
-          <a:bodyPr>
+          <p:cNvPr id="5" name="內容版面配置區 4"/>
+          <p:cNvSpPr>
+            <a:spLocks noGrp="1"/>
+          </p:cNvSpPr>
+          <p:nvPr>
+            <p:ph idx="1"/>
+          </p:nvPr>
+        </p:nvSpPr>
+        <p:spPr>
+          <a:xfrm>
+            <a:off x="0" y="2084851"/>
+            <a:ext cx="12192000" cy="2404863"/>
+          </a:xfrm>
+        </p:spPr>
+        <p:txBody>
+          <a:bodyPr anchor="ctr">
             <a:normAutofit/>
           </a:bodyPr>
           <a:lstStyle/>
           <a:p>
-            <a:r>
-              <a:rPr lang="zh-TW" altLang="en-US" sz="4800" b="1" dirty="0">
+            <a:pPr algn="ctr">
+              <a:buNone/>
+            </a:pPr>
+            <a:r>
+              <a:rPr lang="zh-TW" altLang="en-US" sz="6400" b="1" dirty="0">
                 <a:solidFill>
-                  <a:srgbClr val="000066"/>
+                  <a:srgbClr val="660033"/>
                 </a:solidFill>
                 <a:latin typeface="微軟正黑體" pitchFamily="34" charset="-120"/>
                 <a:ea typeface="微軟正黑體" pitchFamily="34" charset="-120"/>
               </a:rPr>
-              <a:t>叫我抬起頭</a:t>
-            </a:r>
-            <a:r>
-              <a:rPr lang="zh-TW" altLang="en-US" sz="4800" b="1" dirty="0" smtClean="0">
+              <a:t>耶和華是我的主</a:t>
+            </a:r>
+            <a:r>
+              <a:rPr lang="en-US" altLang="zh-TW" sz="6400" b="1" dirty="0">
                 <a:solidFill>
-                  <a:srgbClr val="000066"/>
+                  <a:srgbClr val="660033"/>
                 </a:solidFill>
                 <a:latin typeface="微軟正黑體" pitchFamily="34" charset="-120"/>
                 <a:ea typeface="微軟正黑體" pitchFamily="34" charset="-120"/>
               </a:rPr>
-              <a:t>的神</a:t>
-            </a:r>
-            <a:endParaRPr lang="zh-TW" altLang="en-US" sz="4800" b="1" dirty="0">
+              <a:t>  </a:t>
+            </a:r>
+            <a:r>
+              <a:rPr lang="zh-TW" altLang="en-US" sz="6400" b="1" dirty="0">
+                <a:solidFill>
+                  <a:srgbClr val="660033"/>
+                </a:solidFill>
+                <a:latin typeface="微軟正黑體" pitchFamily="34" charset="-120"/>
+                <a:ea typeface="微軟正黑體" pitchFamily="34" charset="-120"/>
+              </a:rPr>
+              <a:t>必不至動搖</a:t>
+            </a:r>
+            <a:endParaRPr lang="en-US" altLang="zh-TW" sz="6400" b="1" dirty="0">
               <a:solidFill>
-                <a:srgbClr val="000066"/>
+                <a:srgbClr val="660033"/>
               </a:solidFill>
               <a:latin typeface="微軟正黑體" pitchFamily="34" charset="-120"/>
               <a:ea typeface="微軟正黑體" pitchFamily="34" charset="-120"/>
             </a:endParaRPr>
           </a:p>
-        </p:txBody>
-      </p:sp>
+          <a:p>
+            <a:pPr algn="ctr">
+              <a:buNone/>
+            </a:pPr>
+            <a:r>
+              <a:rPr lang="zh-TW" altLang="en-US" sz="6400" b="1" dirty="0">
+                <a:solidFill>
+                  <a:srgbClr val="660033"/>
+                </a:solidFill>
+                <a:latin typeface="微軟正黑體" pitchFamily="34" charset="-120"/>
+                <a:ea typeface="微軟正黑體" pitchFamily="34" charset="-120"/>
+              </a:rPr>
+              <a:t>有耶和華的幫助</a:t>
+            </a:r>
+            <a:r>
+              <a:rPr lang="en-US" altLang="zh-TW" sz="6400" b="1" dirty="0">
+                <a:solidFill>
+                  <a:srgbClr val="660033"/>
+                </a:solidFill>
+                <a:latin typeface="微軟正黑體" pitchFamily="34" charset="-120"/>
+                <a:ea typeface="微軟正黑體" pitchFamily="34" charset="-120"/>
+              </a:rPr>
+              <a:t>  </a:t>
+            </a:r>
+            <a:r>
+              <a:rPr lang="zh-TW" altLang="en-US" sz="6400" b="1" dirty="0">
+                <a:solidFill>
+                  <a:srgbClr val="660033"/>
+                </a:solidFill>
+                <a:latin typeface="微軟正黑體" pitchFamily="34" charset="-120"/>
+                <a:ea typeface="微軟正黑體" pitchFamily="34" charset="-120"/>
+              </a:rPr>
+              <a:t>還要懼誰呢</a:t>
+            </a:r>
+            <a:endParaRPr lang="en-US" altLang="zh-TW" sz="6400" b="1" dirty="0">
+              <a:solidFill>
+                <a:srgbClr val="660033"/>
+              </a:solidFill>
+              <a:latin typeface="微軟正黑體" pitchFamily="34" charset="-120"/>
+              <a:ea typeface="微軟正黑體" pitchFamily="34" charset="-120"/>
+            </a:endParaRPr>
+          </a:p>
+        </p:txBody>
+      </p:sp>
+    </p:spTree>
+    <p:extLst>
+      <p:ext uri="{BB962C8B-B14F-4D97-AF65-F5344CB8AC3E}">
+        <p14:creationId xmlns:p14="http://schemas.microsoft.com/office/powerpoint/2010/main" val="2995882410"/>
+      </p:ext>
+    </p:extLst>
+  </p:cSld>
+  <p:clrMapOvr>
+    <a:masterClrMapping/>
+  </p:clrMapOvr>
+</p:sld>
+</file>
+
+<file path=ppt/slides/slide3.xml><?xml version="1.0" encoding="utf-8"?>
+<p:sld xmlns:a="http://schemas.openxmlformats.org/drawingml/2006/main" xmlns:r="http://schemas.openxmlformats.org/officeDocument/2006/relationships" xmlns:p="http://schemas.openxmlformats.org/presentationml/2006/main">
+  <p:cSld>
+    <p:spTree>
+      <p:nvGrpSpPr>
+        <p:cNvPr id="1" name=""/>
+        <p:cNvGrpSpPr/>
+        <p:nvPr/>
+      </p:nvGrpSpPr>
+      <p:grpSpPr>
+        <a:xfrm>
+          <a:off x="0" y="0"/>
+          <a:ext cx="0" cy="0"/>
+          <a:chOff x="0" y="0"/>
+          <a:chExt cx="0" cy="0"/>
+        </a:xfrm>
+      </p:grpSpPr>
       <p:sp>
         <p:nvSpPr>
           <p:cNvPr id="5" name="內容版面配置區 4"/>
@@ -3593,12 +3364,12 @@
         </p:nvSpPr>
         <p:spPr>
           <a:xfrm>
-            <a:off x="609600" y="1600203"/>
-            <a:ext cx="10972800" cy="5257797"/>
+            <a:off x="0" y="2084851"/>
+            <a:ext cx="12192000" cy="2404863"/>
           </a:xfrm>
         </p:spPr>
         <p:txBody>
-          <a:bodyPr>
+          <a:bodyPr anchor="ctr">
             <a:normAutofit/>
           </a:bodyPr>
           <a:lstStyle/>
@@ -3607,18 +3378,155 @@
               <a:buNone/>
             </a:pPr>
             <a:r>
-              <a:rPr lang="zh-TW" altLang="en-US" sz="5400" b="1" dirty="0">
+              <a:rPr lang="zh-TW" altLang="en-US" sz="6400" b="1" dirty="0">
                 <a:solidFill>
-                  <a:srgbClr val="000066"/>
+                  <a:srgbClr val="660033"/>
+                </a:solidFill>
+                <a:latin typeface="微軟正黑體" pitchFamily="34" charset="-120"/>
+                <a:ea typeface="微軟正黑體" pitchFamily="34" charset="-120"/>
+              </a:rPr>
+              <a:t>耶和華是我牧者</a:t>
+            </a:r>
+            <a:r>
+              <a:rPr lang="en-US" altLang="zh-TW" sz="6400" b="1" dirty="0">
+                <a:solidFill>
+                  <a:srgbClr val="660033"/>
+                </a:solidFill>
+                <a:latin typeface="微軟正黑體" pitchFamily="34" charset="-120"/>
+                <a:ea typeface="微軟正黑體" pitchFamily="34" charset="-120"/>
+              </a:rPr>
+              <a:t>  </a:t>
+            </a:r>
+            <a:r>
+              <a:rPr lang="zh-TW" altLang="en-US" sz="6400" b="1" dirty="0">
+                <a:solidFill>
+                  <a:srgbClr val="660033"/>
+                </a:solidFill>
+                <a:latin typeface="微軟正黑體" pitchFamily="34" charset="-120"/>
+                <a:ea typeface="微軟正黑體" pitchFamily="34" charset="-120"/>
+              </a:rPr>
+              <a:t>必不致缺乏</a:t>
+            </a:r>
+            <a:endParaRPr lang="en-US" altLang="zh-TW" sz="6400" b="1" dirty="0">
+              <a:solidFill>
+                <a:srgbClr val="660033"/>
+              </a:solidFill>
+              <a:latin typeface="微軟正黑體" pitchFamily="34" charset="-120"/>
+              <a:ea typeface="微軟正黑體" pitchFamily="34" charset="-120"/>
+            </a:endParaRPr>
+          </a:p>
+          <a:p>
+            <a:pPr algn="ctr">
+              <a:buNone/>
+            </a:pPr>
+            <a:r>
+              <a:rPr lang="zh-TW" altLang="en-US" sz="6400" b="1" dirty="0">
+                <a:solidFill>
+                  <a:srgbClr val="660033"/>
+                </a:solidFill>
+                <a:latin typeface="微軟正黑體" pitchFamily="34" charset="-120"/>
+                <a:ea typeface="微軟正黑體" pitchFamily="34" charset="-120"/>
+              </a:rPr>
+              <a:t>有耶和華作我旌旗</a:t>
+            </a:r>
+            <a:r>
+              <a:rPr lang="en-US" altLang="zh-TW" sz="6400" b="1" dirty="0">
+                <a:solidFill>
+                  <a:srgbClr val="660033"/>
+                </a:solidFill>
+                <a:latin typeface="微軟正黑體" pitchFamily="34" charset="-120"/>
+                <a:ea typeface="微軟正黑體" pitchFamily="34" charset="-120"/>
+              </a:rPr>
+              <a:t>  </a:t>
+            </a:r>
+            <a:r>
+              <a:rPr lang="zh-TW" altLang="en-US" sz="6400" b="1" dirty="0">
+                <a:solidFill>
+                  <a:srgbClr val="660033"/>
+                </a:solidFill>
+                <a:latin typeface="微軟正黑體" pitchFamily="34" charset="-120"/>
+                <a:ea typeface="微軟正黑體" pitchFamily="34" charset="-120"/>
+              </a:rPr>
+              <a:t>必全然得勝</a:t>
+            </a:r>
+            <a:endParaRPr lang="zh-TW" altLang="en-US" sz="6400" b="1" dirty="0">
+              <a:solidFill>
+                <a:srgbClr val="660033"/>
+              </a:solidFill>
+              <a:latin typeface="微軟正黑體" pitchFamily="34" charset="-120"/>
+              <a:ea typeface="微軟正黑體" pitchFamily="34" charset="-120"/>
+            </a:endParaRPr>
+          </a:p>
+        </p:txBody>
+      </p:sp>
+    </p:spTree>
+    <p:extLst>
+      <p:ext uri="{BB962C8B-B14F-4D97-AF65-F5344CB8AC3E}">
+        <p14:creationId xmlns:p14="http://schemas.microsoft.com/office/powerpoint/2010/main" val="1632678371"/>
+      </p:ext>
+    </p:extLst>
+  </p:cSld>
+  <p:clrMapOvr>
+    <a:masterClrMapping/>
+  </p:clrMapOvr>
+</p:sld>
+</file>
+
+<file path=ppt/slides/slide4.xml><?xml version="1.0" encoding="utf-8"?>
+<p:sld xmlns:a="http://schemas.openxmlformats.org/drawingml/2006/main" xmlns:r="http://schemas.openxmlformats.org/officeDocument/2006/relationships" xmlns:p="http://schemas.openxmlformats.org/presentationml/2006/main">
+  <p:cSld>
+    <p:spTree>
+      <p:nvGrpSpPr>
+        <p:cNvPr id="1" name=""/>
+        <p:cNvGrpSpPr/>
+        <p:nvPr/>
+      </p:nvGrpSpPr>
+      <p:grpSpPr>
+        <a:xfrm>
+          <a:off x="0" y="0"/>
+          <a:ext cx="0" cy="0"/>
+          <a:chOff x="0" y="0"/>
+          <a:chExt cx="0" cy="0"/>
+        </a:xfrm>
+      </p:grpSpPr>
+      <p:sp>
+        <p:nvSpPr>
+          <p:cNvPr id="5" name="內容版面配置區 4"/>
+          <p:cNvSpPr>
+            <a:spLocks noGrp="1"/>
+          </p:cNvSpPr>
+          <p:nvPr>
+            <p:ph idx="1"/>
+          </p:nvPr>
+        </p:nvSpPr>
+        <p:spPr>
+          <a:xfrm>
+            <a:off x="0" y="2084851"/>
+            <a:ext cx="12192000" cy="2404863"/>
+          </a:xfrm>
+        </p:spPr>
+        <p:txBody>
+          <a:bodyPr anchor="ctr">
+            <a:normAutofit/>
+          </a:bodyPr>
+          <a:lstStyle/>
+          <a:p>
+            <a:pPr algn="ctr">
+              <a:buNone/>
+            </a:pPr>
+            <a:r>
+              <a:rPr lang="zh-TW" altLang="en-US" sz="6400" b="1" dirty="0">
+                <a:solidFill>
+                  <a:srgbClr val="660033"/>
                 </a:solidFill>
                 <a:latin typeface="微軟正黑體" pitchFamily="34" charset="-120"/>
                 <a:ea typeface="微軟正黑體" pitchFamily="34" charset="-120"/>
               </a:rPr>
               <a:t>耶和華是我四圍的盾牌</a:t>
             </a:r>
-            <a:endParaRPr lang="en-US" altLang="zh-TW" sz="5400" b="1" dirty="0">
+            <a:endParaRPr lang="en-US" altLang="zh-TW" sz="6400" b="1" dirty="0">
               <a:solidFill>
-                <a:srgbClr val="000066"/>
+                <a:srgbClr val="660033"/>
               </a:solidFill>
               <a:latin typeface="微軟正黑體" pitchFamily="34" charset="-120"/>
               <a:ea typeface="微軟正黑體" pitchFamily="34" charset="-120"/>
@@ -3629,170 +3537,278 @@
               <a:buNone/>
             </a:pPr>
             <a:r>
-              <a:rPr lang="zh-TW" altLang="en-US" sz="5400" b="1" dirty="0">
+              <a:rPr lang="zh-TW" altLang="en-US" sz="6400" b="1" dirty="0">
                 <a:solidFill>
-                  <a:srgbClr val="000066"/>
+                  <a:srgbClr val="660033"/>
                 </a:solidFill>
                 <a:latin typeface="微軟正黑體" pitchFamily="34" charset="-120"/>
                 <a:ea typeface="微軟正黑體" pitchFamily="34" charset="-120"/>
               </a:rPr>
-              <a:t>是我的榮</a:t>
-            </a:r>
-            <a:r>
-              <a:rPr lang="zh-TW" altLang="en-US" sz="5400" b="1" dirty="0" smtClean="0">
+              <a:t>是我的榮耀</a:t>
+            </a:r>
+            <a:endParaRPr lang="en-US" altLang="zh-TW" sz="6400" b="1" dirty="0">
+              <a:solidFill>
+                <a:srgbClr val="660033"/>
+              </a:solidFill>
+              <a:latin typeface="微軟正黑體" pitchFamily="34" charset="-120"/>
+              <a:ea typeface="微軟正黑體" pitchFamily="34" charset="-120"/>
+            </a:endParaRPr>
+          </a:p>
+        </p:txBody>
+      </p:sp>
+    </p:spTree>
+    <p:extLst>
+      <p:ext uri="{BB962C8B-B14F-4D97-AF65-F5344CB8AC3E}">
+        <p14:creationId xmlns:p14="http://schemas.microsoft.com/office/powerpoint/2010/main" val="3327021942"/>
+      </p:ext>
+    </p:extLst>
+  </p:cSld>
+  <p:clrMapOvr>
+    <a:masterClrMapping/>
+  </p:clrMapOvr>
+</p:sld>
+</file>
+
+<file path=ppt/slides/slide5.xml><?xml version="1.0" encoding="utf-8"?>
+<p:sld xmlns:a="http://schemas.openxmlformats.org/drawingml/2006/main" xmlns:r="http://schemas.openxmlformats.org/officeDocument/2006/relationships" xmlns:p="http://schemas.openxmlformats.org/presentationml/2006/main">
+  <p:cSld>
+    <p:spTree>
+      <p:nvGrpSpPr>
+        <p:cNvPr id="1" name=""/>
+        <p:cNvGrpSpPr/>
+        <p:nvPr/>
+      </p:nvGrpSpPr>
+      <p:grpSpPr>
+        <a:xfrm>
+          <a:off x="0" y="0"/>
+          <a:ext cx="0" cy="0"/>
+          <a:chOff x="0" y="0"/>
+          <a:chExt cx="0" cy="0"/>
+        </a:xfrm>
+      </p:grpSpPr>
+      <p:sp>
+        <p:nvSpPr>
+          <p:cNvPr id="5" name="內容版面配置區 4"/>
+          <p:cNvSpPr>
+            <a:spLocks noGrp="1"/>
+          </p:cNvSpPr>
+          <p:nvPr>
+            <p:ph idx="1"/>
+          </p:nvPr>
+        </p:nvSpPr>
+        <p:spPr>
+          <a:xfrm>
+            <a:off x="0" y="2084851"/>
+            <a:ext cx="12192000" cy="2404863"/>
+          </a:xfrm>
+        </p:spPr>
+        <p:txBody>
+          <a:bodyPr anchor="ctr">
+            <a:normAutofit/>
+          </a:bodyPr>
+          <a:lstStyle/>
+          <a:p>
+            <a:pPr algn="ctr">
+              <a:buNone/>
+            </a:pPr>
+            <a:r>
+              <a:rPr lang="zh-TW" altLang="en-US" sz="6400" b="1" dirty="0">
                 <a:solidFill>
-                  <a:srgbClr val="000066"/>
+                  <a:srgbClr val="660033"/>
                 </a:solidFill>
                 <a:latin typeface="微軟正黑體" pitchFamily="34" charset="-120"/>
                 <a:ea typeface="微軟正黑體" pitchFamily="34" charset="-120"/>
               </a:rPr>
-              <a:t>耀</a:t>
-            </a:r>
-            <a:r>
-              <a:rPr lang="en-US" altLang="zh-TW" sz="5400" b="1" dirty="0" smtClean="0">
+              <a:t>又是叫我抬起頭的神</a:t>
+            </a:r>
+            <a:endParaRPr lang="en-US" altLang="zh-TW" sz="6400" b="1" dirty="0">
+              <a:solidFill>
+                <a:srgbClr val="660033"/>
+              </a:solidFill>
+              <a:latin typeface="微軟正黑體" pitchFamily="34" charset="-120"/>
+              <a:ea typeface="微軟正黑體" pitchFamily="34" charset="-120"/>
+            </a:endParaRPr>
+          </a:p>
+        </p:txBody>
+      </p:sp>
+    </p:spTree>
+    <p:extLst>
+      <p:ext uri="{BB962C8B-B14F-4D97-AF65-F5344CB8AC3E}">
+        <p14:creationId xmlns:p14="http://schemas.microsoft.com/office/powerpoint/2010/main" val="3892407674"/>
+      </p:ext>
+    </p:extLst>
+  </p:cSld>
+  <p:clrMapOvr>
+    <a:masterClrMapping/>
+  </p:clrMapOvr>
+</p:sld>
+</file>
+
+<file path=ppt/slides/slide6.xml><?xml version="1.0" encoding="utf-8"?>
+<p:sld xmlns:a="http://schemas.openxmlformats.org/drawingml/2006/main" xmlns:r="http://schemas.openxmlformats.org/officeDocument/2006/relationships" xmlns:p="http://schemas.openxmlformats.org/presentationml/2006/main">
+  <p:cSld>
+    <p:spTree>
+      <p:nvGrpSpPr>
+        <p:cNvPr id="1" name=""/>
+        <p:cNvGrpSpPr/>
+        <p:nvPr/>
+      </p:nvGrpSpPr>
+      <p:grpSpPr>
+        <a:xfrm>
+          <a:off x="0" y="0"/>
+          <a:ext cx="0" cy="0"/>
+          <a:chOff x="0" y="0"/>
+          <a:chExt cx="0" cy="0"/>
+        </a:xfrm>
+      </p:grpSpPr>
+      <p:sp>
+        <p:nvSpPr>
+          <p:cNvPr id="5" name="內容版面配置區 4"/>
+          <p:cNvSpPr>
+            <a:spLocks noGrp="1"/>
+          </p:cNvSpPr>
+          <p:nvPr>
+            <p:ph idx="1"/>
+          </p:nvPr>
+        </p:nvSpPr>
+        <p:spPr>
+          <a:xfrm>
+            <a:off x="0" y="2084851"/>
+            <a:ext cx="12192000" cy="2404863"/>
+          </a:xfrm>
+        </p:spPr>
+        <p:txBody>
+          <a:bodyPr anchor="ctr">
+            <a:normAutofit/>
+          </a:bodyPr>
+          <a:lstStyle/>
+          <a:p>
+            <a:pPr algn="ctr">
+              <a:buNone/>
+            </a:pPr>
+            <a:r>
+              <a:rPr lang="zh-TW" altLang="en-US" sz="6400" b="1" dirty="0">
                 <a:solidFill>
-                  <a:srgbClr val="000066"/>
+                  <a:srgbClr val="660033"/>
                 </a:solidFill>
                 <a:latin typeface="微軟正黑體" pitchFamily="34" charset="-120"/>
                 <a:ea typeface="微軟正黑體" pitchFamily="34" charset="-120"/>
               </a:rPr>
-              <a:t>  </a:t>
-            </a:r>
-            <a:r>
-              <a:rPr lang="zh-TW" altLang="en-US" sz="5400" b="1" dirty="0" smtClean="0">
+              <a:t>一宿雖然有哭泣</a:t>
+            </a:r>
+            <a:endParaRPr lang="en-US" altLang="zh-TW" sz="6400" b="1" dirty="0">
+              <a:solidFill>
+                <a:srgbClr val="660033"/>
+              </a:solidFill>
+              <a:latin typeface="微軟正黑體" pitchFamily="34" charset="-120"/>
+              <a:ea typeface="微軟正黑體" pitchFamily="34" charset="-120"/>
+            </a:endParaRPr>
+          </a:p>
+          <a:p>
+            <a:pPr algn="ctr">
+              <a:buNone/>
+            </a:pPr>
+            <a:r>
+              <a:rPr lang="zh-TW" altLang="en-US" sz="6400" b="1" dirty="0">
                 <a:solidFill>
-                  <a:srgbClr val="000066"/>
+                  <a:srgbClr val="660033"/>
                 </a:solidFill>
                 <a:latin typeface="微軟正黑體" pitchFamily="34" charset="-120"/>
                 <a:ea typeface="微軟正黑體" pitchFamily="34" charset="-120"/>
               </a:rPr>
-              <a:t>又</a:t>
-            </a:r>
-            <a:r>
-              <a:rPr lang="zh-TW" altLang="en-US" sz="5400" b="1" dirty="0">
+              <a:t>早晨我們必歡呼</a:t>
+            </a:r>
+            <a:endParaRPr lang="en-US" altLang="zh-TW" sz="6400" b="1" dirty="0">
+              <a:solidFill>
+                <a:srgbClr val="660033"/>
+              </a:solidFill>
+              <a:latin typeface="微軟正黑體" pitchFamily="34" charset="-120"/>
+              <a:ea typeface="微軟正黑體" pitchFamily="34" charset="-120"/>
+            </a:endParaRPr>
+          </a:p>
+        </p:txBody>
+      </p:sp>
+    </p:spTree>
+    <p:extLst>
+      <p:ext uri="{BB962C8B-B14F-4D97-AF65-F5344CB8AC3E}">
+        <p14:creationId xmlns:p14="http://schemas.microsoft.com/office/powerpoint/2010/main" val="1892844864"/>
+      </p:ext>
+    </p:extLst>
+  </p:cSld>
+  <p:clrMapOvr>
+    <a:masterClrMapping/>
+  </p:clrMapOvr>
+</p:sld>
+</file>
+
+<file path=ppt/slides/slide7.xml><?xml version="1.0" encoding="utf-8"?>
+<p:sld xmlns:a="http://schemas.openxmlformats.org/drawingml/2006/main" xmlns:r="http://schemas.openxmlformats.org/officeDocument/2006/relationships" xmlns:p="http://schemas.openxmlformats.org/presentationml/2006/main">
+  <p:cSld>
+    <p:spTree>
+      <p:nvGrpSpPr>
+        <p:cNvPr id="1" name=""/>
+        <p:cNvGrpSpPr/>
+        <p:nvPr/>
+      </p:nvGrpSpPr>
+      <p:grpSpPr>
+        <a:xfrm>
+          <a:off x="0" y="0"/>
+          <a:ext cx="0" cy="0"/>
+          <a:chOff x="0" y="0"/>
+          <a:chExt cx="0" cy="0"/>
+        </a:xfrm>
+      </p:grpSpPr>
+      <p:sp>
+        <p:nvSpPr>
+          <p:cNvPr id="5" name="內容版面配置區 4"/>
+          <p:cNvSpPr>
+            <a:spLocks noGrp="1"/>
+          </p:cNvSpPr>
+          <p:nvPr>
+            <p:ph idx="1"/>
+          </p:nvPr>
+        </p:nvSpPr>
+        <p:spPr>
+          <a:xfrm>
+            <a:off x="0" y="2084851"/>
+            <a:ext cx="12192000" cy="2404863"/>
+          </a:xfrm>
+        </p:spPr>
+        <p:txBody>
+          <a:bodyPr anchor="ctr">
+            <a:normAutofit/>
+          </a:bodyPr>
+          <a:lstStyle/>
+          <a:p>
+            <a:pPr algn="ctr">
+              <a:buNone/>
+            </a:pPr>
+            <a:r>
+              <a:rPr lang="zh-TW" altLang="en-US" sz="6400" b="1" dirty="0">
                 <a:solidFill>
-                  <a:srgbClr val="000066"/>
+                  <a:srgbClr val="660033"/>
                 </a:solidFill>
                 <a:latin typeface="微軟正黑體" pitchFamily="34" charset="-120"/>
                 <a:ea typeface="微軟正黑體" pitchFamily="34" charset="-120"/>
               </a:rPr>
-              <a:t>是叫我抬起頭的</a:t>
-            </a:r>
-            <a:r>
-              <a:rPr lang="zh-TW" altLang="en-US" sz="5400" b="1" dirty="0" smtClean="0">
-                <a:solidFill>
-                  <a:srgbClr val="000066"/>
-                </a:solidFill>
-                <a:latin typeface="微軟正黑體" pitchFamily="34" charset="-120"/>
-                <a:ea typeface="微軟正黑體" pitchFamily="34" charset="-120"/>
-              </a:rPr>
-              <a:t>神</a:t>
-            </a:r>
-            <a:endParaRPr lang="en-US" altLang="zh-TW" sz="5400" b="1" dirty="0" smtClean="0">
+              <a:t>祢是我的磐石我的幫助</a:t>
+            </a:r>
+            <a:endParaRPr lang="zh-TW" altLang="en-US" sz="6400" b="1" dirty="0">
               <a:solidFill>
-                <a:srgbClr val="000066"/>
+                <a:srgbClr val="660033"/>
               </a:solidFill>
               <a:latin typeface="微軟正黑體" pitchFamily="34" charset="-120"/>
               <a:ea typeface="微軟正黑體" pitchFamily="34" charset="-120"/>
             </a:endParaRPr>
           </a:p>
-          <a:p>
-            <a:pPr algn="ctr">
-              <a:buNone/>
-            </a:pPr>
-            <a:r>
-              <a:rPr lang="zh-TW" altLang="en-US" sz="5400" b="1" dirty="0">
-                <a:solidFill>
-                  <a:srgbClr val="000066"/>
-                </a:solidFill>
-                <a:latin typeface="微軟正黑體" pitchFamily="34" charset="-120"/>
-                <a:ea typeface="微軟正黑體" pitchFamily="34" charset="-120"/>
-              </a:rPr>
-              <a:t>一宿雖然有哭</a:t>
-            </a:r>
-            <a:r>
-              <a:rPr lang="zh-TW" altLang="en-US" sz="5400" b="1" dirty="0" smtClean="0">
-                <a:solidFill>
-                  <a:srgbClr val="000066"/>
-                </a:solidFill>
-                <a:latin typeface="微軟正黑體" pitchFamily="34" charset="-120"/>
-                <a:ea typeface="微軟正黑體" pitchFamily="34" charset="-120"/>
-              </a:rPr>
-              <a:t>泣</a:t>
-            </a:r>
-            <a:r>
-              <a:rPr lang="en-US" altLang="zh-TW" sz="5400" b="1" dirty="0" smtClean="0">
-                <a:solidFill>
-                  <a:srgbClr val="000066"/>
-                </a:solidFill>
-                <a:latin typeface="微軟正黑體" pitchFamily="34" charset="-120"/>
-                <a:ea typeface="微軟正黑體" pitchFamily="34" charset="-120"/>
-              </a:rPr>
-              <a:t>  </a:t>
-            </a:r>
-            <a:r>
-              <a:rPr lang="zh-TW" altLang="en-US" sz="5400" b="1" dirty="0" smtClean="0">
-                <a:solidFill>
-                  <a:srgbClr val="000066"/>
-                </a:solidFill>
-                <a:latin typeface="微軟正黑體" pitchFamily="34" charset="-120"/>
-                <a:ea typeface="微軟正黑體" pitchFamily="34" charset="-120"/>
-              </a:rPr>
-              <a:t>早</a:t>
-            </a:r>
-            <a:r>
-              <a:rPr lang="zh-TW" altLang="en-US" sz="5400" b="1" dirty="0">
-                <a:solidFill>
-                  <a:srgbClr val="000066"/>
-                </a:solidFill>
-                <a:latin typeface="微軟正黑體" pitchFamily="34" charset="-120"/>
-                <a:ea typeface="微軟正黑體" pitchFamily="34" charset="-120"/>
-              </a:rPr>
-              <a:t>晨我們必歡呼</a:t>
-            </a:r>
-            <a:endParaRPr lang="en-US" altLang="zh-TW" sz="5400" b="1" dirty="0">
-              <a:solidFill>
-                <a:srgbClr val="000066"/>
-              </a:solidFill>
-              <a:latin typeface="微軟正黑體" pitchFamily="34" charset="-120"/>
-              <a:ea typeface="微軟正黑體" pitchFamily="34" charset="-120"/>
-            </a:endParaRPr>
-          </a:p>
-          <a:p>
-            <a:pPr algn="ctr">
-              <a:buNone/>
-            </a:pPr>
-            <a:r>
-              <a:rPr lang="zh-TW" altLang="en-US" sz="5400" b="1" dirty="0">
-                <a:solidFill>
-                  <a:srgbClr val="000066"/>
-                </a:solidFill>
-                <a:latin typeface="微軟正黑體" pitchFamily="34" charset="-120"/>
-                <a:ea typeface="微軟正黑體" pitchFamily="34" charset="-120"/>
-              </a:rPr>
-              <a:t>祢是我的磐石我的幫</a:t>
-            </a:r>
-            <a:r>
-              <a:rPr lang="zh-TW" altLang="en-US" sz="5400" b="1" dirty="0" smtClean="0">
-                <a:solidFill>
-                  <a:srgbClr val="000066"/>
-                </a:solidFill>
-                <a:latin typeface="微軟正黑體" pitchFamily="34" charset="-120"/>
-                <a:ea typeface="微軟正黑體" pitchFamily="34" charset="-120"/>
-              </a:rPr>
-              <a:t>助</a:t>
-            </a:r>
-            <a:endParaRPr lang="zh-TW" altLang="en-US" sz="5400" b="1" dirty="0">
-              <a:solidFill>
-                <a:srgbClr val="000066"/>
-              </a:solidFill>
-              <a:latin typeface="微軟正黑體" pitchFamily="34" charset="-120"/>
-              <a:ea typeface="微軟正黑體" pitchFamily="34" charset="-120"/>
-            </a:endParaRPr>
-          </a:p>
         </p:txBody>
       </p:sp>
     </p:spTree>
+    <p:extLst>
+      <p:ext uri="{BB962C8B-B14F-4D97-AF65-F5344CB8AC3E}">
+        <p14:creationId xmlns:p14="http://schemas.microsoft.com/office/powerpoint/2010/main" val="3773174765"/>
+      </p:ext>
+    </p:extLst>
   </p:cSld>
   <p:clrMapOvr>
     <a:masterClrMapping/>

--- a/叫我抬起頭的神(崇拜版).pptx
+++ b/叫我抬起頭的神(崇拜版).pptx
@@ -5,13 +5,13 @@
     <p:sldMasterId id="2147483672" r:id="rId1"/>
   </p:sldMasterIdLst>
   <p:sldIdLst>
-    <p:sldId id="259" r:id="rId2"/>
-    <p:sldId id="260" r:id="rId3"/>
-    <p:sldId id="261" r:id="rId4"/>
-    <p:sldId id="262" r:id="rId5"/>
-    <p:sldId id="263" r:id="rId6"/>
-    <p:sldId id="264" r:id="rId7"/>
-    <p:sldId id="265" r:id="rId8"/>
+    <p:sldId id="266" r:id="rId2"/>
+    <p:sldId id="267" r:id="rId3"/>
+    <p:sldId id="268" r:id="rId4"/>
+    <p:sldId id="269" r:id="rId5"/>
+    <p:sldId id="270" r:id="rId6"/>
+    <p:sldId id="271" r:id="rId7"/>
+    <p:sldId id="272" r:id="rId8"/>
   </p:sldIdLst>
   <p:sldSz cx="12192000" cy="6858000"/>
   <p:notesSz cx="6858000" cy="9144000"/>
@@ -310,7 +310,7 @@
           <a:p>
             <a:fld id="{2D090BFC-FE9E-4A7A-A32A-894D5623C2A2}" type="datetimeFigureOut">
               <a:rPr lang="zh-TW" altLang="en-US" smtClean="0"/>
-              <a:t>2020/10/24</a:t>
+              <a:t>2022/2/2</a:t>
             </a:fld>
             <a:endParaRPr lang="zh-TW" altLang="en-US"/>
           </a:p>
@@ -480,7 +480,7 @@
           <a:p>
             <a:fld id="{2D090BFC-FE9E-4A7A-A32A-894D5623C2A2}" type="datetimeFigureOut">
               <a:rPr lang="zh-TW" altLang="en-US" smtClean="0"/>
-              <a:t>2020/10/24</a:t>
+              <a:t>2022/2/2</a:t>
             </a:fld>
             <a:endParaRPr lang="zh-TW" altLang="en-US"/>
           </a:p>
@@ -660,7 +660,7 @@
           <a:p>
             <a:fld id="{2D090BFC-FE9E-4A7A-A32A-894D5623C2A2}" type="datetimeFigureOut">
               <a:rPr lang="zh-TW" altLang="en-US" smtClean="0"/>
-              <a:t>2020/10/24</a:t>
+              <a:t>2022/2/2</a:t>
             </a:fld>
             <a:endParaRPr lang="zh-TW" altLang="en-US"/>
           </a:p>
@@ -830,7 +830,7 @@
           <a:p>
             <a:fld id="{2D090BFC-FE9E-4A7A-A32A-894D5623C2A2}" type="datetimeFigureOut">
               <a:rPr lang="zh-TW" altLang="en-US" smtClean="0"/>
-              <a:t>2020/10/24</a:t>
+              <a:t>2022/2/2</a:t>
             </a:fld>
             <a:endParaRPr lang="zh-TW" altLang="en-US"/>
           </a:p>
@@ -1076,7 +1076,7 @@
           <a:p>
             <a:fld id="{2D090BFC-FE9E-4A7A-A32A-894D5623C2A2}" type="datetimeFigureOut">
               <a:rPr lang="zh-TW" altLang="en-US" smtClean="0"/>
-              <a:t>2020/10/24</a:t>
+              <a:t>2022/2/2</a:t>
             </a:fld>
             <a:endParaRPr lang="zh-TW" altLang="en-US"/>
           </a:p>
@@ -1364,7 +1364,7 @@
           <a:p>
             <a:fld id="{2D090BFC-FE9E-4A7A-A32A-894D5623C2A2}" type="datetimeFigureOut">
               <a:rPr lang="zh-TW" altLang="en-US" smtClean="0"/>
-              <a:t>2020/10/24</a:t>
+              <a:t>2022/2/2</a:t>
             </a:fld>
             <a:endParaRPr lang="zh-TW" altLang="en-US"/>
           </a:p>
@@ -1786,7 +1786,7 @@
           <a:p>
             <a:fld id="{2D090BFC-FE9E-4A7A-A32A-894D5623C2A2}" type="datetimeFigureOut">
               <a:rPr lang="zh-TW" altLang="en-US" smtClean="0"/>
-              <a:t>2020/10/24</a:t>
+              <a:t>2022/2/2</a:t>
             </a:fld>
             <a:endParaRPr lang="zh-TW" altLang="en-US"/>
           </a:p>
@@ -1904,7 +1904,7 @@
           <a:p>
             <a:fld id="{2D090BFC-FE9E-4A7A-A32A-894D5623C2A2}" type="datetimeFigureOut">
               <a:rPr lang="zh-TW" altLang="en-US" smtClean="0"/>
-              <a:t>2020/10/24</a:t>
+              <a:t>2022/2/2</a:t>
             </a:fld>
             <a:endParaRPr lang="zh-TW" altLang="en-US"/>
           </a:p>
@@ -1999,7 +1999,7 @@
           <a:p>
             <a:fld id="{2D090BFC-FE9E-4A7A-A32A-894D5623C2A2}" type="datetimeFigureOut">
               <a:rPr lang="zh-TW" altLang="en-US" smtClean="0"/>
-              <a:t>2020/10/24</a:t>
+              <a:t>2022/2/2</a:t>
             </a:fld>
             <a:endParaRPr lang="zh-TW" altLang="en-US"/>
           </a:p>
@@ -2276,7 +2276,7 @@
           <a:p>
             <a:fld id="{2D090BFC-FE9E-4A7A-A32A-894D5623C2A2}" type="datetimeFigureOut">
               <a:rPr lang="zh-TW" altLang="en-US" smtClean="0"/>
-              <a:t>2020/10/24</a:t>
+              <a:t>2022/2/2</a:t>
             </a:fld>
             <a:endParaRPr lang="zh-TW" altLang="en-US"/>
           </a:p>
@@ -2533,7 +2533,7 @@
           <a:p>
             <a:fld id="{2D090BFC-FE9E-4A7A-A32A-894D5623C2A2}" type="datetimeFigureOut">
               <a:rPr lang="zh-TW" altLang="en-US" smtClean="0"/>
-              <a:t>2020/10/24</a:t>
+              <a:t>2022/2/2</a:t>
             </a:fld>
             <a:endParaRPr lang="zh-TW" altLang="en-US"/>
           </a:p>
@@ -2751,7 +2751,7 @@
           <a:p>
             <a:fld id="{2D090BFC-FE9E-4A7A-A32A-894D5623C2A2}" type="datetimeFigureOut">
               <a:rPr lang="zh-TW" altLang="en-US" smtClean="0"/>
-              <a:t>2020/10/24</a:t>
+              <a:t>2022/2/2</a:t>
             </a:fld>
             <a:endParaRPr lang="zh-TW" altLang="en-US"/>
           </a:p>
@@ -3163,24 +3163,7 @@
                 <a:latin typeface="微軟正黑體" pitchFamily="34" charset="-120"/>
                 <a:ea typeface="微軟正黑體" pitchFamily="34" charset="-120"/>
               </a:rPr>
-              <a:t>叫</a:t>
-            </a:r>
-            <a:r>
-              <a:rPr lang="zh-TW" altLang="en-US" sz="7200" b="1" i="1" dirty="0">
-                <a:solidFill>
-                  <a:srgbClr val="660033"/>
-                </a:solidFill>
-                <a:effectLst>
-                  <a:outerShdw blurRad="38100" dist="38100" dir="2700000" algn="tl">
-                    <a:srgbClr val="000000">
-                      <a:alpha val="43137"/>
-                    </a:srgbClr>
-                  </a:outerShdw>
-                </a:effectLst>
-                <a:latin typeface="微軟正黑體" pitchFamily="34" charset="-120"/>
-                <a:ea typeface="微軟正黑體" pitchFamily="34" charset="-120"/>
-              </a:rPr>
-              <a:t>我抬起頭的神</a:t>
+              <a:t>叫我抬起頭的神</a:t>
             </a:r>
           </a:p>
         </p:txBody>
@@ -3188,7 +3171,7 @@
     </p:spTree>
     <p:extLst>
       <p:ext uri="{BB962C8B-B14F-4D97-AF65-F5344CB8AC3E}">
-        <p14:creationId xmlns:p14="http://schemas.microsoft.com/office/powerpoint/2010/main" val="4243072446"/>
+        <p14:creationId xmlns:p14="http://schemas.microsoft.com/office/powerpoint/2010/main" val="860114627"/>
       </p:ext>
     </p:extLst>
   </p:cSld>
@@ -3227,7 +3210,7 @@
         </p:nvSpPr>
         <p:spPr>
           <a:xfrm>
-            <a:off x="0" y="2084851"/>
+            <a:off x="0" y="2084853"/>
             <a:ext cx="12192000" cy="2404863"/>
           </a:xfrm>
         </p:spPr>
@@ -3322,10 +3305,80 @@
           </a:p>
         </p:txBody>
       </p:sp>
+      <p:sp>
+        <p:nvSpPr>
+          <p:cNvPr id="3" name="TextBox 2"/>
+          <p:cNvSpPr txBox="1"/>
+          <p:nvPr/>
+        </p:nvSpPr>
+        <p:spPr>
+          <a:xfrm>
+            <a:off x="0" y="5061182"/>
+            <a:ext cx="12192000" cy="830997"/>
+          </a:xfrm>
+          <a:prstGeom prst="rect">
+            <a:avLst/>
+          </a:prstGeom>
+          <a:noFill/>
+        </p:spPr>
+        <p:txBody>
+          <a:bodyPr wrap="square" rtlCol="0">
+            <a:spAutoFit/>
+          </a:bodyPr>
+          <a:lstStyle/>
+          <a:p>
+            <a:pPr algn="ctr"/>
+            <a:r>
+              <a:rPr lang="en-US" sz="4800" b="1" dirty="0">
+                <a:solidFill>
+                  <a:srgbClr val="660033"/>
+                </a:solidFill>
+                <a:effectLst/>
+                <a:latin typeface="Microsoft JhengHei" panose="020B0604030504040204" pitchFamily="34" charset="-120"/>
+                <a:ea typeface="Microsoft JhengHei" panose="020B0604030504040204" pitchFamily="34" charset="-120"/>
+                <a:cs typeface="Microsoft Himalaya" panose="01010100010101010101" pitchFamily="2" charset="0"/>
+              </a:rPr>
+              <a:t>( </a:t>
+            </a:r>
+            <a:r>
+              <a:rPr lang="zh-CN" altLang="en-US" sz="4800" b="1" dirty="0">
+                <a:solidFill>
+                  <a:srgbClr val="660033"/>
+                </a:solidFill>
+                <a:effectLst/>
+                <a:latin typeface="Microsoft JhengHei" panose="020B0604030504040204" pitchFamily="34" charset="-120"/>
+                <a:ea typeface="Microsoft JhengHei" panose="020B0604030504040204" pitchFamily="34" charset="-120"/>
+                <a:cs typeface="Microsoft Himalaya" panose="01010100010101010101" pitchFamily="2" charset="0"/>
+              </a:rPr>
+              <a:t>正 </a:t>
+            </a:r>
+            <a:r>
+              <a:rPr lang="en-US" sz="4800" b="1" dirty="0">
+                <a:solidFill>
+                  <a:srgbClr val="660033"/>
+                </a:solidFill>
+                <a:effectLst/>
+                <a:latin typeface="Microsoft JhengHei" panose="020B0604030504040204" pitchFamily="34" charset="-120"/>
+                <a:ea typeface="Microsoft JhengHei" panose="020B0604030504040204" pitchFamily="34" charset="-120"/>
+                <a:cs typeface="Microsoft Himalaya" panose="01010100010101010101" pitchFamily="2" charset="0"/>
+              </a:rPr>
+              <a:t>)</a:t>
+            </a:r>
+            <a:endParaRPr lang="vi-VN" sz="4800" b="1" dirty="0">
+              <a:solidFill>
+                <a:srgbClr val="660033"/>
+              </a:solidFill>
+              <a:effectLst/>
+              <a:ea typeface="Microsoft JhengHei" panose="020B0604030504040204" pitchFamily="34" charset="-120"/>
+              <a:cs typeface="Microsoft Himalaya" panose="01010100010101010101" pitchFamily="2" charset="0"/>
+            </a:endParaRPr>
+          </a:p>
+        </p:txBody>
+      </p:sp>
     </p:spTree>
     <p:extLst>
       <p:ext uri="{BB962C8B-B14F-4D97-AF65-F5344CB8AC3E}">
-        <p14:creationId xmlns:p14="http://schemas.microsoft.com/office/powerpoint/2010/main" val="2995882410"/>
+        <p14:creationId xmlns:p14="http://schemas.microsoft.com/office/powerpoint/2010/main" val="1591200820"/>
       </p:ext>
     </p:extLst>
   </p:cSld>
@@ -3364,7 +3417,7 @@
         </p:nvSpPr>
         <p:spPr>
           <a:xfrm>
-            <a:off x="0" y="2084851"/>
+            <a:off x="0" y="2084853"/>
             <a:ext cx="12192000" cy="2404863"/>
           </a:xfrm>
         </p:spPr>
@@ -3449,12 +3502,75 @@
               </a:rPr>
               <a:t>必全然得勝</a:t>
             </a:r>
-            <a:endParaRPr lang="zh-TW" altLang="en-US" sz="6400" b="1" dirty="0">
+          </a:p>
+        </p:txBody>
+      </p:sp>
+      <p:sp>
+        <p:nvSpPr>
+          <p:cNvPr id="3" name="TextBox 2"/>
+          <p:cNvSpPr txBox="1"/>
+          <p:nvPr/>
+        </p:nvSpPr>
+        <p:spPr>
+          <a:xfrm>
+            <a:off x="0" y="5061182"/>
+            <a:ext cx="12192000" cy="830997"/>
+          </a:xfrm>
+          <a:prstGeom prst="rect">
+            <a:avLst/>
+          </a:prstGeom>
+          <a:noFill/>
+        </p:spPr>
+        <p:txBody>
+          <a:bodyPr wrap="square" rtlCol="0">
+            <a:spAutoFit/>
+          </a:bodyPr>
+          <a:lstStyle/>
+          <a:p>
+            <a:pPr algn="ctr"/>
+            <a:r>
+              <a:rPr lang="en-US" sz="4800" b="1" dirty="0">
+                <a:solidFill>
+                  <a:srgbClr val="660033"/>
+                </a:solidFill>
+                <a:effectLst/>
+                <a:latin typeface="Microsoft JhengHei" panose="020B0604030504040204" pitchFamily="34" charset="-120"/>
+                <a:ea typeface="Microsoft JhengHei" panose="020B0604030504040204" pitchFamily="34" charset="-120"/>
+                <a:cs typeface="Microsoft Himalaya" panose="01010100010101010101" pitchFamily="2" charset="0"/>
+              </a:rPr>
+              <a:t>( </a:t>
+            </a:r>
+            <a:r>
+              <a:rPr lang="zh-CN" altLang="en-US" sz="4800" b="1" dirty="0">
+                <a:solidFill>
+                  <a:srgbClr val="660033"/>
+                </a:solidFill>
+                <a:effectLst/>
+                <a:latin typeface="Microsoft JhengHei" panose="020B0604030504040204" pitchFamily="34" charset="-120"/>
+                <a:ea typeface="Microsoft JhengHei" panose="020B0604030504040204" pitchFamily="34" charset="-120"/>
+                <a:cs typeface="Microsoft Himalaya" panose="01010100010101010101" pitchFamily="2" charset="0"/>
+              </a:rPr>
+              <a:t>正 </a:t>
+            </a:r>
+            <a:r>
+              <a:rPr lang="en-US" sz="4800" b="1" dirty="0">
+                <a:solidFill>
+                  <a:srgbClr val="660033"/>
+                </a:solidFill>
+                <a:effectLst/>
+                <a:latin typeface="Microsoft JhengHei" panose="020B0604030504040204" pitchFamily="34" charset="-120"/>
+                <a:ea typeface="Microsoft JhengHei" panose="020B0604030504040204" pitchFamily="34" charset="-120"/>
+                <a:cs typeface="Microsoft Himalaya" panose="01010100010101010101" pitchFamily="2" charset="0"/>
+              </a:rPr>
+              <a:t>)</a:t>
+            </a:r>
+            <a:endParaRPr lang="vi-VN" sz="4800" b="1" dirty="0">
               <a:solidFill>
                 <a:srgbClr val="660033"/>
               </a:solidFill>
-              <a:latin typeface="微軟正黑體" pitchFamily="34" charset="-120"/>
-              <a:ea typeface="微軟正黑體" pitchFamily="34" charset="-120"/>
+              <a:effectLst/>
+              <a:ea typeface="Microsoft JhengHei" panose="020B0604030504040204" pitchFamily="34" charset="-120"/>
+              <a:cs typeface="Microsoft Himalaya" panose="01010100010101010101" pitchFamily="2" charset="0"/>
             </a:endParaRPr>
           </a:p>
         </p:txBody>
@@ -3462,7 +3578,7 @@
     </p:spTree>
     <p:extLst>
       <p:ext uri="{BB962C8B-B14F-4D97-AF65-F5344CB8AC3E}">
-        <p14:creationId xmlns:p14="http://schemas.microsoft.com/office/powerpoint/2010/main" val="1632678371"/>
+        <p14:creationId xmlns:p14="http://schemas.microsoft.com/office/powerpoint/2010/main" val="19695890"/>
       </p:ext>
     </p:extLst>
   </p:cSld>
@@ -3501,7 +3617,7 @@
         </p:nvSpPr>
         <p:spPr>
           <a:xfrm>
-            <a:off x="0" y="2084851"/>
+            <a:off x="0" y="2084853"/>
             <a:ext cx="12192000" cy="2404863"/>
           </a:xfrm>
         </p:spPr>
@@ -3556,10 +3672,80 @@
           </a:p>
         </p:txBody>
       </p:sp>
+      <p:sp>
+        <p:nvSpPr>
+          <p:cNvPr id="3" name="TextBox 2"/>
+          <p:cNvSpPr txBox="1"/>
+          <p:nvPr/>
+        </p:nvSpPr>
+        <p:spPr>
+          <a:xfrm>
+            <a:off x="0" y="5061182"/>
+            <a:ext cx="12192000" cy="830997"/>
+          </a:xfrm>
+          <a:prstGeom prst="rect">
+            <a:avLst/>
+          </a:prstGeom>
+          <a:noFill/>
+        </p:spPr>
+        <p:txBody>
+          <a:bodyPr wrap="square" rtlCol="0">
+            <a:spAutoFit/>
+          </a:bodyPr>
+          <a:lstStyle/>
+          <a:p>
+            <a:pPr algn="ctr"/>
+            <a:r>
+              <a:rPr lang="en-US" sz="4800" b="1" dirty="0">
+                <a:solidFill>
+                  <a:srgbClr val="660033"/>
+                </a:solidFill>
+                <a:effectLst/>
+                <a:latin typeface="Microsoft JhengHei" panose="020B0604030504040204" pitchFamily="34" charset="-120"/>
+                <a:ea typeface="Microsoft JhengHei" panose="020B0604030504040204" pitchFamily="34" charset="-120"/>
+                <a:cs typeface="Microsoft Himalaya" panose="01010100010101010101" pitchFamily="2" charset="0"/>
+              </a:rPr>
+              <a:t>( </a:t>
+            </a:r>
+            <a:r>
+              <a:rPr lang="zh-CN" altLang="en-US" sz="4800" b="1" dirty="0">
+                <a:solidFill>
+                  <a:srgbClr val="660033"/>
+                </a:solidFill>
+                <a:effectLst/>
+                <a:latin typeface="Microsoft JhengHei" panose="020B0604030504040204" pitchFamily="34" charset="-120"/>
+                <a:ea typeface="Microsoft JhengHei" panose="020B0604030504040204" pitchFamily="34" charset="-120"/>
+                <a:cs typeface="Microsoft Himalaya" panose="01010100010101010101" pitchFamily="2" charset="0"/>
+              </a:rPr>
+              <a:t>副 </a:t>
+            </a:r>
+            <a:r>
+              <a:rPr lang="en-US" sz="4800" b="1" dirty="0">
+                <a:solidFill>
+                  <a:srgbClr val="660033"/>
+                </a:solidFill>
+                <a:effectLst/>
+                <a:latin typeface="Microsoft JhengHei" panose="020B0604030504040204" pitchFamily="34" charset="-120"/>
+                <a:ea typeface="Microsoft JhengHei" panose="020B0604030504040204" pitchFamily="34" charset="-120"/>
+                <a:cs typeface="Microsoft Himalaya" panose="01010100010101010101" pitchFamily="2" charset="0"/>
+              </a:rPr>
+              <a:t>)</a:t>
+            </a:r>
+            <a:endParaRPr lang="vi-VN" sz="4800" b="1" dirty="0">
+              <a:solidFill>
+                <a:srgbClr val="660033"/>
+              </a:solidFill>
+              <a:effectLst/>
+              <a:ea typeface="Microsoft JhengHei" panose="020B0604030504040204" pitchFamily="34" charset="-120"/>
+              <a:cs typeface="Microsoft Himalaya" panose="01010100010101010101" pitchFamily="2" charset="0"/>
+            </a:endParaRPr>
+          </a:p>
+        </p:txBody>
+      </p:sp>
     </p:spTree>
     <p:extLst>
       <p:ext uri="{BB962C8B-B14F-4D97-AF65-F5344CB8AC3E}">
-        <p14:creationId xmlns:p14="http://schemas.microsoft.com/office/powerpoint/2010/main" val="3327021942"/>
+        <p14:creationId xmlns:p14="http://schemas.microsoft.com/office/powerpoint/2010/main" val="1716687505"/>
       </p:ext>
     </p:extLst>
   </p:cSld>
@@ -3598,7 +3784,7 @@
         </p:nvSpPr>
         <p:spPr>
           <a:xfrm>
-            <a:off x="0" y="2084851"/>
+            <a:off x="0" y="2084853"/>
             <a:ext cx="12192000" cy="2404863"/>
           </a:xfrm>
         </p:spPr>
@@ -3631,10 +3817,80 @@
           </a:p>
         </p:txBody>
       </p:sp>
+      <p:sp>
+        <p:nvSpPr>
+          <p:cNvPr id="3" name="TextBox 2"/>
+          <p:cNvSpPr txBox="1"/>
+          <p:nvPr/>
+        </p:nvSpPr>
+        <p:spPr>
+          <a:xfrm>
+            <a:off x="0" y="5061182"/>
+            <a:ext cx="12192000" cy="830997"/>
+          </a:xfrm>
+          <a:prstGeom prst="rect">
+            <a:avLst/>
+          </a:prstGeom>
+          <a:noFill/>
+        </p:spPr>
+        <p:txBody>
+          <a:bodyPr wrap="square" rtlCol="0">
+            <a:spAutoFit/>
+          </a:bodyPr>
+          <a:lstStyle/>
+          <a:p>
+            <a:pPr algn="ctr"/>
+            <a:r>
+              <a:rPr lang="en-US" sz="4800" b="1" dirty="0">
+                <a:solidFill>
+                  <a:srgbClr val="660033"/>
+                </a:solidFill>
+                <a:effectLst/>
+                <a:latin typeface="Microsoft JhengHei" panose="020B0604030504040204" pitchFamily="34" charset="-120"/>
+                <a:ea typeface="Microsoft JhengHei" panose="020B0604030504040204" pitchFamily="34" charset="-120"/>
+                <a:cs typeface="Microsoft Himalaya" panose="01010100010101010101" pitchFamily="2" charset="0"/>
+              </a:rPr>
+              <a:t>( </a:t>
+            </a:r>
+            <a:r>
+              <a:rPr lang="zh-CN" altLang="en-US" sz="4800" b="1" dirty="0">
+                <a:solidFill>
+                  <a:srgbClr val="660033"/>
+                </a:solidFill>
+                <a:effectLst/>
+                <a:latin typeface="Microsoft JhengHei" panose="020B0604030504040204" pitchFamily="34" charset="-120"/>
+                <a:ea typeface="Microsoft JhengHei" panose="020B0604030504040204" pitchFamily="34" charset="-120"/>
+                <a:cs typeface="Microsoft Himalaya" panose="01010100010101010101" pitchFamily="2" charset="0"/>
+              </a:rPr>
+              <a:t>副 </a:t>
+            </a:r>
+            <a:r>
+              <a:rPr lang="en-US" sz="4800" b="1" dirty="0">
+                <a:solidFill>
+                  <a:srgbClr val="660033"/>
+                </a:solidFill>
+                <a:effectLst/>
+                <a:latin typeface="Microsoft JhengHei" panose="020B0604030504040204" pitchFamily="34" charset="-120"/>
+                <a:ea typeface="Microsoft JhengHei" panose="020B0604030504040204" pitchFamily="34" charset="-120"/>
+                <a:cs typeface="Microsoft Himalaya" panose="01010100010101010101" pitchFamily="2" charset="0"/>
+              </a:rPr>
+              <a:t>)</a:t>
+            </a:r>
+            <a:endParaRPr lang="vi-VN" sz="4800" b="1" dirty="0">
+              <a:solidFill>
+                <a:srgbClr val="660033"/>
+              </a:solidFill>
+              <a:effectLst/>
+              <a:ea typeface="Microsoft JhengHei" panose="020B0604030504040204" pitchFamily="34" charset="-120"/>
+              <a:cs typeface="Microsoft Himalaya" panose="01010100010101010101" pitchFamily="2" charset="0"/>
+            </a:endParaRPr>
+          </a:p>
+        </p:txBody>
+      </p:sp>
     </p:spTree>
     <p:extLst>
       <p:ext uri="{BB962C8B-B14F-4D97-AF65-F5344CB8AC3E}">
-        <p14:creationId xmlns:p14="http://schemas.microsoft.com/office/powerpoint/2010/main" val="3892407674"/>
+        <p14:creationId xmlns:p14="http://schemas.microsoft.com/office/powerpoint/2010/main" val="696542332"/>
       </p:ext>
     </p:extLst>
   </p:cSld>
@@ -3673,7 +3929,7 @@
         </p:nvSpPr>
         <p:spPr>
           <a:xfrm>
-            <a:off x="0" y="2084851"/>
+            <a:off x="0" y="2084853"/>
             <a:ext cx="12192000" cy="2404863"/>
           </a:xfrm>
         </p:spPr>
@@ -3694,7 +3950,17 @@
                 <a:latin typeface="微軟正黑體" pitchFamily="34" charset="-120"/>
                 <a:ea typeface="微軟正黑體" pitchFamily="34" charset="-120"/>
               </a:rPr>
-              <a:t>一宿雖然有哭泣</a:t>
+              <a:t>一宿雖然有哭</a:t>
+            </a:r>
+            <a:r>
+              <a:rPr lang="zh-TW" altLang="en-US" sz="6400" b="1" dirty="0">
+                <a:solidFill>
+                  <a:srgbClr val="660033"/>
+                </a:solidFill>
+                <a:latin typeface="微軟正黑體" pitchFamily="34" charset="-120"/>
+                <a:ea typeface="微軟正黑體" pitchFamily="34" charset="-120"/>
+              </a:rPr>
+              <a:t>泣</a:t>
             </a:r>
             <a:endParaRPr lang="en-US" altLang="zh-TW" sz="6400" b="1" dirty="0">
               <a:solidFill>
@@ -3728,10 +3994,80 @@
           </a:p>
         </p:txBody>
       </p:sp>
+      <p:sp>
+        <p:nvSpPr>
+          <p:cNvPr id="3" name="TextBox 2"/>
+          <p:cNvSpPr txBox="1"/>
+          <p:nvPr/>
+        </p:nvSpPr>
+        <p:spPr>
+          <a:xfrm>
+            <a:off x="0" y="5061182"/>
+            <a:ext cx="12192000" cy="830997"/>
+          </a:xfrm>
+          <a:prstGeom prst="rect">
+            <a:avLst/>
+          </a:prstGeom>
+          <a:noFill/>
+        </p:spPr>
+        <p:txBody>
+          <a:bodyPr wrap="square" rtlCol="0">
+            <a:spAutoFit/>
+          </a:bodyPr>
+          <a:lstStyle/>
+          <a:p>
+            <a:pPr algn="ctr"/>
+            <a:r>
+              <a:rPr lang="en-US" sz="4800" b="1" dirty="0">
+                <a:solidFill>
+                  <a:srgbClr val="660033"/>
+                </a:solidFill>
+                <a:effectLst/>
+                <a:latin typeface="Microsoft JhengHei" panose="020B0604030504040204" pitchFamily="34" charset="-120"/>
+                <a:ea typeface="Microsoft JhengHei" panose="020B0604030504040204" pitchFamily="34" charset="-120"/>
+                <a:cs typeface="Microsoft Himalaya" panose="01010100010101010101" pitchFamily="2" charset="0"/>
+              </a:rPr>
+              <a:t>( </a:t>
+            </a:r>
+            <a:r>
+              <a:rPr lang="zh-CN" altLang="en-US" sz="4800" b="1" dirty="0">
+                <a:solidFill>
+                  <a:srgbClr val="660033"/>
+                </a:solidFill>
+                <a:effectLst/>
+                <a:latin typeface="Microsoft JhengHei" panose="020B0604030504040204" pitchFamily="34" charset="-120"/>
+                <a:ea typeface="Microsoft JhengHei" panose="020B0604030504040204" pitchFamily="34" charset="-120"/>
+                <a:cs typeface="Microsoft Himalaya" panose="01010100010101010101" pitchFamily="2" charset="0"/>
+              </a:rPr>
+              <a:t>副 </a:t>
+            </a:r>
+            <a:r>
+              <a:rPr lang="en-US" sz="4800" b="1" dirty="0">
+                <a:solidFill>
+                  <a:srgbClr val="660033"/>
+                </a:solidFill>
+                <a:effectLst/>
+                <a:latin typeface="Microsoft JhengHei" panose="020B0604030504040204" pitchFamily="34" charset="-120"/>
+                <a:ea typeface="Microsoft JhengHei" panose="020B0604030504040204" pitchFamily="34" charset="-120"/>
+                <a:cs typeface="Microsoft Himalaya" panose="01010100010101010101" pitchFamily="2" charset="0"/>
+              </a:rPr>
+              <a:t>)</a:t>
+            </a:r>
+            <a:endParaRPr lang="vi-VN" sz="4800" b="1" dirty="0">
+              <a:solidFill>
+                <a:srgbClr val="660033"/>
+              </a:solidFill>
+              <a:effectLst/>
+              <a:ea typeface="Microsoft JhengHei" panose="020B0604030504040204" pitchFamily="34" charset="-120"/>
+              <a:cs typeface="Microsoft Himalaya" panose="01010100010101010101" pitchFamily="2" charset="0"/>
+            </a:endParaRPr>
+          </a:p>
+        </p:txBody>
+      </p:sp>
     </p:spTree>
     <p:extLst>
       <p:ext uri="{BB962C8B-B14F-4D97-AF65-F5344CB8AC3E}">
-        <p14:creationId xmlns:p14="http://schemas.microsoft.com/office/powerpoint/2010/main" val="1892844864"/>
+        <p14:creationId xmlns:p14="http://schemas.microsoft.com/office/powerpoint/2010/main" val="342708837"/>
       </p:ext>
     </p:extLst>
   </p:cSld>
@@ -3770,7 +4106,7 @@
         </p:nvSpPr>
         <p:spPr>
           <a:xfrm>
-            <a:off x="0" y="2084851"/>
+            <a:off x="0" y="2084853"/>
             <a:ext cx="12192000" cy="2404863"/>
           </a:xfrm>
         </p:spPr>
@@ -3793,12 +4129,75 @@
               </a:rPr>
               <a:t>祢是我的磐石我的幫助</a:t>
             </a:r>
-            <a:endParaRPr lang="zh-TW" altLang="en-US" sz="6400" b="1" dirty="0">
+          </a:p>
+        </p:txBody>
+      </p:sp>
+      <p:sp>
+        <p:nvSpPr>
+          <p:cNvPr id="3" name="TextBox 2"/>
+          <p:cNvSpPr txBox="1"/>
+          <p:nvPr/>
+        </p:nvSpPr>
+        <p:spPr>
+          <a:xfrm>
+            <a:off x="0" y="5061182"/>
+            <a:ext cx="12192000" cy="830997"/>
+          </a:xfrm>
+          <a:prstGeom prst="rect">
+            <a:avLst/>
+          </a:prstGeom>
+          <a:noFill/>
+        </p:spPr>
+        <p:txBody>
+          <a:bodyPr wrap="square" rtlCol="0">
+            <a:spAutoFit/>
+          </a:bodyPr>
+          <a:lstStyle/>
+          <a:p>
+            <a:pPr algn="ctr"/>
+            <a:r>
+              <a:rPr lang="en-US" sz="4800" b="1" dirty="0">
+                <a:solidFill>
+                  <a:srgbClr val="660033"/>
+                </a:solidFill>
+                <a:effectLst/>
+                <a:latin typeface="Microsoft JhengHei" panose="020B0604030504040204" pitchFamily="34" charset="-120"/>
+                <a:ea typeface="Microsoft JhengHei" panose="020B0604030504040204" pitchFamily="34" charset="-120"/>
+                <a:cs typeface="Microsoft Himalaya" panose="01010100010101010101" pitchFamily="2" charset="0"/>
+              </a:rPr>
+              <a:t>( </a:t>
+            </a:r>
+            <a:r>
+              <a:rPr lang="zh-CN" altLang="en-US" sz="4800" b="1" dirty="0">
+                <a:solidFill>
+                  <a:srgbClr val="660033"/>
+                </a:solidFill>
+                <a:effectLst/>
+                <a:latin typeface="Microsoft JhengHei" panose="020B0604030504040204" pitchFamily="34" charset="-120"/>
+                <a:ea typeface="Microsoft JhengHei" panose="020B0604030504040204" pitchFamily="34" charset="-120"/>
+                <a:cs typeface="Microsoft Himalaya" panose="01010100010101010101" pitchFamily="2" charset="0"/>
+              </a:rPr>
+              <a:t>副 </a:t>
+            </a:r>
+            <a:r>
+              <a:rPr lang="en-US" sz="4800" b="1" dirty="0">
+                <a:solidFill>
+                  <a:srgbClr val="660033"/>
+                </a:solidFill>
+                <a:effectLst/>
+                <a:latin typeface="Microsoft JhengHei" panose="020B0604030504040204" pitchFamily="34" charset="-120"/>
+                <a:ea typeface="Microsoft JhengHei" panose="020B0604030504040204" pitchFamily="34" charset="-120"/>
+                <a:cs typeface="Microsoft Himalaya" panose="01010100010101010101" pitchFamily="2" charset="0"/>
+              </a:rPr>
+              <a:t>)</a:t>
+            </a:r>
+            <a:endParaRPr lang="vi-VN" sz="4800" b="1" dirty="0">
               <a:solidFill>
                 <a:srgbClr val="660033"/>
               </a:solidFill>
-              <a:latin typeface="微軟正黑體" pitchFamily="34" charset="-120"/>
-              <a:ea typeface="微軟正黑體" pitchFamily="34" charset="-120"/>
+              <a:effectLst/>
+              <a:ea typeface="Microsoft JhengHei" panose="020B0604030504040204" pitchFamily="34" charset="-120"/>
+              <a:cs typeface="Microsoft Himalaya" panose="01010100010101010101" pitchFamily="2" charset="0"/>
             </a:endParaRPr>
           </a:p>
         </p:txBody>
@@ -3806,7 +4205,7 @@
     </p:spTree>
     <p:extLst>
       <p:ext uri="{BB962C8B-B14F-4D97-AF65-F5344CB8AC3E}">
-        <p14:creationId xmlns:p14="http://schemas.microsoft.com/office/powerpoint/2010/main" val="3773174765"/>
+        <p14:creationId xmlns:p14="http://schemas.microsoft.com/office/powerpoint/2010/main" val="2756319731"/>
       </p:ext>
     </p:extLst>
   </p:cSld>

--- a/叫我抬起頭的神(崇拜版).pptx
+++ b/叫我抬起頭的神(崇拜版).pptx
@@ -310,7 +310,7 @@
           <a:p>
             <a:fld id="{2D090BFC-FE9E-4A7A-A32A-894D5623C2A2}" type="datetimeFigureOut">
               <a:rPr lang="zh-TW" altLang="en-US" smtClean="0"/>
-              <a:t>2022/2/2</a:t>
+              <a:t>2023/8/19</a:t>
             </a:fld>
             <a:endParaRPr lang="zh-TW" altLang="en-US"/>
           </a:p>
@@ -480,7 +480,7 @@
           <a:p>
             <a:fld id="{2D090BFC-FE9E-4A7A-A32A-894D5623C2A2}" type="datetimeFigureOut">
               <a:rPr lang="zh-TW" altLang="en-US" smtClean="0"/>
-              <a:t>2022/2/2</a:t>
+              <a:t>2023/8/19</a:t>
             </a:fld>
             <a:endParaRPr lang="zh-TW" altLang="en-US"/>
           </a:p>
@@ -660,7 +660,7 @@
           <a:p>
             <a:fld id="{2D090BFC-FE9E-4A7A-A32A-894D5623C2A2}" type="datetimeFigureOut">
               <a:rPr lang="zh-TW" altLang="en-US" smtClean="0"/>
-              <a:t>2022/2/2</a:t>
+              <a:t>2023/8/19</a:t>
             </a:fld>
             <a:endParaRPr lang="zh-TW" altLang="en-US"/>
           </a:p>
@@ -830,7 +830,7 @@
           <a:p>
             <a:fld id="{2D090BFC-FE9E-4A7A-A32A-894D5623C2A2}" type="datetimeFigureOut">
               <a:rPr lang="zh-TW" altLang="en-US" smtClean="0"/>
-              <a:t>2022/2/2</a:t>
+              <a:t>2023/8/19</a:t>
             </a:fld>
             <a:endParaRPr lang="zh-TW" altLang="en-US"/>
           </a:p>
@@ -1076,7 +1076,7 @@
           <a:p>
             <a:fld id="{2D090BFC-FE9E-4A7A-A32A-894D5623C2A2}" type="datetimeFigureOut">
               <a:rPr lang="zh-TW" altLang="en-US" smtClean="0"/>
-              <a:t>2022/2/2</a:t>
+              <a:t>2023/8/19</a:t>
             </a:fld>
             <a:endParaRPr lang="zh-TW" altLang="en-US"/>
           </a:p>
@@ -1364,7 +1364,7 @@
           <a:p>
             <a:fld id="{2D090BFC-FE9E-4A7A-A32A-894D5623C2A2}" type="datetimeFigureOut">
               <a:rPr lang="zh-TW" altLang="en-US" smtClean="0"/>
-              <a:t>2022/2/2</a:t>
+              <a:t>2023/8/19</a:t>
             </a:fld>
             <a:endParaRPr lang="zh-TW" altLang="en-US"/>
           </a:p>
@@ -1786,7 +1786,7 @@
           <a:p>
             <a:fld id="{2D090BFC-FE9E-4A7A-A32A-894D5623C2A2}" type="datetimeFigureOut">
               <a:rPr lang="zh-TW" altLang="en-US" smtClean="0"/>
-              <a:t>2022/2/2</a:t>
+              <a:t>2023/8/19</a:t>
             </a:fld>
             <a:endParaRPr lang="zh-TW" altLang="en-US"/>
           </a:p>
@@ -1904,7 +1904,7 @@
           <a:p>
             <a:fld id="{2D090BFC-FE9E-4A7A-A32A-894D5623C2A2}" type="datetimeFigureOut">
               <a:rPr lang="zh-TW" altLang="en-US" smtClean="0"/>
-              <a:t>2022/2/2</a:t>
+              <a:t>2023/8/19</a:t>
             </a:fld>
             <a:endParaRPr lang="zh-TW" altLang="en-US"/>
           </a:p>
@@ -1999,7 +1999,7 @@
           <a:p>
             <a:fld id="{2D090BFC-FE9E-4A7A-A32A-894D5623C2A2}" type="datetimeFigureOut">
               <a:rPr lang="zh-TW" altLang="en-US" smtClean="0"/>
-              <a:t>2022/2/2</a:t>
+              <a:t>2023/8/19</a:t>
             </a:fld>
             <a:endParaRPr lang="zh-TW" altLang="en-US"/>
           </a:p>
@@ -2276,7 +2276,7 @@
           <a:p>
             <a:fld id="{2D090BFC-FE9E-4A7A-A32A-894D5623C2A2}" type="datetimeFigureOut">
               <a:rPr lang="zh-TW" altLang="en-US" smtClean="0"/>
-              <a:t>2022/2/2</a:t>
+              <a:t>2023/8/19</a:t>
             </a:fld>
             <a:endParaRPr lang="zh-TW" altLang="en-US"/>
           </a:p>
@@ -2533,7 +2533,7 @@
           <a:p>
             <a:fld id="{2D090BFC-FE9E-4A7A-A32A-894D5623C2A2}" type="datetimeFigureOut">
               <a:rPr lang="zh-TW" altLang="en-US" smtClean="0"/>
-              <a:t>2022/2/2</a:t>
+              <a:t>2023/8/19</a:t>
             </a:fld>
             <a:endParaRPr lang="zh-TW" altLang="en-US"/>
           </a:p>
@@ -2751,7 +2751,7 @@
           <a:p>
             <a:fld id="{2D090BFC-FE9E-4A7A-A32A-894D5623C2A2}" type="datetimeFigureOut">
               <a:rPr lang="zh-TW" altLang="en-US" smtClean="0"/>
-              <a:t>2022/2/2</a:t>
+              <a:t>2023/8/19</a:t>
             </a:fld>
             <a:endParaRPr lang="zh-TW" altLang="en-US"/>
           </a:p>
@@ -3314,7 +3314,7 @@
         <p:spPr>
           <a:xfrm>
             <a:off x="0" y="5061182"/>
-            <a:ext cx="12192000" cy="830997"/>
+            <a:ext cx="12192000" cy="646331"/>
           </a:xfrm>
           <a:prstGeom prst="rect">
             <a:avLst/>
@@ -3329,7 +3329,7 @@
           <a:p>
             <a:pPr algn="ctr"/>
             <a:r>
-              <a:rPr lang="en-US" sz="4800" b="1" dirty="0">
+              <a:rPr lang="en-US" sz="3600" b="1" dirty="0">
                 <a:solidFill>
                   <a:srgbClr val="660033"/>
                 </a:solidFill>
@@ -3341,7 +3341,7 @@
               <a:t>( </a:t>
             </a:r>
             <a:r>
-              <a:rPr lang="zh-CN" altLang="en-US" sz="4800" b="1" dirty="0">
+              <a:rPr lang="zh-CN" altLang="en-US" sz="3600" b="1" dirty="0">
                 <a:solidFill>
                   <a:srgbClr val="660033"/>
                 </a:solidFill>
@@ -3353,7 +3353,7 @@
               <a:t>正 </a:t>
             </a:r>
             <a:r>
-              <a:rPr lang="en-US" sz="4800" b="1" dirty="0">
+              <a:rPr lang="en-US" sz="3600" b="1" dirty="0">
                 <a:solidFill>
                   <a:srgbClr val="660033"/>
                 </a:solidFill>
@@ -3364,7 +3364,7 @@
               </a:rPr>
               <a:t>)</a:t>
             </a:r>
-            <a:endParaRPr lang="vi-VN" sz="4800" b="1" dirty="0">
+            <a:endParaRPr lang="vi-VN" sz="3600" b="1" dirty="0">
               <a:solidFill>
                 <a:srgbClr val="660033"/>
               </a:solidFill>
@@ -3514,7 +3514,7 @@
         <p:spPr>
           <a:xfrm>
             <a:off x="0" y="5061182"/>
-            <a:ext cx="12192000" cy="830997"/>
+            <a:ext cx="12192000" cy="646331"/>
           </a:xfrm>
           <a:prstGeom prst="rect">
             <a:avLst/>
@@ -3529,11 +3529,10 @@
           <a:p>
             <a:pPr algn="ctr"/>
             <a:r>
-              <a:rPr lang="en-US" sz="4800" b="1" dirty="0">
+              <a:rPr lang="en-US" sz="3600" b="1" dirty="0">
                 <a:solidFill>
                   <a:srgbClr val="660033"/>
                 </a:solidFill>
-                <a:effectLst/>
                 <a:latin typeface="Microsoft JhengHei" panose="020B0604030504040204" pitchFamily="34" charset="-120"/>
                 <a:ea typeface="Microsoft JhengHei" panose="020B0604030504040204" pitchFamily="34" charset="-120"/>
                 <a:cs typeface="Microsoft Himalaya" panose="01010100010101010101" pitchFamily="2" charset="0"/>
@@ -3541,11 +3540,10 @@
               <a:t>( </a:t>
             </a:r>
             <a:r>
-              <a:rPr lang="zh-CN" altLang="en-US" sz="4800" b="1" dirty="0">
+              <a:rPr lang="zh-CN" altLang="en-US" sz="3600" b="1" dirty="0">
                 <a:solidFill>
                   <a:srgbClr val="660033"/>
                 </a:solidFill>
-                <a:effectLst/>
                 <a:latin typeface="Microsoft JhengHei" panose="020B0604030504040204" pitchFamily="34" charset="-120"/>
                 <a:ea typeface="Microsoft JhengHei" panose="020B0604030504040204" pitchFamily="34" charset="-120"/>
                 <a:cs typeface="Microsoft Himalaya" panose="01010100010101010101" pitchFamily="2" charset="0"/>
@@ -3553,22 +3551,21 @@
               <a:t>正 </a:t>
             </a:r>
             <a:r>
-              <a:rPr lang="en-US" sz="4800" b="1" dirty="0">
+              <a:rPr lang="en-US" sz="3600" b="1" dirty="0">
                 <a:solidFill>
                   <a:srgbClr val="660033"/>
                 </a:solidFill>
-                <a:effectLst/>
                 <a:latin typeface="Microsoft JhengHei" panose="020B0604030504040204" pitchFamily="34" charset="-120"/>
                 <a:ea typeface="Microsoft JhengHei" panose="020B0604030504040204" pitchFamily="34" charset="-120"/>
                 <a:cs typeface="Microsoft Himalaya" panose="01010100010101010101" pitchFamily="2" charset="0"/>
               </a:rPr>
               <a:t>)</a:t>
             </a:r>
-            <a:endParaRPr lang="vi-VN" sz="4800" b="1" dirty="0">
+            <a:endParaRPr lang="vi-VN" sz="3600" b="1" dirty="0">
               <a:solidFill>
                 <a:srgbClr val="660033"/>
               </a:solidFill>
-              <a:effectLst/>
+              <a:latin typeface="Microsoft JhengHei" panose="020B0604030504040204" pitchFamily="34" charset="-120"/>
               <a:ea typeface="Microsoft JhengHei" panose="020B0604030504040204" pitchFamily="34" charset="-120"/>
               <a:cs typeface="Microsoft Himalaya" panose="01010100010101010101" pitchFamily="2" charset="0"/>
             </a:endParaRPr>
@@ -3681,7 +3678,7 @@
         <p:spPr>
           <a:xfrm>
             <a:off x="0" y="5061182"/>
-            <a:ext cx="12192000" cy="830997"/>
+            <a:ext cx="12192000" cy="646331"/>
           </a:xfrm>
           <a:prstGeom prst="rect">
             <a:avLst/>
@@ -3696,11 +3693,10 @@
           <a:p>
             <a:pPr algn="ctr"/>
             <a:r>
-              <a:rPr lang="en-US" sz="4800" b="1" dirty="0">
+              <a:rPr lang="en-US" sz="3600" b="1" dirty="0">
                 <a:solidFill>
                   <a:srgbClr val="660033"/>
                 </a:solidFill>
-                <a:effectLst/>
                 <a:latin typeface="Microsoft JhengHei" panose="020B0604030504040204" pitchFamily="34" charset="-120"/>
                 <a:ea typeface="Microsoft JhengHei" panose="020B0604030504040204" pitchFamily="34" charset="-120"/>
                 <a:cs typeface="Microsoft Himalaya" panose="01010100010101010101" pitchFamily="2" charset="0"/>
@@ -3708,11 +3704,10 @@
               <a:t>( </a:t>
             </a:r>
             <a:r>
-              <a:rPr lang="zh-CN" altLang="en-US" sz="4800" b="1" dirty="0">
+              <a:rPr lang="zh-CN" altLang="en-US" sz="3600" b="1" dirty="0">
                 <a:solidFill>
                   <a:srgbClr val="660033"/>
                 </a:solidFill>
-                <a:effectLst/>
                 <a:latin typeface="Microsoft JhengHei" panose="020B0604030504040204" pitchFamily="34" charset="-120"/>
                 <a:ea typeface="Microsoft JhengHei" panose="020B0604030504040204" pitchFamily="34" charset="-120"/>
                 <a:cs typeface="Microsoft Himalaya" panose="01010100010101010101" pitchFamily="2" charset="0"/>
@@ -3720,22 +3715,21 @@
               <a:t>副 </a:t>
             </a:r>
             <a:r>
-              <a:rPr lang="en-US" sz="4800" b="1" dirty="0">
+              <a:rPr lang="en-US" sz="3600" b="1" dirty="0">
                 <a:solidFill>
                   <a:srgbClr val="660033"/>
                 </a:solidFill>
-                <a:effectLst/>
                 <a:latin typeface="Microsoft JhengHei" panose="020B0604030504040204" pitchFamily="34" charset="-120"/>
                 <a:ea typeface="Microsoft JhengHei" panose="020B0604030504040204" pitchFamily="34" charset="-120"/>
                 <a:cs typeface="Microsoft Himalaya" panose="01010100010101010101" pitchFamily="2" charset="0"/>
               </a:rPr>
               <a:t>)</a:t>
             </a:r>
-            <a:endParaRPr lang="vi-VN" sz="4800" b="1" dirty="0">
+            <a:endParaRPr lang="vi-VN" sz="3600" b="1" dirty="0">
               <a:solidFill>
                 <a:srgbClr val="660033"/>
               </a:solidFill>
-              <a:effectLst/>
+              <a:latin typeface="Microsoft JhengHei" panose="020B0604030504040204" pitchFamily="34" charset="-120"/>
               <a:ea typeface="Microsoft JhengHei" panose="020B0604030504040204" pitchFamily="34" charset="-120"/>
               <a:cs typeface="Microsoft Himalaya" panose="01010100010101010101" pitchFamily="2" charset="0"/>
             </a:endParaRPr>
@@ -3826,7 +3820,7 @@
         <p:spPr>
           <a:xfrm>
             <a:off x="0" y="5061182"/>
-            <a:ext cx="12192000" cy="830997"/>
+            <a:ext cx="12192000" cy="646331"/>
           </a:xfrm>
           <a:prstGeom prst="rect">
             <a:avLst/>
@@ -3841,11 +3835,10 @@
           <a:p>
             <a:pPr algn="ctr"/>
             <a:r>
-              <a:rPr lang="en-US" sz="4800" b="1" dirty="0">
+              <a:rPr lang="en-US" sz="3600" b="1" dirty="0">
                 <a:solidFill>
                   <a:srgbClr val="660033"/>
                 </a:solidFill>
-                <a:effectLst/>
                 <a:latin typeface="Microsoft JhengHei" panose="020B0604030504040204" pitchFamily="34" charset="-120"/>
                 <a:ea typeface="Microsoft JhengHei" panose="020B0604030504040204" pitchFamily="34" charset="-120"/>
                 <a:cs typeface="Microsoft Himalaya" panose="01010100010101010101" pitchFamily="2" charset="0"/>
@@ -3853,11 +3846,10 @@
               <a:t>( </a:t>
             </a:r>
             <a:r>
-              <a:rPr lang="zh-CN" altLang="en-US" sz="4800" b="1" dirty="0">
+              <a:rPr lang="zh-CN" altLang="en-US" sz="3600" b="1" dirty="0">
                 <a:solidFill>
                   <a:srgbClr val="660033"/>
                 </a:solidFill>
-                <a:effectLst/>
                 <a:latin typeface="Microsoft JhengHei" panose="020B0604030504040204" pitchFamily="34" charset="-120"/>
                 <a:ea typeface="Microsoft JhengHei" panose="020B0604030504040204" pitchFamily="34" charset="-120"/>
                 <a:cs typeface="Microsoft Himalaya" panose="01010100010101010101" pitchFamily="2" charset="0"/>
@@ -3865,22 +3857,21 @@
               <a:t>副 </a:t>
             </a:r>
             <a:r>
-              <a:rPr lang="en-US" sz="4800" b="1" dirty="0">
+              <a:rPr lang="en-US" sz="3600" b="1" dirty="0">
                 <a:solidFill>
                   <a:srgbClr val="660033"/>
                 </a:solidFill>
-                <a:effectLst/>
                 <a:latin typeface="Microsoft JhengHei" panose="020B0604030504040204" pitchFamily="34" charset="-120"/>
                 <a:ea typeface="Microsoft JhengHei" panose="020B0604030504040204" pitchFamily="34" charset="-120"/>
                 <a:cs typeface="Microsoft Himalaya" panose="01010100010101010101" pitchFamily="2" charset="0"/>
               </a:rPr>
               <a:t>)</a:t>
             </a:r>
-            <a:endParaRPr lang="vi-VN" sz="4800" b="1" dirty="0">
+            <a:endParaRPr lang="vi-VN" sz="3600" b="1" dirty="0">
               <a:solidFill>
                 <a:srgbClr val="660033"/>
               </a:solidFill>
-              <a:effectLst/>
+              <a:latin typeface="Microsoft JhengHei" panose="020B0604030504040204" pitchFamily="34" charset="-120"/>
               <a:ea typeface="Microsoft JhengHei" panose="020B0604030504040204" pitchFamily="34" charset="-120"/>
               <a:cs typeface="Microsoft Himalaya" panose="01010100010101010101" pitchFamily="2" charset="0"/>
             </a:endParaRPr>
@@ -3950,17 +3941,7 @@
                 <a:latin typeface="微軟正黑體" pitchFamily="34" charset="-120"/>
                 <a:ea typeface="微軟正黑體" pitchFamily="34" charset="-120"/>
               </a:rPr>
-              <a:t>一宿雖然有哭</a:t>
-            </a:r>
-            <a:r>
-              <a:rPr lang="zh-TW" altLang="en-US" sz="6400" b="1" dirty="0">
-                <a:solidFill>
-                  <a:srgbClr val="660033"/>
-                </a:solidFill>
-                <a:latin typeface="微軟正黑體" pitchFamily="34" charset="-120"/>
-                <a:ea typeface="微軟正黑體" pitchFamily="34" charset="-120"/>
-              </a:rPr>
-              <a:t>泣</a:t>
+              <a:t>一宿雖然有哭泣</a:t>
             </a:r>
             <a:endParaRPr lang="en-US" altLang="zh-TW" sz="6400" b="1" dirty="0">
               <a:solidFill>
@@ -4003,7 +3984,7 @@
         <p:spPr>
           <a:xfrm>
             <a:off x="0" y="5061182"/>
-            <a:ext cx="12192000" cy="830997"/>
+            <a:ext cx="12192000" cy="646331"/>
           </a:xfrm>
           <a:prstGeom prst="rect">
             <a:avLst/>
@@ -4018,11 +3999,10 @@
           <a:p>
             <a:pPr algn="ctr"/>
             <a:r>
-              <a:rPr lang="en-US" sz="4800" b="1" dirty="0">
+              <a:rPr lang="en-US" sz="3600" b="1" dirty="0">
                 <a:solidFill>
                   <a:srgbClr val="660033"/>
                 </a:solidFill>
-                <a:effectLst/>
                 <a:latin typeface="Microsoft JhengHei" panose="020B0604030504040204" pitchFamily="34" charset="-120"/>
                 <a:ea typeface="Microsoft JhengHei" panose="020B0604030504040204" pitchFamily="34" charset="-120"/>
                 <a:cs typeface="Microsoft Himalaya" panose="01010100010101010101" pitchFamily="2" charset="0"/>
@@ -4030,11 +4010,10 @@
               <a:t>( </a:t>
             </a:r>
             <a:r>
-              <a:rPr lang="zh-CN" altLang="en-US" sz="4800" b="1" dirty="0">
+              <a:rPr lang="zh-CN" altLang="en-US" sz="3600" b="1" dirty="0">
                 <a:solidFill>
                   <a:srgbClr val="660033"/>
                 </a:solidFill>
-                <a:effectLst/>
                 <a:latin typeface="Microsoft JhengHei" panose="020B0604030504040204" pitchFamily="34" charset="-120"/>
                 <a:ea typeface="Microsoft JhengHei" panose="020B0604030504040204" pitchFamily="34" charset="-120"/>
                 <a:cs typeface="Microsoft Himalaya" panose="01010100010101010101" pitchFamily="2" charset="0"/>
@@ -4042,22 +4021,21 @@
               <a:t>副 </a:t>
             </a:r>
             <a:r>
-              <a:rPr lang="en-US" sz="4800" b="1" dirty="0">
+              <a:rPr lang="en-US" sz="3600" b="1" dirty="0">
                 <a:solidFill>
                   <a:srgbClr val="660033"/>
                 </a:solidFill>
-                <a:effectLst/>
                 <a:latin typeface="Microsoft JhengHei" panose="020B0604030504040204" pitchFamily="34" charset="-120"/>
                 <a:ea typeface="Microsoft JhengHei" panose="020B0604030504040204" pitchFamily="34" charset="-120"/>
                 <a:cs typeface="Microsoft Himalaya" panose="01010100010101010101" pitchFamily="2" charset="0"/>
               </a:rPr>
               <a:t>)</a:t>
             </a:r>
-            <a:endParaRPr lang="vi-VN" sz="4800" b="1" dirty="0">
+            <a:endParaRPr lang="vi-VN" sz="3600" b="1" dirty="0">
               <a:solidFill>
                 <a:srgbClr val="660033"/>
               </a:solidFill>
-              <a:effectLst/>
+              <a:latin typeface="Microsoft JhengHei" panose="020B0604030504040204" pitchFamily="34" charset="-120"/>
               <a:ea typeface="Microsoft JhengHei" panose="020B0604030504040204" pitchFamily="34" charset="-120"/>
               <a:cs typeface="Microsoft Himalaya" panose="01010100010101010101" pitchFamily="2" charset="0"/>
             </a:endParaRPr>
@@ -4141,7 +4119,7 @@
         <p:spPr>
           <a:xfrm>
             <a:off x="0" y="5061182"/>
-            <a:ext cx="12192000" cy="830997"/>
+            <a:ext cx="12192000" cy="646331"/>
           </a:xfrm>
           <a:prstGeom prst="rect">
             <a:avLst/>
@@ -4156,11 +4134,10 @@
           <a:p>
             <a:pPr algn="ctr"/>
             <a:r>
-              <a:rPr lang="en-US" sz="4800" b="1" dirty="0">
+              <a:rPr lang="en-US" sz="3600" b="1" dirty="0">
                 <a:solidFill>
                   <a:srgbClr val="660033"/>
                 </a:solidFill>
-                <a:effectLst/>
                 <a:latin typeface="Microsoft JhengHei" panose="020B0604030504040204" pitchFamily="34" charset="-120"/>
                 <a:ea typeface="Microsoft JhengHei" panose="020B0604030504040204" pitchFamily="34" charset="-120"/>
                 <a:cs typeface="Microsoft Himalaya" panose="01010100010101010101" pitchFamily="2" charset="0"/>
@@ -4168,11 +4145,10 @@
               <a:t>( </a:t>
             </a:r>
             <a:r>
-              <a:rPr lang="zh-CN" altLang="en-US" sz="4800" b="1" dirty="0">
+              <a:rPr lang="zh-CN" altLang="en-US" sz="3600" b="1" dirty="0">
                 <a:solidFill>
                   <a:srgbClr val="660033"/>
                 </a:solidFill>
-                <a:effectLst/>
                 <a:latin typeface="Microsoft JhengHei" panose="020B0604030504040204" pitchFamily="34" charset="-120"/>
                 <a:ea typeface="Microsoft JhengHei" panose="020B0604030504040204" pitchFamily="34" charset="-120"/>
                 <a:cs typeface="Microsoft Himalaya" panose="01010100010101010101" pitchFamily="2" charset="0"/>
@@ -4180,22 +4156,21 @@
               <a:t>副 </a:t>
             </a:r>
             <a:r>
-              <a:rPr lang="en-US" sz="4800" b="1" dirty="0">
+              <a:rPr lang="en-US" sz="3600" b="1" dirty="0">
                 <a:solidFill>
                   <a:srgbClr val="660033"/>
                 </a:solidFill>
-                <a:effectLst/>
                 <a:latin typeface="Microsoft JhengHei" panose="020B0604030504040204" pitchFamily="34" charset="-120"/>
                 <a:ea typeface="Microsoft JhengHei" panose="020B0604030504040204" pitchFamily="34" charset="-120"/>
                 <a:cs typeface="Microsoft Himalaya" panose="01010100010101010101" pitchFamily="2" charset="0"/>
               </a:rPr>
               <a:t>)</a:t>
             </a:r>
-            <a:endParaRPr lang="vi-VN" sz="4800" b="1" dirty="0">
+            <a:endParaRPr lang="vi-VN" sz="3600" b="1" dirty="0">
               <a:solidFill>
                 <a:srgbClr val="660033"/>
               </a:solidFill>
-              <a:effectLst/>
+              <a:latin typeface="Microsoft JhengHei" panose="020B0604030504040204" pitchFamily="34" charset="-120"/>
               <a:ea typeface="Microsoft JhengHei" panose="020B0604030504040204" pitchFamily="34" charset="-120"/>
               <a:cs typeface="Microsoft Himalaya" panose="01010100010101010101" pitchFamily="2" charset="0"/>
             </a:endParaRPr>

--- a/叫我抬起頭的神(崇拜版).pptx
+++ b/叫我抬起頭的神(崇拜版).pptx
@@ -167,7 +167,7 @@
           <a:lstStyle/>
           <a:p>
             <a:r>
-              <a:rPr lang="en-US" altLang="zh-TW" smtClean="0"/>
+              <a:rPr lang="en-US" altLang="zh-TW"/>
               <a:t>Click to edit Master title style</a:t>
             </a:r>
             <a:endParaRPr lang="zh-TW" altLang="en-US"/>
@@ -286,7 +286,7 @@
           </a:lstStyle>
           <a:p>
             <a:r>
-              <a:rPr lang="en-US" altLang="zh-TW" smtClean="0"/>
+              <a:rPr lang="en-US" altLang="zh-TW"/>
               <a:t>Click to edit Master subtitle style</a:t>
             </a:r>
             <a:endParaRPr lang="zh-TW" altLang="en-US"/>
@@ -310,7 +310,7 @@
           <a:p>
             <a:fld id="{2D090BFC-FE9E-4A7A-A32A-894D5623C2A2}" type="datetimeFigureOut">
               <a:rPr lang="zh-TW" altLang="en-US" smtClean="0"/>
-              <a:t>2023/8/19</a:t>
+              <a:t>2024/3/2</a:t>
             </a:fld>
             <a:endParaRPr lang="zh-TW" altLang="en-US"/>
           </a:p>
@@ -404,7 +404,7 @@
           <a:lstStyle/>
           <a:p>
             <a:r>
-              <a:rPr lang="en-US" altLang="zh-TW" smtClean="0"/>
+              <a:rPr lang="en-US" altLang="zh-TW"/>
               <a:t>Click to edit Master title style</a:t>
             </a:r>
             <a:endParaRPr lang="zh-TW" altLang="en-US"/>
@@ -428,35 +428,35 @@
           <a:p>
             <a:pPr lvl="0"/>
             <a:r>
-              <a:rPr lang="en-US" altLang="zh-TW" smtClean="0"/>
+              <a:rPr lang="en-US" altLang="zh-TW"/>
               <a:t>Edit Master text styles</a:t>
             </a:r>
           </a:p>
           <a:p>
             <a:pPr lvl="1"/>
             <a:r>
-              <a:rPr lang="en-US" altLang="zh-TW" smtClean="0"/>
+              <a:rPr lang="en-US" altLang="zh-TW"/>
               <a:t>Second level</a:t>
             </a:r>
           </a:p>
           <a:p>
             <a:pPr lvl="2"/>
             <a:r>
-              <a:rPr lang="en-US" altLang="zh-TW" smtClean="0"/>
+              <a:rPr lang="en-US" altLang="zh-TW"/>
               <a:t>Third level</a:t>
             </a:r>
           </a:p>
           <a:p>
             <a:pPr lvl="3"/>
             <a:r>
-              <a:rPr lang="en-US" altLang="zh-TW" smtClean="0"/>
+              <a:rPr lang="en-US" altLang="zh-TW"/>
               <a:t>Fourth level</a:t>
             </a:r>
           </a:p>
           <a:p>
             <a:pPr lvl="4"/>
             <a:r>
-              <a:rPr lang="en-US" altLang="zh-TW" smtClean="0"/>
+              <a:rPr lang="en-US" altLang="zh-TW"/>
               <a:t>Fifth level</a:t>
             </a:r>
             <a:endParaRPr lang="zh-TW" altLang="en-US"/>
@@ -480,7 +480,7 @@
           <a:p>
             <a:fld id="{2D090BFC-FE9E-4A7A-A32A-894D5623C2A2}" type="datetimeFigureOut">
               <a:rPr lang="zh-TW" altLang="en-US" smtClean="0"/>
-              <a:t>2023/8/19</a:t>
+              <a:t>2024/3/2</a:t>
             </a:fld>
             <a:endParaRPr lang="zh-TW" altLang="en-US"/>
           </a:p>
@@ -579,7 +579,7 @@
           <a:lstStyle/>
           <a:p>
             <a:r>
-              <a:rPr lang="en-US" altLang="zh-TW" smtClean="0"/>
+              <a:rPr lang="en-US" altLang="zh-TW"/>
               <a:t>Click to edit Master title style</a:t>
             </a:r>
             <a:endParaRPr lang="zh-TW" altLang="en-US"/>
@@ -608,35 +608,35 @@
           <a:p>
             <a:pPr lvl="0"/>
             <a:r>
-              <a:rPr lang="en-US" altLang="zh-TW" smtClean="0"/>
+              <a:rPr lang="en-US" altLang="zh-TW"/>
               <a:t>Edit Master text styles</a:t>
             </a:r>
           </a:p>
           <a:p>
             <a:pPr lvl="1"/>
             <a:r>
-              <a:rPr lang="en-US" altLang="zh-TW" smtClean="0"/>
+              <a:rPr lang="en-US" altLang="zh-TW"/>
               <a:t>Second level</a:t>
             </a:r>
           </a:p>
           <a:p>
             <a:pPr lvl="2"/>
             <a:r>
-              <a:rPr lang="en-US" altLang="zh-TW" smtClean="0"/>
+              <a:rPr lang="en-US" altLang="zh-TW"/>
               <a:t>Third level</a:t>
             </a:r>
           </a:p>
           <a:p>
             <a:pPr lvl="3"/>
             <a:r>
-              <a:rPr lang="en-US" altLang="zh-TW" smtClean="0"/>
+              <a:rPr lang="en-US" altLang="zh-TW"/>
               <a:t>Fourth level</a:t>
             </a:r>
           </a:p>
           <a:p>
             <a:pPr lvl="4"/>
             <a:r>
-              <a:rPr lang="en-US" altLang="zh-TW" smtClean="0"/>
+              <a:rPr lang="en-US" altLang="zh-TW"/>
               <a:t>Fifth level</a:t>
             </a:r>
             <a:endParaRPr lang="zh-TW" altLang="en-US"/>
@@ -660,7 +660,7 @@
           <a:p>
             <a:fld id="{2D090BFC-FE9E-4A7A-A32A-894D5623C2A2}" type="datetimeFigureOut">
               <a:rPr lang="zh-TW" altLang="en-US" smtClean="0"/>
-              <a:t>2023/8/19</a:t>
+              <a:t>2024/3/2</a:t>
             </a:fld>
             <a:endParaRPr lang="zh-TW" altLang="en-US"/>
           </a:p>
@@ -754,7 +754,7 @@
           <a:lstStyle/>
           <a:p>
             <a:r>
-              <a:rPr lang="en-US" altLang="zh-TW" smtClean="0"/>
+              <a:rPr lang="en-US" altLang="zh-TW"/>
               <a:t>Click to edit Master title style</a:t>
             </a:r>
             <a:endParaRPr lang="zh-TW" altLang="en-US"/>
@@ -778,35 +778,35 @@
           <a:p>
             <a:pPr lvl="0"/>
             <a:r>
-              <a:rPr lang="en-US" altLang="zh-TW" smtClean="0"/>
+              <a:rPr lang="en-US" altLang="zh-TW"/>
               <a:t>Edit Master text styles</a:t>
             </a:r>
           </a:p>
           <a:p>
             <a:pPr lvl="1"/>
             <a:r>
-              <a:rPr lang="en-US" altLang="zh-TW" smtClean="0"/>
+              <a:rPr lang="en-US" altLang="zh-TW"/>
               <a:t>Second level</a:t>
             </a:r>
           </a:p>
           <a:p>
             <a:pPr lvl="2"/>
             <a:r>
-              <a:rPr lang="en-US" altLang="zh-TW" smtClean="0"/>
+              <a:rPr lang="en-US" altLang="zh-TW"/>
               <a:t>Third level</a:t>
             </a:r>
           </a:p>
           <a:p>
             <a:pPr lvl="3"/>
             <a:r>
-              <a:rPr lang="en-US" altLang="zh-TW" smtClean="0"/>
+              <a:rPr lang="en-US" altLang="zh-TW"/>
               <a:t>Fourth level</a:t>
             </a:r>
           </a:p>
           <a:p>
             <a:pPr lvl="4"/>
             <a:r>
-              <a:rPr lang="en-US" altLang="zh-TW" smtClean="0"/>
+              <a:rPr lang="en-US" altLang="zh-TW"/>
               <a:t>Fifth level</a:t>
             </a:r>
             <a:endParaRPr lang="zh-TW" altLang="en-US"/>
@@ -830,7 +830,7 @@
           <a:p>
             <a:fld id="{2D090BFC-FE9E-4A7A-A32A-894D5623C2A2}" type="datetimeFigureOut">
               <a:rPr lang="zh-TW" altLang="en-US" smtClean="0"/>
-              <a:t>2023/8/19</a:t>
+              <a:t>2024/3/2</a:t>
             </a:fld>
             <a:endParaRPr lang="zh-TW" altLang="en-US"/>
           </a:p>
@@ -933,7 +933,7 @@
           </a:lstStyle>
           <a:p>
             <a:r>
-              <a:rPr lang="en-US" altLang="zh-TW" smtClean="0"/>
+              <a:rPr lang="en-US" altLang="zh-TW"/>
               <a:t>Click to edit Master title style</a:t>
             </a:r>
             <a:endParaRPr lang="zh-TW" altLang="en-US"/>
@@ -1053,7 +1053,7 @@
           <a:p>
             <a:pPr lvl="0"/>
             <a:r>
-              <a:rPr lang="en-US" altLang="zh-TW" smtClean="0"/>
+              <a:rPr lang="en-US" altLang="zh-TW"/>
               <a:t>Edit Master text styles</a:t>
             </a:r>
           </a:p>
@@ -1076,7 +1076,7 @@
           <a:p>
             <a:fld id="{2D090BFC-FE9E-4A7A-A32A-894D5623C2A2}" type="datetimeFigureOut">
               <a:rPr lang="zh-TW" altLang="en-US" smtClean="0"/>
-              <a:t>2023/8/19</a:t>
+              <a:t>2024/3/2</a:t>
             </a:fld>
             <a:endParaRPr lang="zh-TW" altLang="en-US"/>
           </a:p>
@@ -1170,7 +1170,7 @@
           <a:lstStyle/>
           <a:p>
             <a:r>
-              <a:rPr lang="en-US" altLang="zh-TW" smtClean="0"/>
+              <a:rPr lang="en-US" altLang="zh-TW"/>
               <a:t>Click to edit Master title style</a:t>
             </a:r>
             <a:endParaRPr lang="zh-TW" altLang="en-US"/>
@@ -1227,35 +1227,35 @@
           <a:p>
             <a:pPr lvl="0"/>
             <a:r>
-              <a:rPr lang="en-US" altLang="zh-TW" smtClean="0"/>
+              <a:rPr lang="en-US" altLang="zh-TW"/>
               <a:t>Edit Master text styles</a:t>
             </a:r>
           </a:p>
           <a:p>
             <a:pPr lvl="1"/>
             <a:r>
-              <a:rPr lang="en-US" altLang="zh-TW" smtClean="0"/>
+              <a:rPr lang="en-US" altLang="zh-TW"/>
               <a:t>Second level</a:t>
             </a:r>
           </a:p>
           <a:p>
             <a:pPr lvl="2"/>
             <a:r>
-              <a:rPr lang="en-US" altLang="zh-TW" smtClean="0"/>
+              <a:rPr lang="en-US" altLang="zh-TW"/>
               <a:t>Third level</a:t>
             </a:r>
           </a:p>
           <a:p>
             <a:pPr lvl="3"/>
             <a:r>
-              <a:rPr lang="en-US" altLang="zh-TW" smtClean="0"/>
+              <a:rPr lang="en-US" altLang="zh-TW"/>
               <a:t>Fourth level</a:t>
             </a:r>
           </a:p>
           <a:p>
             <a:pPr lvl="4"/>
             <a:r>
-              <a:rPr lang="en-US" altLang="zh-TW" smtClean="0"/>
+              <a:rPr lang="en-US" altLang="zh-TW"/>
               <a:t>Fifth level</a:t>
             </a:r>
             <a:endParaRPr lang="zh-TW" altLang="en-US"/>
@@ -1312,35 +1312,35 @@
           <a:p>
             <a:pPr lvl="0"/>
             <a:r>
-              <a:rPr lang="en-US" altLang="zh-TW" smtClean="0"/>
+              <a:rPr lang="en-US" altLang="zh-TW"/>
               <a:t>Edit Master text styles</a:t>
             </a:r>
           </a:p>
           <a:p>
             <a:pPr lvl="1"/>
             <a:r>
-              <a:rPr lang="en-US" altLang="zh-TW" smtClean="0"/>
+              <a:rPr lang="en-US" altLang="zh-TW"/>
               <a:t>Second level</a:t>
             </a:r>
           </a:p>
           <a:p>
             <a:pPr lvl="2"/>
             <a:r>
-              <a:rPr lang="en-US" altLang="zh-TW" smtClean="0"/>
+              <a:rPr lang="en-US" altLang="zh-TW"/>
               <a:t>Third level</a:t>
             </a:r>
           </a:p>
           <a:p>
             <a:pPr lvl="3"/>
             <a:r>
-              <a:rPr lang="en-US" altLang="zh-TW" smtClean="0"/>
+              <a:rPr lang="en-US" altLang="zh-TW"/>
               <a:t>Fourth level</a:t>
             </a:r>
           </a:p>
           <a:p>
             <a:pPr lvl="4"/>
             <a:r>
-              <a:rPr lang="en-US" altLang="zh-TW" smtClean="0"/>
+              <a:rPr lang="en-US" altLang="zh-TW"/>
               <a:t>Fifth level</a:t>
             </a:r>
             <a:endParaRPr lang="zh-TW" altLang="en-US"/>
@@ -1364,7 +1364,7 @@
           <a:p>
             <a:fld id="{2D090BFC-FE9E-4A7A-A32A-894D5623C2A2}" type="datetimeFigureOut">
               <a:rPr lang="zh-TW" altLang="en-US" smtClean="0"/>
-              <a:t>2023/8/19</a:t>
+              <a:t>2024/3/2</a:t>
             </a:fld>
             <a:endParaRPr lang="zh-TW" altLang="en-US"/>
           </a:p>
@@ -1462,7 +1462,7 @@
           </a:lstStyle>
           <a:p>
             <a:r>
-              <a:rPr lang="en-US" altLang="zh-TW" smtClean="0"/>
+              <a:rPr lang="en-US" altLang="zh-TW"/>
               <a:t>Click to edit Master title style</a:t>
             </a:r>
             <a:endParaRPr lang="zh-TW" altLang="en-US"/>
@@ -1528,7 +1528,7 @@
           <a:p>
             <a:pPr lvl="0"/>
             <a:r>
-              <a:rPr lang="en-US" altLang="zh-TW" smtClean="0"/>
+              <a:rPr lang="en-US" altLang="zh-TW"/>
               <a:t>Edit Master text styles</a:t>
             </a:r>
           </a:p>
@@ -1584,35 +1584,35 @@
           <a:p>
             <a:pPr lvl="0"/>
             <a:r>
-              <a:rPr lang="en-US" altLang="zh-TW" smtClean="0"/>
+              <a:rPr lang="en-US" altLang="zh-TW"/>
               <a:t>Edit Master text styles</a:t>
             </a:r>
           </a:p>
           <a:p>
             <a:pPr lvl="1"/>
             <a:r>
-              <a:rPr lang="en-US" altLang="zh-TW" smtClean="0"/>
+              <a:rPr lang="en-US" altLang="zh-TW"/>
               <a:t>Second level</a:t>
             </a:r>
           </a:p>
           <a:p>
             <a:pPr lvl="2"/>
             <a:r>
-              <a:rPr lang="en-US" altLang="zh-TW" smtClean="0"/>
+              <a:rPr lang="en-US" altLang="zh-TW"/>
               <a:t>Third level</a:t>
             </a:r>
           </a:p>
           <a:p>
             <a:pPr lvl="3"/>
             <a:r>
-              <a:rPr lang="en-US" altLang="zh-TW" smtClean="0"/>
+              <a:rPr lang="en-US" altLang="zh-TW"/>
               <a:t>Fourth level</a:t>
             </a:r>
           </a:p>
           <a:p>
             <a:pPr lvl="4"/>
             <a:r>
-              <a:rPr lang="en-US" altLang="zh-TW" smtClean="0"/>
+              <a:rPr lang="en-US" altLang="zh-TW"/>
               <a:t>Fifth level</a:t>
             </a:r>
             <a:endParaRPr lang="zh-TW" altLang="en-US"/>
@@ -1678,7 +1678,7 @@
           <a:p>
             <a:pPr lvl="0"/>
             <a:r>
-              <a:rPr lang="en-US" altLang="zh-TW" smtClean="0"/>
+              <a:rPr lang="en-US" altLang="zh-TW"/>
               <a:t>Edit Master text styles</a:t>
             </a:r>
           </a:p>
@@ -1734,35 +1734,35 @@
           <a:p>
             <a:pPr lvl="0"/>
             <a:r>
-              <a:rPr lang="en-US" altLang="zh-TW" smtClean="0"/>
+              <a:rPr lang="en-US" altLang="zh-TW"/>
               <a:t>Edit Master text styles</a:t>
             </a:r>
           </a:p>
           <a:p>
             <a:pPr lvl="1"/>
             <a:r>
-              <a:rPr lang="en-US" altLang="zh-TW" smtClean="0"/>
+              <a:rPr lang="en-US" altLang="zh-TW"/>
               <a:t>Second level</a:t>
             </a:r>
           </a:p>
           <a:p>
             <a:pPr lvl="2"/>
             <a:r>
-              <a:rPr lang="en-US" altLang="zh-TW" smtClean="0"/>
+              <a:rPr lang="en-US" altLang="zh-TW"/>
               <a:t>Third level</a:t>
             </a:r>
           </a:p>
           <a:p>
             <a:pPr lvl="3"/>
             <a:r>
-              <a:rPr lang="en-US" altLang="zh-TW" smtClean="0"/>
+              <a:rPr lang="en-US" altLang="zh-TW"/>
               <a:t>Fourth level</a:t>
             </a:r>
           </a:p>
           <a:p>
             <a:pPr lvl="4"/>
             <a:r>
-              <a:rPr lang="en-US" altLang="zh-TW" smtClean="0"/>
+              <a:rPr lang="en-US" altLang="zh-TW"/>
               <a:t>Fifth level</a:t>
             </a:r>
             <a:endParaRPr lang="zh-TW" altLang="en-US"/>
@@ -1786,7 +1786,7 @@
           <a:p>
             <a:fld id="{2D090BFC-FE9E-4A7A-A32A-894D5623C2A2}" type="datetimeFigureOut">
               <a:rPr lang="zh-TW" altLang="en-US" smtClean="0"/>
-              <a:t>2023/8/19</a:t>
+              <a:t>2024/3/2</a:t>
             </a:fld>
             <a:endParaRPr lang="zh-TW" altLang="en-US"/>
           </a:p>
@@ -1880,7 +1880,7 @@
           <a:lstStyle/>
           <a:p>
             <a:r>
-              <a:rPr lang="en-US" altLang="zh-TW" smtClean="0"/>
+              <a:rPr lang="en-US" altLang="zh-TW"/>
               <a:t>Click to edit Master title style</a:t>
             </a:r>
             <a:endParaRPr lang="zh-TW" altLang="en-US"/>
@@ -1904,7 +1904,7 @@
           <a:p>
             <a:fld id="{2D090BFC-FE9E-4A7A-A32A-894D5623C2A2}" type="datetimeFigureOut">
               <a:rPr lang="zh-TW" altLang="en-US" smtClean="0"/>
-              <a:t>2023/8/19</a:t>
+              <a:t>2024/3/2</a:t>
             </a:fld>
             <a:endParaRPr lang="zh-TW" altLang="en-US"/>
           </a:p>
@@ -1999,7 +1999,7 @@
           <a:p>
             <a:fld id="{2D090BFC-FE9E-4A7A-A32A-894D5623C2A2}" type="datetimeFigureOut">
               <a:rPr lang="zh-TW" altLang="en-US" smtClean="0"/>
-              <a:t>2023/8/19</a:t>
+              <a:t>2024/3/2</a:t>
             </a:fld>
             <a:endParaRPr lang="zh-TW" altLang="en-US"/>
           </a:p>
@@ -2102,7 +2102,7 @@
           </a:lstStyle>
           <a:p>
             <a:r>
-              <a:rPr lang="en-US" altLang="zh-TW" smtClean="0"/>
+              <a:rPr lang="en-US" altLang="zh-TW"/>
               <a:t>Click to edit Master title style</a:t>
             </a:r>
             <a:endParaRPr lang="zh-TW" altLang="en-US"/>
@@ -2159,35 +2159,35 @@
           <a:p>
             <a:pPr lvl="0"/>
             <a:r>
-              <a:rPr lang="en-US" altLang="zh-TW" smtClean="0"/>
+              <a:rPr lang="en-US" altLang="zh-TW"/>
               <a:t>Edit Master text styles</a:t>
             </a:r>
           </a:p>
           <a:p>
             <a:pPr lvl="1"/>
             <a:r>
-              <a:rPr lang="en-US" altLang="zh-TW" smtClean="0"/>
+              <a:rPr lang="en-US" altLang="zh-TW"/>
               <a:t>Second level</a:t>
             </a:r>
           </a:p>
           <a:p>
             <a:pPr lvl="2"/>
             <a:r>
-              <a:rPr lang="en-US" altLang="zh-TW" smtClean="0"/>
+              <a:rPr lang="en-US" altLang="zh-TW"/>
               <a:t>Third level</a:t>
             </a:r>
           </a:p>
           <a:p>
             <a:pPr lvl="3"/>
             <a:r>
-              <a:rPr lang="en-US" altLang="zh-TW" smtClean="0"/>
+              <a:rPr lang="en-US" altLang="zh-TW"/>
               <a:t>Fourth level</a:t>
             </a:r>
           </a:p>
           <a:p>
             <a:pPr lvl="4"/>
             <a:r>
-              <a:rPr lang="en-US" altLang="zh-TW" smtClean="0"/>
+              <a:rPr lang="en-US" altLang="zh-TW"/>
               <a:t>Fifth level</a:t>
             </a:r>
             <a:endParaRPr lang="zh-TW" altLang="en-US"/>
@@ -2253,7 +2253,7 @@
           <a:p>
             <a:pPr lvl="0"/>
             <a:r>
-              <a:rPr lang="en-US" altLang="zh-TW" smtClean="0"/>
+              <a:rPr lang="en-US" altLang="zh-TW"/>
               <a:t>Edit Master text styles</a:t>
             </a:r>
           </a:p>
@@ -2276,7 +2276,7 @@
           <a:p>
             <a:fld id="{2D090BFC-FE9E-4A7A-A32A-894D5623C2A2}" type="datetimeFigureOut">
               <a:rPr lang="zh-TW" altLang="en-US" smtClean="0"/>
-              <a:t>2023/8/19</a:t>
+              <a:t>2024/3/2</a:t>
             </a:fld>
             <a:endParaRPr lang="zh-TW" altLang="en-US"/>
           </a:p>
@@ -2379,7 +2379,7 @@
           </a:lstStyle>
           <a:p>
             <a:r>
-              <a:rPr lang="en-US" altLang="zh-TW" smtClean="0"/>
+              <a:rPr lang="en-US" altLang="zh-TW"/>
               <a:t>Click to edit Master title style</a:t>
             </a:r>
             <a:endParaRPr lang="zh-TW" altLang="en-US"/>
@@ -2444,7 +2444,7 @@
           </a:lstStyle>
           <a:p>
             <a:r>
-              <a:rPr lang="en-US" altLang="zh-TW" smtClean="0"/>
+              <a:rPr lang="en-US" altLang="zh-TW"/>
               <a:t>Click icon to add picture</a:t>
             </a:r>
             <a:endParaRPr lang="zh-TW" altLang="en-US"/>
@@ -2510,7 +2510,7 @@
           <a:p>
             <a:pPr lvl="0"/>
             <a:r>
-              <a:rPr lang="en-US" altLang="zh-TW" smtClean="0"/>
+              <a:rPr lang="en-US" altLang="zh-TW"/>
               <a:t>Edit Master text styles</a:t>
             </a:r>
           </a:p>
@@ -2533,7 +2533,7 @@
           <a:p>
             <a:fld id="{2D090BFC-FE9E-4A7A-A32A-894D5623C2A2}" type="datetimeFigureOut">
               <a:rPr lang="zh-TW" altLang="en-US" smtClean="0"/>
-              <a:t>2023/8/19</a:t>
+              <a:t>2024/3/2</a:t>
             </a:fld>
             <a:endParaRPr lang="zh-TW" altLang="en-US"/>
           </a:p>
@@ -2647,10 +2647,9 @@
           <a:lstStyle/>
           <a:p>
             <a:r>
-              <a:rPr lang="zh-TW" altLang="en-US" smtClean="0"/>
+              <a:rPr lang="zh-TW" altLang="en-US"/>
               <a:t>按一下以編輯母片標題樣式</a:t>
             </a:r>
-            <a:endParaRPr lang="zh-TW" altLang="en-US"/>
           </a:p>
         </p:txBody>
       </p:sp>
@@ -2681,38 +2680,37 @@
           <a:p>
             <a:pPr lvl="0"/>
             <a:r>
-              <a:rPr lang="zh-TW" altLang="en-US" smtClean="0"/>
+              <a:rPr lang="zh-TW" altLang="en-US"/>
               <a:t>按一下以編輯母片文字樣式</a:t>
             </a:r>
           </a:p>
           <a:p>
             <a:pPr lvl="1"/>
             <a:r>
-              <a:rPr lang="zh-TW" altLang="en-US" smtClean="0"/>
+              <a:rPr lang="zh-TW" altLang="en-US"/>
               <a:t>第二層</a:t>
             </a:r>
           </a:p>
           <a:p>
             <a:pPr lvl="2"/>
             <a:r>
-              <a:rPr lang="zh-TW" altLang="en-US" smtClean="0"/>
+              <a:rPr lang="zh-TW" altLang="en-US"/>
               <a:t>第三層</a:t>
             </a:r>
           </a:p>
           <a:p>
             <a:pPr lvl="3"/>
             <a:r>
-              <a:rPr lang="zh-TW" altLang="en-US" smtClean="0"/>
+              <a:rPr lang="zh-TW" altLang="en-US"/>
               <a:t>第四層</a:t>
             </a:r>
           </a:p>
           <a:p>
             <a:pPr lvl="4"/>
             <a:r>
-              <a:rPr lang="zh-TW" altLang="en-US" smtClean="0"/>
+              <a:rPr lang="zh-TW" altLang="en-US"/>
               <a:t>第五層</a:t>
             </a:r>
-            <a:endParaRPr lang="zh-TW" altLang="en-US"/>
           </a:p>
         </p:txBody>
       </p:sp>
@@ -2751,7 +2749,7 @@
           <a:p>
             <a:fld id="{2D090BFC-FE9E-4A7A-A32A-894D5623C2A2}" type="datetimeFigureOut">
               <a:rPr lang="zh-TW" altLang="en-US" smtClean="0"/>
-              <a:t>2023/8/19</a:t>
+              <a:t>2024/3/2</a:t>
             </a:fld>
             <a:endParaRPr lang="zh-TW" altLang="en-US"/>
           </a:p>
@@ -3350,7 +3348,7 @@
                 <a:ea typeface="Microsoft JhengHei" panose="020B0604030504040204" pitchFamily="34" charset="-120"/>
                 <a:cs typeface="Microsoft Himalaya" panose="01010100010101010101" pitchFamily="2" charset="0"/>
               </a:rPr>
-              <a:t>正 </a:t>
+              <a:t>正歌 </a:t>
             </a:r>
             <a:r>
               <a:rPr lang="en-US" sz="3600" b="1" dirty="0">
@@ -3533,6 +3531,7 @@
                 <a:solidFill>
                   <a:srgbClr val="660033"/>
                 </a:solidFill>
+                <a:effectLst/>
                 <a:latin typeface="Microsoft JhengHei" panose="020B0604030504040204" pitchFamily="34" charset="-120"/>
                 <a:ea typeface="Microsoft JhengHei" panose="020B0604030504040204" pitchFamily="34" charset="-120"/>
                 <a:cs typeface="Microsoft Himalaya" panose="01010100010101010101" pitchFamily="2" charset="0"/>
@@ -3544,17 +3543,19 @@
                 <a:solidFill>
                   <a:srgbClr val="660033"/>
                 </a:solidFill>
+                <a:effectLst/>
                 <a:latin typeface="Microsoft JhengHei" panose="020B0604030504040204" pitchFamily="34" charset="-120"/>
                 <a:ea typeface="Microsoft JhengHei" panose="020B0604030504040204" pitchFamily="34" charset="-120"/>
                 <a:cs typeface="Microsoft Himalaya" panose="01010100010101010101" pitchFamily="2" charset="0"/>
               </a:rPr>
-              <a:t>正 </a:t>
+              <a:t>正歌 </a:t>
             </a:r>
             <a:r>
               <a:rPr lang="en-US" sz="3600" b="1" dirty="0">
                 <a:solidFill>
                   <a:srgbClr val="660033"/>
                 </a:solidFill>
+                <a:effectLst/>
                 <a:latin typeface="Microsoft JhengHei" panose="020B0604030504040204" pitchFamily="34" charset="-120"/>
                 <a:ea typeface="Microsoft JhengHei" panose="020B0604030504040204" pitchFamily="34" charset="-120"/>
                 <a:cs typeface="Microsoft Himalaya" panose="01010100010101010101" pitchFamily="2" charset="0"/>
@@ -3565,7 +3566,7 @@
               <a:solidFill>
                 <a:srgbClr val="660033"/>
               </a:solidFill>
-              <a:latin typeface="Microsoft JhengHei" panose="020B0604030504040204" pitchFamily="34" charset="-120"/>
+              <a:effectLst/>
               <a:ea typeface="Microsoft JhengHei" panose="020B0604030504040204" pitchFamily="34" charset="-120"/>
               <a:cs typeface="Microsoft Himalaya" panose="01010100010101010101" pitchFamily="2" charset="0"/>
             </a:endParaRPr>
@@ -3712,7 +3713,7 @@
                 <a:ea typeface="Microsoft JhengHei" panose="020B0604030504040204" pitchFamily="34" charset="-120"/>
                 <a:cs typeface="Microsoft Himalaya" panose="01010100010101010101" pitchFamily="2" charset="0"/>
               </a:rPr>
-              <a:t>副 </a:t>
+              <a:t>副歌 </a:t>
             </a:r>
             <a:r>
               <a:rPr lang="en-US" sz="3600" b="1" dirty="0">
@@ -3854,7 +3855,7 @@
                 <a:ea typeface="Microsoft JhengHei" panose="020B0604030504040204" pitchFamily="34" charset="-120"/>
                 <a:cs typeface="Microsoft Himalaya" panose="01010100010101010101" pitchFamily="2" charset="0"/>
               </a:rPr>
-              <a:t>副 </a:t>
+              <a:t>副歌 </a:t>
             </a:r>
             <a:r>
               <a:rPr lang="en-US" sz="3600" b="1" dirty="0">
@@ -4018,7 +4019,7 @@
                 <a:ea typeface="Microsoft JhengHei" panose="020B0604030504040204" pitchFamily="34" charset="-120"/>
                 <a:cs typeface="Microsoft Himalaya" panose="01010100010101010101" pitchFamily="2" charset="0"/>
               </a:rPr>
-              <a:t>副 </a:t>
+              <a:t>副歌 </a:t>
             </a:r>
             <a:r>
               <a:rPr lang="en-US" sz="3600" b="1" dirty="0">
@@ -4153,7 +4154,7 @@
                 <a:ea typeface="Microsoft JhengHei" panose="020B0604030504040204" pitchFamily="34" charset="-120"/>
                 <a:cs typeface="Microsoft Himalaya" panose="01010100010101010101" pitchFamily="2" charset="0"/>
               </a:rPr>
-              <a:t>副 </a:t>
+              <a:t>副歌 </a:t>
             </a:r>
             <a:r>
               <a:rPr lang="en-US" sz="3600" b="1" dirty="0">
